--- a/★★.pptx
+++ b/★★.pptx
@@ -8,32 +8,33 @@
     <p:sldMasterId id="2147483677" r:id="rId4"/>
   </p:sldMasterIdLst>
   <p:notesMasterIdLst>
-    <p:notesMasterId r:id="rId28"/>
+    <p:notesMasterId r:id="rId29"/>
   </p:notesMasterIdLst>
   <p:sldIdLst>
     <p:sldId id="287" r:id="rId5"/>
-    <p:sldId id="292" r:id="rId6"/>
-    <p:sldId id="286" r:id="rId7"/>
-    <p:sldId id="295" r:id="rId8"/>
-    <p:sldId id="301" r:id="rId9"/>
-    <p:sldId id="283" r:id="rId10"/>
-    <p:sldId id="291" r:id="rId11"/>
-    <p:sldId id="296" r:id="rId12"/>
-    <p:sldId id="297" r:id="rId13"/>
-    <p:sldId id="299" r:id="rId14"/>
-    <p:sldId id="302" r:id="rId15"/>
-    <p:sldId id="300" r:id="rId16"/>
-    <p:sldId id="298" r:id="rId17"/>
-    <p:sldId id="289" r:id="rId18"/>
-    <p:sldId id="290" r:id="rId19"/>
-    <p:sldId id="282" r:id="rId20"/>
-    <p:sldId id="285" r:id="rId21"/>
-    <p:sldId id="267" r:id="rId22"/>
-    <p:sldId id="284" r:id="rId23"/>
-    <p:sldId id="269" r:id="rId24"/>
-    <p:sldId id="270" r:id="rId25"/>
-    <p:sldId id="271" r:id="rId26"/>
-    <p:sldId id="281" r:id="rId27"/>
+    <p:sldId id="303" r:id="rId6"/>
+    <p:sldId id="292" r:id="rId7"/>
+    <p:sldId id="286" r:id="rId8"/>
+    <p:sldId id="295" r:id="rId9"/>
+    <p:sldId id="301" r:id="rId10"/>
+    <p:sldId id="283" r:id="rId11"/>
+    <p:sldId id="291" r:id="rId12"/>
+    <p:sldId id="296" r:id="rId13"/>
+    <p:sldId id="297" r:id="rId14"/>
+    <p:sldId id="299" r:id="rId15"/>
+    <p:sldId id="302" r:id="rId16"/>
+    <p:sldId id="300" r:id="rId17"/>
+    <p:sldId id="298" r:id="rId18"/>
+    <p:sldId id="289" r:id="rId19"/>
+    <p:sldId id="290" r:id="rId20"/>
+    <p:sldId id="282" r:id="rId21"/>
+    <p:sldId id="285" r:id="rId22"/>
+    <p:sldId id="267" r:id="rId23"/>
+    <p:sldId id="284" r:id="rId24"/>
+    <p:sldId id="269" r:id="rId25"/>
+    <p:sldId id="270" r:id="rId26"/>
+    <p:sldId id="271" r:id="rId27"/>
+    <p:sldId id="281" r:id="rId28"/>
   </p:sldIdLst>
   <p:sldSz cx="12192000" cy="6858000"/>
   <p:notesSz cx="6858000" cy="9144000"/>
@@ -134,7 +135,7 @@
   </p:defaultTextStyle>
   <p:extLst>
     <p:ext uri="{EFAFB233-063F-42B5-8137-9DF3F51BA10A}">
-      <p15:sldGuideLst xmlns:p15="http://schemas.microsoft.com/office/powerpoint/2012/main" xmlns=""/>
+      <p15:sldGuideLst xmlns="" xmlns:p15="http://schemas.microsoft.com/office/powerpoint/2012/main"/>
     </p:ext>
   </p:extLst>
 </p:presentation>
@@ -145,7 +146,7 @@
   <p:cmAuthor id="2" name="Kawaguchi Masanori／川口　雅典／AI" initials="KM" lastIdx="1" clrIdx="0">
     <p:extLst>
       <p:ext uri="{19B8F6BF-5375-455C-9EA6-DF929625EA0E}">
-        <p15:presenceInfo xmlns:p15="http://schemas.microsoft.com/office/powerpoint/2012/main" xmlns="" userId="S-1-5-21-2342985740-1014416105-2952744176-107177" providerId="AD"/>
+        <p15:presenceInfo xmlns="" xmlns:p15="http://schemas.microsoft.com/office/powerpoint/2012/main" userId="S-1-5-21-2342985740-1014416105-2952744176-107177" providerId="AD"/>
       </p:ext>
     </p:extLst>
   </p:cmAuthor>
@@ -234,7 +235,7 @@
           <a:p>
             <a:fld id="{9658A22A-E5D9-41D2-96B3-0C305ABBA05F}" type="datetimeFigureOut">
               <a:rPr kumimoji="1" lang="ja-JP" altLang="en-US" smtClean="0"/>
-              <a:t>23/10/21</a:t>
+              <a:t>23/10/23</a:t>
             </a:fld>
             <a:endParaRPr kumimoji="1" lang="ja-JP" altLang="en-US"/>
           </a:p>
@@ -787,7 +788,7 @@
           <a:p>
             <a:fld id="{E5CE2423-1C35-4C12-BAEC-CBD3693D0CE2}" type="datetimeFigureOut">
               <a:rPr kumimoji="1" lang="ja-JP" altLang="en-US" smtClean="0"/>
-              <a:t>23/10/21</a:t>
+              <a:t>23/10/23</a:t>
             </a:fld>
             <a:endParaRPr kumimoji="1" lang="ja-JP" altLang="en-US"/>
           </a:p>
@@ -905,7 +906,7 @@
           <p:cNvPr id="8" name="テキスト プレースホルダー 2">
             <a:extLst>
               <a:ext uri="{FF2B5EF4-FFF2-40B4-BE49-F238E27FC236}">
-                <a16:creationId xmlns:a16="http://schemas.microsoft.com/office/drawing/2014/main" xmlns="" id="{D36865C0-32FD-6041-BDCE-3C31AE2B383C}"/>
+                <a16:creationId xmlns="" xmlns:a16="http://schemas.microsoft.com/office/drawing/2014/main" id="{D36865C0-32FD-6041-BDCE-3C31AE2B383C}"/>
               </a:ext>
             </a:extLst>
           </p:cNvPr>
@@ -1029,7 +1030,7 @@
             <a:fld id="{FCAFAC13-DB77-42F2-BE26-45BA5532FD50}" type="datetime4">
               <a:rPr lang="en-US" altLang="ja-JP" smtClean="0"/>
               <a:pPr/>
-              <a:t>2023年 10月 21日 </a:t>
+              <a:t>2023年 10月 23日 </a:t>
             </a:fld>
             <a:endParaRPr lang="en-US" dirty="0"/>
           </a:p>
@@ -1538,7 +1539,7 @@
           <p:cNvPr id="6" name="テキスト ボックス 5">
             <a:extLst>
               <a:ext uri="{FF2B5EF4-FFF2-40B4-BE49-F238E27FC236}">
-                <a16:creationId xmlns:a16="http://schemas.microsoft.com/office/drawing/2014/main" xmlns="" id="{78E4C2EF-773D-B34F-B303-741257996BEA}"/>
+                <a16:creationId xmlns="" xmlns:a16="http://schemas.microsoft.com/office/drawing/2014/main" id="{78E4C2EF-773D-B34F-B303-741257996BEA}"/>
               </a:ext>
             </a:extLst>
           </p:cNvPr>
@@ -1603,7 +1604,7 @@
           <p:cNvPr id="8" name="テキスト プレースホルダー 2">
             <a:extLst>
               <a:ext uri="{FF2B5EF4-FFF2-40B4-BE49-F238E27FC236}">
-                <a16:creationId xmlns:a16="http://schemas.microsoft.com/office/drawing/2014/main" xmlns="" id="{CAA40E23-9A1E-0940-A59B-09CD3AAE8716}"/>
+                <a16:creationId xmlns="" xmlns:a16="http://schemas.microsoft.com/office/drawing/2014/main" id="{CAA40E23-9A1E-0940-A59B-09CD3AAE8716}"/>
               </a:ext>
             </a:extLst>
           </p:cNvPr>
@@ -1735,7 +1736,7 @@
           <p:cNvPr id="10" name="テキスト プレースホルダー 2">
             <a:extLst>
               <a:ext uri="{FF2B5EF4-FFF2-40B4-BE49-F238E27FC236}">
-                <a16:creationId xmlns:a16="http://schemas.microsoft.com/office/drawing/2014/main" xmlns="" id="{875E482E-9BA5-584D-A377-01176B057662}"/>
+                <a16:creationId xmlns="" xmlns:a16="http://schemas.microsoft.com/office/drawing/2014/main" id="{875E482E-9BA5-584D-A377-01176B057662}"/>
               </a:ext>
             </a:extLst>
           </p:cNvPr>
@@ -1971,7 +1972,7 @@
           <p:cNvPr id="19" name="テキスト プレースホルダー 2">
             <a:extLst>
               <a:ext uri="{FF2B5EF4-FFF2-40B4-BE49-F238E27FC236}">
-                <a16:creationId xmlns:a16="http://schemas.microsoft.com/office/drawing/2014/main" xmlns="" id="{3E2ADED7-0ED2-7C47-B4C0-1E5C776280C5}"/>
+                <a16:creationId xmlns="" xmlns:a16="http://schemas.microsoft.com/office/drawing/2014/main" id="{3E2ADED7-0ED2-7C47-B4C0-1E5C776280C5}"/>
               </a:ext>
             </a:extLst>
           </p:cNvPr>
@@ -2077,7 +2078,7 @@
           <p:cNvPr id="21" name="テキスト プレースホルダー 2">
             <a:extLst>
               <a:ext uri="{FF2B5EF4-FFF2-40B4-BE49-F238E27FC236}">
-                <a16:creationId xmlns:a16="http://schemas.microsoft.com/office/drawing/2014/main" xmlns="" id="{015466B9-7F06-204A-B53C-64E4557C2532}"/>
+                <a16:creationId xmlns="" xmlns:a16="http://schemas.microsoft.com/office/drawing/2014/main" id="{015466B9-7F06-204A-B53C-64E4557C2532}"/>
               </a:ext>
             </a:extLst>
           </p:cNvPr>
@@ -2312,7 +2313,7 @@
           <p:cNvPr id="21" name="テキスト プレースホルダー 2">
             <a:extLst>
               <a:ext uri="{FF2B5EF4-FFF2-40B4-BE49-F238E27FC236}">
-                <a16:creationId xmlns:a16="http://schemas.microsoft.com/office/drawing/2014/main" xmlns="" id="{C9A4CBBA-B6A9-0844-B2B8-6153993E5562}"/>
+                <a16:creationId xmlns="" xmlns:a16="http://schemas.microsoft.com/office/drawing/2014/main" id="{C9A4CBBA-B6A9-0844-B2B8-6153993E5562}"/>
               </a:ext>
             </a:extLst>
           </p:cNvPr>
@@ -2418,7 +2419,7 @@
           <p:cNvPr id="24" name="テキスト プレースホルダー 2">
             <a:extLst>
               <a:ext uri="{FF2B5EF4-FFF2-40B4-BE49-F238E27FC236}">
-                <a16:creationId xmlns:a16="http://schemas.microsoft.com/office/drawing/2014/main" xmlns="" id="{0A92448B-A105-7F45-A55A-04ED997A09CA}"/>
+                <a16:creationId xmlns="" xmlns:a16="http://schemas.microsoft.com/office/drawing/2014/main" id="{0A92448B-A105-7F45-A55A-04ED997A09CA}"/>
               </a:ext>
             </a:extLst>
           </p:cNvPr>
@@ -2949,7 +2950,7 @@
           <a:p>
             <a:fld id="{E5CE2423-1C35-4C12-BAEC-CBD3693D0CE2}" type="datetimeFigureOut">
               <a:rPr kumimoji="1" lang="ja-JP" altLang="en-US" smtClean="0"/>
-              <a:t>23/10/21</a:t>
+              <a:t>23/10/23</a:t>
             </a:fld>
             <a:endParaRPr kumimoji="1" lang="ja-JP" altLang="en-US"/>
           </a:p>
@@ -3383,7 +3384,7 @@
           <a:p>
             <a:fld id="{E5CE2423-1C35-4C12-BAEC-CBD3693D0CE2}" type="datetimeFigureOut">
               <a:rPr kumimoji="1" lang="ja-JP" altLang="en-US" smtClean="0"/>
-              <a:t>23/10/21</a:t>
+              <a:t>23/10/23</a:t>
             </a:fld>
             <a:endParaRPr kumimoji="1" lang="ja-JP" altLang="en-US"/>
           </a:p>
@@ -3686,7 +3687,7 @@
           <a:p>
             <a:fld id="{E5CE2423-1C35-4C12-BAEC-CBD3693D0CE2}" type="datetimeFigureOut">
               <a:rPr kumimoji="1" lang="ja-JP" altLang="en-US" smtClean="0"/>
-              <a:t>23/10/21</a:t>
+              <a:t>23/10/23</a:t>
             </a:fld>
             <a:endParaRPr kumimoji="1" lang="ja-JP" altLang="en-US"/>
           </a:p>
@@ -3902,7 +3903,7 @@
           <a:p>
             <a:fld id="{E5CE2423-1C35-4C12-BAEC-CBD3693D0CE2}" type="datetimeFigureOut">
               <a:rPr kumimoji="1" lang="ja-JP" altLang="en-US" smtClean="0"/>
-              <a:t>23/10/21</a:t>
+              <a:t>23/10/23</a:t>
             </a:fld>
             <a:endParaRPr kumimoji="1" lang="ja-JP" altLang="en-US"/>
           </a:p>
@@ -4074,7 +4075,7 @@
           <p:cNvPr id="7" name="テキスト プレースホルダー 2">
             <a:extLst>
               <a:ext uri="{FF2B5EF4-FFF2-40B4-BE49-F238E27FC236}">
-                <a16:creationId xmlns:a16="http://schemas.microsoft.com/office/drawing/2014/main" xmlns="" id="{8D423200-9DDA-EB45-B4AE-06A422E698E1}"/>
+                <a16:creationId xmlns="" xmlns:a16="http://schemas.microsoft.com/office/drawing/2014/main" id="{8D423200-9DDA-EB45-B4AE-06A422E698E1}"/>
               </a:ext>
             </a:extLst>
           </p:cNvPr>
@@ -4189,7 +4190,7 @@
             <a:fld id="{FCAFAC13-DB77-42F2-BE26-45BA5532FD50}" type="datetime4">
               <a:rPr lang="en-US" altLang="ja-JP" smtClean="0"/>
               <a:pPr/>
-              <a:t>2023年 10月 21日 </a:t>
+              <a:t>2023年 10月 23日 </a:t>
             </a:fld>
             <a:endParaRPr lang="en-US" dirty="0"/>
           </a:p>
@@ -4344,7 +4345,7 @@
             <a:fld id="{FCAFAC13-DB77-42F2-BE26-45BA5532FD50}" type="datetime4">
               <a:rPr lang="en-US" altLang="ja-JP" smtClean="0"/>
               <a:pPr/>
-              <a:t>2023年 10月 21日 </a:t>
+              <a:t>2023年 10月 23日 </a:t>
             </a:fld>
             <a:endParaRPr lang="en-US" dirty="0"/>
           </a:p>
@@ -4562,7 +4563,7 @@
             <a:fld id="{FCAFAC13-DB77-42F2-BE26-45BA5532FD50}" type="datetime4">
               <a:rPr lang="en-US" altLang="ja-JP" smtClean="0"/>
               <a:pPr/>
-              <a:t>2023年 10月 21日 </a:t>
+              <a:t>2023年 10月 23日 </a:t>
             </a:fld>
             <a:endParaRPr lang="en-US" dirty="0"/>
           </a:p>
@@ -4668,7 +4669,7 @@
           <p:cNvPr id="23" name="コンテンツ プレースホルダー 6">
             <a:extLst>
               <a:ext uri="{FF2B5EF4-FFF2-40B4-BE49-F238E27FC236}">
-                <a16:creationId xmlns:a16="http://schemas.microsoft.com/office/drawing/2014/main" xmlns="" id="{3B2F5581-4034-DA46-842F-58D9CD0C1C39}"/>
+                <a16:creationId xmlns="" xmlns:a16="http://schemas.microsoft.com/office/drawing/2014/main" id="{3B2F5581-4034-DA46-842F-58D9CD0C1C39}"/>
               </a:ext>
             </a:extLst>
           </p:cNvPr>
@@ -4894,7 +4895,7 @@
           <a:p>
             <a:fld id="{E5CE2423-1C35-4C12-BAEC-CBD3693D0CE2}" type="datetimeFigureOut">
               <a:rPr kumimoji="1" lang="ja-JP" altLang="en-US" smtClean="0"/>
-              <a:t>23/10/21</a:t>
+              <a:t>23/10/23</a:t>
             </a:fld>
             <a:endParaRPr kumimoji="1" lang="ja-JP" altLang="en-US"/>
           </a:p>
@@ -4905,7 +4906,7 @@
           <p:cNvPr id="65" name="正方形/長方形 64">
             <a:extLst>
               <a:ext uri="{FF2B5EF4-FFF2-40B4-BE49-F238E27FC236}">
-                <a16:creationId xmlns:a16="http://schemas.microsoft.com/office/drawing/2014/main" xmlns="" id="{F4AC7A4D-6E21-7A4C-A961-5DA83D8F01AE}"/>
+                <a16:creationId xmlns="" xmlns:a16="http://schemas.microsoft.com/office/drawing/2014/main" id="{F4AC7A4D-6E21-7A4C-A961-5DA83D8F01AE}"/>
               </a:ext>
             </a:extLst>
           </p:cNvPr>
@@ -4988,7 +4989,7 @@
           <p:cNvPr id="66" name="正方形/長方形 65">
             <a:extLst>
               <a:ext uri="{FF2B5EF4-FFF2-40B4-BE49-F238E27FC236}">
-                <a16:creationId xmlns:a16="http://schemas.microsoft.com/office/drawing/2014/main" xmlns="" id="{F4AC7A4D-6E21-7A4C-A961-5DA83D8F01AE}"/>
+                <a16:creationId xmlns="" xmlns:a16="http://schemas.microsoft.com/office/drawing/2014/main" id="{F4AC7A4D-6E21-7A4C-A961-5DA83D8F01AE}"/>
               </a:ext>
             </a:extLst>
           </p:cNvPr>
@@ -5129,7 +5130,7 @@
           <p:cNvPr id="67" name="正方形/長方形 66">
             <a:extLst>
               <a:ext uri="{FF2B5EF4-FFF2-40B4-BE49-F238E27FC236}">
-                <a16:creationId xmlns:a16="http://schemas.microsoft.com/office/drawing/2014/main" xmlns="" id="{726849EE-6865-1F4E-B2B0-B61D15B6EC0D}"/>
+                <a16:creationId xmlns="" xmlns:a16="http://schemas.microsoft.com/office/drawing/2014/main" id="{726849EE-6865-1F4E-B2B0-B61D15B6EC0D}"/>
               </a:ext>
             </a:extLst>
           </p:cNvPr>
@@ -5186,7 +5187,7 @@
           <p:cNvPr id="68" name="正方形/長方形 67">
             <a:extLst>
               <a:ext uri="{FF2B5EF4-FFF2-40B4-BE49-F238E27FC236}">
-                <a16:creationId xmlns:a16="http://schemas.microsoft.com/office/drawing/2014/main" xmlns="" id="{F4AC7A4D-6E21-7A4C-A961-5DA83D8F01AE}"/>
+                <a16:creationId xmlns="" xmlns:a16="http://schemas.microsoft.com/office/drawing/2014/main" id="{F4AC7A4D-6E21-7A4C-A961-5DA83D8F01AE}"/>
               </a:ext>
             </a:extLst>
           </p:cNvPr>
@@ -5327,7 +5328,7 @@
           <p:cNvPr id="69" name="正方形/長方形 68">
             <a:extLst>
               <a:ext uri="{FF2B5EF4-FFF2-40B4-BE49-F238E27FC236}">
-                <a16:creationId xmlns:a16="http://schemas.microsoft.com/office/drawing/2014/main" xmlns="" id="{48C117A6-C546-0C42-99EF-0376AB21CB8A}"/>
+                <a16:creationId xmlns="" xmlns:a16="http://schemas.microsoft.com/office/drawing/2014/main" id="{48C117A6-C546-0C42-99EF-0376AB21CB8A}"/>
               </a:ext>
             </a:extLst>
           </p:cNvPr>
@@ -5384,7 +5385,7 @@
           <p:cNvPr id="70" name="正方形/長方形 69">
             <a:extLst>
               <a:ext uri="{FF2B5EF4-FFF2-40B4-BE49-F238E27FC236}">
-                <a16:creationId xmlns:a16="http://schemas.microsoft.com/office/drawing/2014/main" xmlns="" id="{F4AC7A4D-6E21-7A4C-A961-5DA83D8F01AE}"/>
+                <a16:creationId xmlns="" xmlns:a16="http://schemas.microsoft.com/office/drawing/2014/main" id="{F4AC7A4D-6E21-7A4C-A961-5DA83D8F01AE}"/>
               </a:ext>
             </a:extLst>
           </p:cNvPr>
@@ -5535,7 +5536,7 @@
           <p:cNvPr id="71" name="正方形/長方形 70">
             <a:extLst>
               <a:ext uri="{FF2B5EF4-FFF2-40B4-BE49-F238E27FC236}">
-                <a16:creationId xmlns:a16="http://schemas.microsoft.com/office/drawing/2014/main" xmlns="" id="{DC31C3B1-5ED5-CC45-8D42-9AC157BF190D}"/>
+                <a16:creationId xmlns="" xmlns:a16="http://schemas.microsoft.com/office/drawing/2014/main" id="{DC31C3B1-5ED5-CC45-8D42-9AC157BF190D}"/>
               </a:ext>
             </a:extLst>
           </p:cNvPr>
@@ -5592,7 +5593,7 @@
           <p:cNvPr id="72" name="正方形/長方形 71">
             <a:extLst>
               <a:ext uri="{FF2B5EF4-FFF2-40B4-BE49-F238E27FC236}">
-                <a16:creationId xmlns:a16="http://schemas.microsoft.com/office/drawing/2014/main" xmlns="" id="{F4AC7A4D-6E21-7A4C-A961-5DA83D8F01AE}"/>
+                <a16:creationId xmlns="" xmlns:a16="http://schemas.microsoft.com/office/drawing/2014/main" id="{F4AC7A4D-6E21-7A4C-A961-5DA83D8F01AE}"/>
               </a:ext>
             </a:extLst>
           </p:cNvPr>
@@ -5749,7 +5750,7 @@
           <p:cNvPr id="73" name="正方形/長方形 72">
             <a:extLst>
               <a:ext uri="{FF2B5EF4-FFF2-40B4-BE49-F238E27FC236}">
-                <a16:creationId xmlns:a16="http://schemas.microsoft.com/office/drawing/2014/main" xmlns="" id="{ACA1EDBB-4DB2-E24D-83B0-24E929FD55CA}"/>
+                <a16:creationId xmlns="" xmlns:a16="http://schemas.microsoft.com/office/drawing/2014/main" id="{ACA1EDBB-4DB2-E24D-83B0-24E929FD55CA}"/>
               </a:ext>
             </a:extLst>
           </p:cNvPr>
@@ -5806,7 +5807,7 @@
           <p:cNvPr id="74" name="正方形/長方形 73">
             <a:extLst>
               <a:ext uri="{FF2B5EF4-FFF2-40B4-BE49-F238E27FC236}">
-                <a16:creationId xmlns:a16="http://schemas.microsoft.com/office/drawing/2014/main" xmlns="" id="{F4AC7A4D-6E21-7A4C-A961-5DA83D8F01AE}"/>
+                <a16:creationId xmlns="" xmlns:a16="http://schemas.microsoft.com/office/drawing/2014/main" id="{F4AC7A4D-6E21-7A4C-A961-5DA83D8F01AE}"/>
               </a:ext>
             </a:extLst>
           </p:cNvPr>
@@ -5937,7 +5938,7 @@
           <p:cNvPr id="75" name="正方形/長方形 74">
             <a:extLst>
               <a:ext uri="{FF2B5EF4-FFF2-40B4-BE49-F238E27FC236}">
-                <a16:creationId xmlns:a16="http://schemas.microsoft.com/office/drawing/2014/main" xmlns="" id="{F4AC7A4D-6E21-7A4C-A961-5DA83D8F01AE}"/>
+                <a16:creationId xmlns="" xmlns:a16="http://schemas.microsoft.com/office/drawing/2014/main" id="{F4AC7A4D-6E21-7A4C-A961-5DA83D8F01AE}"/>
               </a:ext>
             </a:extLst>
           </p:cNvPr>
@@ -6068,7 +6069,7 @@
           <p:cNvPr id="76" name="正方形/長方形 75">
             <a:extLst>
               <a:ext uri="{FF2B5EF4-FFF2-40B4-BE49-F238E27FC236}">
-                <a16:creationId xmlns:a16="http://schemas.microsoft.com/office/drawing/2014/main" xmlns="" id="{ACA1EDBB-4DB2-E24D-83B0-24E929FD55CA}"/>
+                <a16:creationId xmlns="" xmlns:a16="http://schemas.microsoft.com/office/drawing/2014/main" id="{ACA1EDBB-4DB2-E24D-83B0-24E929FD55CA}"/>
               </a:ext>
             </a:extLst>
           </p:cNvPr>
@@ -6125,7 +6126,7 @@
           <p:cNvPr id="77" name="正方形/長方形 76">
             <a:extLst>
               <a:ext uri="{FF2B5EF4-FFF2-40B4-BE49-F238E27FC236}">
-                <a16:creationId xmlns:a16="http://schemas.microsoft.com/office/drawing/2014/main" xmlns="" id="{E40500AD-14E2-CB4D-9452-050B16BFCA22}"/>
+                <a16:creationId xmlns="" xmlns:a16="http://schemas.microsoft.com/office/drawing/2014/main" id="{E40500AD-14E2-CB4D-9452-050B16BFCA22}"/>
               </a:ext>
             </a:extLst>
           </p:cNvPr>
@@ -6182,7 +6183,7 @@
           <p:cNvPr id="78" name="正方形/長方形 77">
             <a:extLst>
               <a:ext uri="{FF2B5EF4-FFF2-40B4-BE49-F238E27FC236}">
-                <a16:creationId xmlns:a16="http://schemas.microsoft.com/office/drawing/2014/main" xmlns="" id="{F4AC7A4D-6E21-7A4C-A961-5DA83D8F01AE}"/>
+                <a16:creationId xmlns="" xmlns:a16="http://schemas.microsoft.com/office/drawing/2014/main" id="{F4AC7A4D-6E21-7A4C-A961-5DA83D8F01AE}"/>
               </a:ext>
             </a:extLst>
           </p:cNvPr>
@@ -6353,7 +6354,7 @@
           <p:cNvPr id="79" name="正方形/長方形 78">
             <a:extLst>
               <a:ext uri="{FF2B5EF4-FFF2-40B4-BE49-F238E27FC236}">
-                <a16:creationId xmlns:a16="http://schemas.microsoft.com/office/drawing/2014/main" xmlns="" id="{E40500AD-14E2-CB4D-9452-050B16BFCA22}"/>
+                <a16:creationId xmlns="" xmlns:a16="http://schemas.microsoft.com/office/drawing/2014/main" id="{E40500AD-14E2-CB4D-9452-050B16BFCA22}"/>
               </a:ext>
             </a:extLst>
           </p:cNvPr>
@@ -6410,7 +6411,7 @@
           <p:cNvPr id="80" name="正方形/長方形 79">
             <a:extLst>
               <a:ext uri="{FF2B5EF4-FFF2-40B4-BE49-F238E27FC236}">
-                <a16:creationId xmlns:a16="http://schemas.microsoft.com/office/drawing/2014/main" xmlns="" id="{F4AC7A4D-6E21-7A4C-A961-5DA83D8F01AE}"/>
+                <a16:creationId xmlns="" xmlns:a16="http://schemas.microsoft.com/office/drawing/2014/main" id="{F4AC7A4D-6E21-7A4C-A961-5DA83D8F01AE}"/>
               </a:ext>
             </a:extLst>
           </p:cNvPr>
@@ -6581,7 +6582,7 @@
           <p:cNvPr id="81" name="正方形/長方形 80">
             <a:extLst>
               <a:ext uri="{FF2B5EF4-FFF2-40B4-BE49-F238E27FC236}">
-                <a16:creationId xmlns:a16="http://schemas.microsoft.com/office/drawing/2014/main" xmlns="" id="{ACA1EDBB-4DB2-E24D-83B0-24E929FD55CA}"/>
+                <a16:creationId xmlns="" xmlns:a16="http://schemas.microsoft.com/office/drawing/2014/main" id="{ACA1EDBB-4DB2-E24D-83B0-24E929FD55CA}"/>
               </a:ext>
             </a:extLst>
           </p:cNvPr>
@@ -6638,7 +6639,7 @@
           <p:cNvPr id="82" name="正方形/長方形 81">
             <a:extLst>
               <a:ext uri="{FF2B5EF4-FFF2-40B4-BE49-F238E27FC236}">
-                <a16:creationId xmlns:a16="http://schemas.microsoft.com/office/drawing/2014/main" xmlns="" id="{F4AC7A4D-6E21-7A4C-A961-5DA83D8F01AE}"/>
+                <a16:creationId xmlns="" xmlns:a16="http://schemas.microsoft.com/office/drawing/2014/main" id="{F4AC7A4D-6E21-7A4C-A961-5DA83D8F01AE}"/>
               </a:ext>
             </a:extLst>
           </p:cNvPr>
@@ -6809,7 +6810,7 @@
           <p:cNvPr id="83" name="正方形/長方形 82">
             <a:extLst>
               <a:ext uri="{FF2B5EF4-FFF2-40B4-BE49-F238E27FC236}">
-                <a16:creationId xmlns:a16="http://schemas.microsoft.com/office/drawing/2014/main" xmlns="" id="{F4AC7A4D-6E21-7A4C-A961-5DA83D8F01AE}"/>
+                <a16:creationId xmlns="" xmlns:a16="http://schemas.microsoft.com/office/drawing/2014/main" id="{F4AC7A4D-6E21-7A4C-A961-5DA83D8F01AE}"/>
               </a:ext>
             </a:extLst>
           </p:cNvPr>
@@ -6980,7 +6981,7 @@
           <p:cNvPr id="84" name="正方形/長方形 83">
             <a:extLst>
               <a:ext uri="{FF2B5EF4-FFF2-40B4-BE49-F238E27FC236}">
-                <a16:creationId xmlns:a16="http://schemas.microsoft.com/office/drawing/2014/main" xmlns="" id="{ACA1EDBB-4DB2-E24D-83B0-24E929FD55CA}"/>
+                <a16:creationId xmlns="" xmlns:a16="http://schemas.microsoft.com/office/drawing/2014/main" id="{ACA1EDBB-4DB2-E24D-83B0-24E929FD55CA}"/>
               </a:ext>
             </a:extLst>
           </p:cNvPr>
@@ -7037,7 +7038,7 @@
           <p:cNvPr id="85" name="正方形/長方形 84">
             <a:extLst>
               <a:ext uri="{FF2B5EF4-FFF2-40B4-BE49-F238E27FC236}">
-                <a16:creationId xmlns:a16="http://schemas.microsoft.com/office/drawing/2014/main" xmlns="" id="{ACA1EDBB-4DB2-E24D-83B0-24E929FD55CA}"/>
+                <a16:creationId xmlns="" xmlns:a16="http://schemas.microsoft.com/office/drawing/2014/main" id="{ACA1EDBB-4DB2-E24D-83B0-24E929FD55CA}"/>
               </a:ext>
             </a:extLst>
           </p:cNvPr>
@@ -7094,7 +7095,7 @@
           <p:cNvPr id="86" name="正方形/長方形 85">
             <a:extLst>
               <a:ext uri="{FF2B5EF4-FFF2-40B4-BE49-F238E27FC236}">
-                <a16:creationId xmlns:a16="http://schemas.microsoft.com/office/drawing/2014/main" xmlns="" id="{F4AC7A4D-6E21-7A4C-A961-5DA83D8F01AE}"/>
+                <a16:creationId xmlns="" xmlns:a16="http://schemas.microsoft.com/office/drawing/2014/main" id="{F4AC7A4D-6E21-7A4C-A961-5DA83D8F01AE}"/>
               </a:ext>
             </a:extLst>
           </p:cNvPr>
@@ -7265,7 +7266,7 @@
           <p:cNvPr id="87" name="正方形/長方形 86">
             <a:extLst>
               <a:ext uri="{FF2B5EF4-FFF2-40B4-BE49-F238E27FC236}">
-                <a16:creationId xmlns:a16="http://schemas.microsoft.com/office/drawing/2014/main" xmlns="" id="{F4AC7A4D-6E21-7A4C-A961-5DA83D8F01AE}"/>
+                <a16:creationId xmlns="" xmlns:a16="http://schemas.microsoft.com/office/drawing/2014/main" id="{F4AC7A4D-6E21-7A4C-A961-5DA83D8F01AE}"/>
               </a:ext>
             </a:extLst>
           </p:cNvPr>
@@ -7436,7 +7437,7 @@
           <p:cNvPr id="88" name="正方形/長方形 87">
             <a:extLst>
               <a:ext uri="{FF2B5EF4-FFF2-40B4-BE49-F238E27FC236}">
-                <a16:creationId xmlns:a16="http://schemas.microsoft.com/office/drawing/2014/main" xmlns="" id="{ACA1EDBB-4DB2-E24D-83B0-24E929FD55CA}"/>
+                <a16:creationId xmlns="" xmlns:a16="http://schemas.microsoft.com/office/drawing/2014/main" id="{ACA1EDBB-4DB2-E24D-83B0-24E929FD55CA}"/>
               </a:ext>
             </a:extLst>
           </p:cNvPr>
@@ -7493,7 +7494,7 @@
           <p:cNvPr id="89" name="正方形/長方形 88">
             <a:extLst>
               <a:ext uri="{FF2B5EF4-FFF2-40B4-BE49-F238E27FC236}">
-                <a16:creationId xmlns:a16="http://schemas.microsoft.com/office/drawing/2014/main" xmlns="" id="{DC31C3B1-5ED5-CC45-8D42-9AC157BF190D}"/>
+                <a16:creationId xmlns="" xmlns:a16="http://schemas.microsoft.com/office/drawing/2014/main" id="{DC31C3B1-5ED5-CC45-8D42-9AC157BF190D}"/>
               </a:ext>
             </a:extLst>
           </p:cNvPr>
@@ -7550,7 +7551,7 @@
           <p:cNvPr id="90" name="正方形/長方形 89">
             <a:extLst>
               <a:ext uri="{FF2B5EF4-FFF2-40B4-BE49-F238E27FC236}">
-                <a16:creationId xmlns:a16="http://schemas.microsoft.com/office/drawing/2014/main" xmlns="" id="{F4AC7A4D-6E21-7A4C-A961-5DA83D8F01AE}"/>
+                <a16:creationId xmlns="" xmlns:a16="http://schemas.microsoft.com/office/drawing/2014/main" id="{F4AC7A4D-6E21-7A4C-A961-5DA83D8F01AE}"/>
               </a:ext>
             </a:extLst>
           </p:cNvPr>
@@ -8030,7 +8031,7 @@
           <p:cNvPr id="60" name="正方形/長方形 59">
             <a:extLst>
               <a:ext uri="{FF2B5EF4-FFF2-40B4-BE49-F238E27FC236}">
-                <a16:creationId xmlns:a16="http://schemas.microsoft.com/office/drawing/2014/main" xmlns="" id="{F4AC7A4D-6E21-7A4C-A961-5DA83D8F01AE}"/>
+                <a16:creationId xmlns="" xmlns:a16="http://schemas.microsoft.com/office/drawing/2014/main" id="{F4AC7A4D-6E21-7A4C-A961-5DA83D8F01AE}"/>
               </a:ext>
             </a:extLst>
           </p:cNvPr>
@@ -8113,7 +8114,7 @@
           <p:cNvPr id="61" name="正方形/長方形 60">
             <a:extLst>
               <a:ext uri="{FF2B5EF4-FFF2-40B4-BE49-F238E27FC236}">
-                <a16:creationId xmlns:a16="http://schemas.microsoft.com/office/drawing/2014/main" xmlns="" id="{F4AC7A4D-6E21-7A4C-A961-5DA83D8F01AE}"/>
+                <a16:creationId xmlns="" xmlns:a16="http://schemas.microsoft.com/office/drawing/2014/main" id="{F4AC7A4D-6E21-7A4C-A961-5DA83D8F01AE}"/>
               </a:ext>
             </a:extLst>
           </p:cNvPr>
@@ -8254,7 +8255,7 @@
           <p:cNvPr id="62" name="正方形/長方形 61">
             <a:extLst>
               <a:ext uri="{FF2B5EF4-FFF2-40B4-BE49-F238E27FC236}">
-                <a16:creationId xmlns:a16="http://schemas.microsoft.com/office/drawing/2014/main" xmlns="" id="{726849EE-6865-1F4E-B2B0-B61D15B6EC0D}"/>
+                <a16:creationId xmlns="" xmlns:a16="http://schemas.microsoft.com/office/drawing/2014/main" id="{726849EE-6865-1F4E-B2B0-B61D15B6EC0D}"/>
               </a:ext>
             </a:extLst>
           </p:cNvPr>
@@ -8311,7 +8312,7 @@
           <p:cNvPr id="63" name="正方形/長方形 62">
             <a:extLst>
               <a:ext uri="{FF2B5EF4-FFF2-40B4-BE49-F238E27FC236}">
-                <a16:creationId xmlns:a16="http://schemas.microsoft.com/office/drawing/2014/main" xmlns="" id="{F4AC7A4D-6E21-7A4C-A961-5DA83D8F01AE}"/>
+                <a16:creationId xmlns="" xmlns:a16="http://schemas.microsoft.com/office/drawing/2014/main" id="{F4AC7A4D-6E21-7A4C-A961-5DA83D8F01AE}"/>
               </a:ext>
             </a:extLst>
           </p:cNvPr>
@@ -8452,7 +8453,7 @@
           <p:cNvPr id="64" name="正方形/長方形 63">
             <a:extLst>
               <a:ext uri="{FF2B5EF4-FFF2-40B4-BE49-F238E27FC236}">
-                <a16:creationId xmlns:a16="http://schemas.microsoft.com/office/drawing/2014/main" xmlns="" id="{48C117A6-C546-0C42-99EF-0376AB21CB8A}"/>
+                <a16:creationId xmlns="" xmlns:a16="http://schemas.microsoft.com/office/drawing/2014/main" id="{48C117A6-C546-0C42-99EF-0376AB21CB8A}"/>
               </a:ext>
             </a:extLst>
           </p:cNvPr>
@@ -8509,7 +8510,7 @@
           <p:cNvPr id="65" name="正方形/長方形 64">
             <a:extLst>
               <a:ext uri="{FF2B5EF4-FFF2-40B4-BE49-F238E27FC236}">
-                <a16:creationId xmlns:a16="http://schemas.microsoft.com/office/drawing/2014/main" xmlns="" id="{F4AC7A4D-6E21-7A4C-A961-5DA83D8F01AE}"/>
+                <a16:creationId xmlns="" xmlns:a16="http://schemas.microsoft.com/office/drawing/2014/main" id="{F4AC7A4D-6E21-7A4C-A961-5DA83D8F01AE}"/>
               </a:ext>
             </a:extLst>
           </p:cNvPr>
@@ -8660,7 +8661,7 @@
           <p:cNvPr id="66" name="正方形/長方形 65">
             <a:extLst>
               <a:ext uri="{FF2B5EF4-FFF2-40B4-BE49-F238E27FC236}">
-                <a16:creationId xmlns:a16="http://schemas.microsoft.com/office/drawing/2014/main" xmlns="" id="{DC31C3B1-5ED5-CC45-8D42-9AC157BF190D}"/>
+                <a16:creationId xmlns="" xmlns:a16="http://schemas.microsoft.com/office/drawing/2014/main" id="{DC31C3B1-5ED5-CC45-8D42-9AC157BF190D}"/>
               </a:ext>
             </a:extLst>
           </p:cNvPr>
@@ -8717,7 +8718,7 @@
           <p:cNvPr id="67" name="正方形/長方形 66">
             <a:extLst>
               <a:ext uri="{FF2B5EF4-FFF2-40B4-BE49-F238E27FC236}">
-                <a16:creationId xmlns:a16="http://schemas.microsoft.com/office/drawing/2014/main" xmlns="" id="{F4AC7A4D-6E21-7A4C-A961-5DA83D8F01AE}"/>
+                <a16:creationId xmlns="" xmlns:a16="http://schemas.microsoft.com/office/drawing/2014/main" id="{F4AC7A4D-6E21-7A4C-A961-5DA83D8F01AE}"/>
               </a:ext>
             </a:extLst>
           </p:cNvPr>
@@ -8874,7 +8875,7 @@
           <p:cNvPr id="68" name="正方形/長方形 67">
             <a:extLst>
               <a:ext uri="{FF2B5EF4-FFF2-40B4-BE49-F238E27FC236}">
-                <a16:creationId xmlns:a16="http://schemas.microsoft.com/office/drawing/2014/main" xmlns="" id="{ACA1EDBB-4DB2-E24D-83B0-24E929FD55CA}"/>
+                <a16:creationId xmlns="" xmlns:a16="http://schemas.microsoft.com/office/drawing/2014/main" id="{ACA1EDBB-4DB2-E24D-83B0-24E929FD55CA}"/>
               </a:ext>
             </a:extLst>
           </p:cNvPr>
@@ -8931,7 +8932,7 @@
           <p:cNvPr id="69" name="正方形/長方形 68">
             <a:extLst>
               <a:ext uri="{FF2B5EF4-FFF2-40B4-BE49-F238E27FC236}">
-                <a16:creationId xmlns:a16="http://schemas.microsoft.com/office/drawing/2014/main" xmlns="" id="{F4AC7A4D-6E21-7A4C-A961-5DA83D8F01AE}"/>
+                <a16:creationId xmlns="" xmlns:a16="http://schemas.microsoft.com/office/drawing/2014/main" id="{F4AC7A4D-6E21-7A4C-A961-5DA83D8F01AE}"/>
               </a:ext>
             </a:extLst>
           </p:cNvPr>
@@ -9062,7 +9063,7 @@
           <p:cNvPr id="70" name="正方形/長方形 69">
             <a:extLst>
               <a:ext uri="{FF2B5EF4-FFF2-40B4-BE49-F238E27FC236}">
-                <a16:creationId xmlns:a16="http://schemas.microsoft.com/office/drawing/2014/main" xmlns="" id="{F4AC7A4D-6E21-7A4C-A961-5DA83D8F01AE}"/>
+                <a16:creationId xmlns="" xmlns:a16="http://schemas.microsoft.com/office/drawing/2014/main" id="{F4AC7A4D-6E21-7A4C-A961-5DA83D8F01AE}"/>
               </a:ext>
             </a:extLst>
           </p:cNvPr>
@@ -9193,7 +9194,7 @@
           <p:cNvPr id="71" name="正方形/長方形 70">
             <a:extLst>
               <a:ext uri="{FF2B5EF4-FFF2-40B4-BE49-F238E27FC236}">
-                <a16:creationId xmlns:a16="http://schemas.microsoft.com/office/drawing/2014/main" xmlns="" id="{ACA1EDBB-4DB2-E24D-83B0-24E929FD55CA}"/>
+                <a16:creationId xmlns="" xmlns:a16="http://schemas.microsoft.com/office/drawing/2014/main" id="{ACA1EDBB-4DB2-E24D-83B0-24E929FD55CA}"/>
               </a:ext>
             </a:extLst>
           </p:cNvPr>
@@ -9250,7 +9251,7 @@
           <p:cNvPr id="72" name="正方形/長方形 71">
             <a:extLst>
               <a:ext uri="{FF2B5EF4-FFF2-40B4-BE49-F238E27FC236}">
-                <a16:creationId xmlns:a16="http://schemas.microsoft.com/office/drawing/2014/main" xmlns="" id="{E40500AD-14E2-CB4D-9452-050B16BFCA22}"/>
+                <a16:creationId xmlns="" xmlns:a16="http://schemas.microsoft.com/office/drawing/2014/main" id="{E40500AD-14E2-CB4D-9452-050B16BFCA22}"/>
               </a:ext>
             </a:extLst>
           </p:cNvPr>
@@ -9307,7 +9308,7 @@
           <p:cNvPr id="73" name="正方形/長方形 72">
             <a:extLst>
               <a:ext uri="{FF2B5EF4-FFF2-40B4-BE49-F238E27FC236}">
-                <a16:creationId xmlns:a16="http://schemas.microsoft.com/office/drawing/2014/main" xmlns="" id="{F4AC7A4D-6E21-7A4C-A961-5DA83D8F01AE}"/>
+                <a16:creationId xmlns="" xmlns:a16="http://schemas.microsoft.com/office/drawing/2014/main" id="{F4AC7A4D-6E21-7A4C-A961-5DA83D8F01AE}"/>
               </a:ext>
             </a:extLst>
           </p:cNvPr>
@@ -9478,7 +9479,7 @@
           <p:cNvPr id="74" name="正方形/長方形 73">
             <a:extLst>
               <a:ext uri="{FF2B5EF4-FFF2-40B4-BE49-F238E27FC236}">
-                <a16:creationId xmlns:a16="http://schemas.microsoft.com/office/drawing/2014/main" xmlns="" id="{E40500AD-14E2-CB4D-9452-050B16BFCA22}"/>
+                <a16:creationId xmlns="" xmlns:a16="http://schemas.microsoft.com/office/drawing/2014/main" id="{E40500AD-14E2-CB4D-9452-050B16BFCA22}"/>
               </a:ext>
             </a:extLst>
           </p:cNvPr>
@@ -9535,7 +9536,7 @@
           <p:cNvPr id="75" name="正方形/長方形 74">
             <a:extLst>
               <a:ext uri="{FF2B5EF4-FFF2-40B4-BE49-F238E27FC236}">
-                <a16:creationId xmlns:a16="http://schemas.microsoft.com/office/drawing/2014/main" xmlns="" id="{F4AC7A4D-6E21-7A4C-A961-5DA83D8F01AE}"/>
+                <a16:creationId xmlns="" xmlns:a16="http://schemas.microsoft.com/office/drawing/2014/main" id="{F4AC7A4D-6E21-7A4C-A961-5DA83D8F01AE}"/>
               </a:ext>
             </a:extLst>
           </p:cNvPr>
@@ -9706,7 +9707,7 @@
           <p:cNvPr id="76" name="正方形/長方形 75">
             <a:extLst>
               <a:ext uri="{FF2B5EF4-FFF2-40B4-BE49-F238E27FC236}">
-                <a16:creationId xmlns:a16="http://schemas.microsoft.com/office/drawing/2014/main" xmlns="" id="{ACA1EDBB-4DB2-E24D-83B0-24E929FD55CA}"/>
+                <a16:creationId xmlns="" xmlns:a16="http://schemas.microsoft.com/office/drawing/2014/main" id="{ACA1EDBB-4DB2-E24D-83B0-24E929FD55CA}"/>
               </a:ext>
             </a:extLst>
           </p:cNvPr>
@@ -9763,7 +9764,7 @@
           <p:cNvPr id="77" name="正方形/長方形 76">
             <a:extLst>
               <a:ext uri="{FF2B5EF4-FFF2-40B4-BE49-F238E27FC236}">
-                <a16:creationId xmlns:a16="http://schemas.microsoft.com/office/drawing/2014/main" xmlns="" id="{F4AC7A4D-6E21-7A4C-A961-5DA83D8F01AE}"/>
+                <a16:creationId xmlns="" xmlns:a16="http://schemas.microsoft.com/office/drawing/2014/main" id="{F4AC7A4D-6E21-7A4C-A961-5DA83D8F01AE}"/>
               </a:ext>
             </a:extLst>
           </p:cNvPr>
@@ -9934,7 +9935,7 @@
           <p:cNvPr id="78" name="正方形/長方形 77">
             <a:extLst>
               <a:ext uri="{FF2B5EF4-FFF2-40B4-BE49-F238E27FC236}">
-                <a16:creationId xmlns:a16="http://schemas.microsoft.com/office/drawing/2014/main" xmlns="" id="{F4AC7A4D-6E21-7A4C-A961-5DA83D8F01AE}"/>
+                <a16:creationId xmlns="" xmlns:a16="http://schemas.microsoft.com/office/drawing/2014/main" id="{F4AC7A4D-6E21-7A4C-A961-5DA83D8F01AE}"/>
               </a:ext>
             </a:extLst>
           </p:cNvPr>
@@ -10105,7 +10106,7 @@
           <p:cNvPr id="79" name="正方形/長方形 78">
             <a:extLst>
               <a:ext uri="{FF2B5EF4-FFF2-40B4-BE49-F238E27FC236}">
-                <a16:creationId xmlns:a16="http://schemas.microsoft.com/office/drawing/2014/main" xmlns="" id="{ACA1EDBB-4DB2-E24D-83B0-24E929FD55CA}"/>
+                <a16:creationId xmlns="" xmlns:a16="http://schemas.microsoft.com/office/drawing/2014/main" id="{ACA1EDBB-4DB2-E24D-83B0-24E929FD55CA}"/>
               </a:ext>
             </a:extLst>
           </p:cNvPr>
@@ -10162,7 +10163,7 @@
           <p:cNvPr id="80" name="正方形/長方形 79">
             <a:extLst>
               <a:ext uri="{FF2B5EF4-FFF2-40B4-BE49-F238E27FC236}">
-                <a16:creationId xmlns:a16="http://schemas.microsoft.com/office/drawing/2014/main" xmlns="" id="{ACA1EDBB-4DB2-E24D-83B0-24E929FD55CA}"/>
+                <a16:creationId xmlns="" xmlns:a16="http://schemas.microsoft.com/office/drawing/2014/main" id="{ACA1EDBB-4DB2-E24D-83B0-24E929FD55CA}"/>
               </a:ext>
             </a:extLst>
           </p:cNvPr>
@@ -10219,7 +10220,7 @@
           <p:cNvPr id="81" name="正方形/長方形 80">
             <a:extLst>
               <a:ext uri="{FF2B5EF4-FFF2-40B4-BE49-F238E27FC236}">
-                <a16:creationId xmlns:a16="http://schemas.microsoft.com/office/drawing/2014/main" xmlns="" id="{F4AC7A4D-6E21-7A4C-A961-5DA83D8F01AE}"/>
+                <a16:creationId xmlns="" xmlns:a16="http://schemas.microsoft.com/office/drawing/2014/main" id="{F4AC7A4D-6E21-7A4C-A961-5DA83D8F01AE}"/>
               </a:ext>
             </a:extLst>
           </p:cNvPr>
@@ -10390,7 +10391,7 @@
           <p:cNvPr id="82" name="正方形/長方形 81">
             <a:extLst>
               <a:ext uri="{FF2B5EF4-FFF2-40B4-BE49-F238E27FC236}">
-                <a16:creationId xmlns:a16="http://schemas.microsoft.com/office/drawing/2014/main" xmlns="" id="{F4AC7A4D-6E21-7A4C-A961-5DA83D8F01AE}"/>
+                <a16:creationId xmlns="" xmlns:a16="http://schemas.microsoft.com/office/drawing/2014/main" id="{F4AC7A4D-6E21-7A4C-A961-5DA83D8F01AE}"/>
               </a:ext>
             </a:extLst>
           </p:cNvPr>
@@ -10561,7 +10562,7 @@
           <p:cNvPr id="83" name="正方形/長方形 82">
             <a:extLst>
               <a:ext uri="{FF2B5EF4-FFF2-40B4-BE49-F238E27FC236}">
-                <a16:creationId xmlns:a16="http://schemas.microsoft.com/office/drawing/2014/main" xmlns="" id="{ACA1EDBB-4DB2-E24D-83B0-24E929FD55CA}"/>
+                <a16:creationId xmlns="" xmlns:a16="http://schemas.microsoft.com/office/drawing/2014/main" id="{ACA1EDBB-4DB2-E24D-83B0-24E929FD55CA}"/>
               </a:ext>
             </a:extLst>
           </p:cNvPr>
@@ -10618,7 +10619,7 @@
           <p:cNvPr id="84" name="正方形/長方形 83">
             <a:extLst>
               <a:ext uri="{FF2B5EF4-FFF2-40B4-BE49-F238E27FC236}">
-                <a16:creationId xmlns:a16="http://schemas.microsoft.com/office/drawing/2014/main" xmlns="" id="{DC31C3B1-5ED5-CC45-8D42-9AC157BF190D}"/>
+                <a16:creationId xmlns="" xmlns:a16="http://schemas.microsoft.com/office/drawing/2014/main" id="{DC31C3B1-5ED5-CC45-8D42-9AC157BF190D}"/>
               </a:ext>
             </a:extLst>
           </p:cNvPr>
@@ -10675,7 +10676,7 @@
           <p:cNvPr id="85" name="正方形/長方形 84">
             <a:extLst>
               <a:ext uri="{FF2B5EF4-FFF2-40B4-BE49-F238E27FC236}">
-                <a16:creationId xmlns:a16="http://schemas.microsoft.com/office/drawing/2014/main" xmlns="" id="{F4AC7A4D-6E21-7A4C-A961-5DA83D8F01AE}"/>
+                <a16:creationId xmlns="" xmlns:a16="http://schemas.microsoft.com/office/drawing/2014/main" id="{F4AC7A4D-6E21-7A4C-A961-5DA83D8F01AE}"/>
               </a:ext>
             </a:extLst>
           </p:cNvPr>
@@ -11244,7 +11245,7 @@
             <a:fld id="{FCAFAC13-DB77-42F2-BE26-45BA5532FD50}" type="datetime4">
               <a:rPr lang="en-US" altLang="ja-JP" smtClean="0"/>
               <a:pPr/>
-              <a:t>2023年 10月 21日 </a:t>
+              <a:t>2023年 10月 23日 </a:t>
             </a:fld>
             <a:endParaRPr lang="en-US" dirty="0"/>
           </a:p>
@@ -11255,7 +11256,7 @@
           <p:cNvPr id="24" name="コンテンツ プレースホルダー 6">
             <a:extLst>
               <a:ext uri="{FF2B5EF4-FFF2-40B4-BE49-F238E27FC236}">
-                <a16:creationId xmlns:a16="http://schemas.microsoft.com/office/drawing/2014/main" xmlns="" id="{3B2F5581-4034-DA46-842F-58D9CD0C1C39}"/>
+                <a16:creationId xmlns="" xmlns:a16="http://schemas.microsoft.com/office/drawing/2014/main" id="{3B2F5581-4034-DA46-842F-58D9CD0C1C39}"/>
               </a:ext>
             </a:extLst>
           </p:cNvPr>
@@ -11578,7 +11579,7 @@
           <p:cNvPr id="67" name="正方形/長方形 66">
             <a:extLst>
               <a:ext uri="{FF2B5EF4-FFF2-40B4-BE49-F238E27FC236}">
-                <a16:creationId xmlns:a16="http://schemas.microsoft.com/office/drawing/2014/main" xmlns="" id="{F4AC7A4D-6E21-7A4C-A961-5DA83D8F01AE}"/>
+                <a16:creationId xmlns="" xmlns:a16="http://schemas.microsoft.com/office/drawing/2014/main" id="{F4AC7A4D-6E21-7A4C-A961-5DA83D8F01AE}"/>
               </a:ext>
             </a:extLst>
           </p:cNvPr>
@@ -11661,7 +11662,7 @@
           <p:cNvPr id="68" name="正方形/長方形 67">
             <a:extLst>
               <a:ext uri="{FF2B5EF4-FFF2-40B4-BE49-F238E27FC236}">
-                <a16:creationId xmlns:a16="http://schemas.microsoft.com/office/drawing/2014/main" xmlns="" id="{F4AC7A4D-6E21-7A4C-A961-5DA83D8F01AE}"/>
+                <a16:creationId xmlns="" xmlns:a16="http://schemas.microsoft.com/office/drawing/2014/main" id="{F4AC7A4D-6E21-7A4C-A961-5DA83D8F01AE}"/>
               </a:ext>
             </a:extLst>
           </p:cNvPr>
@@ -11802,7 +11803,7 @@
           <p:cNvPr id="69" name="正方形/長方形 68">
             <a:extLst>
               <a:ext uri="{FF2B5EF4-FFF2-40B4-BE49-F238E27FC236}">
-                <a16:creationId xmlns:a16="http://schemas.microsoft.com/office/drawing/2014/main" xmlns="" id="{726849EE-6865-1F4E-B2B0-B61D15B6EC0D}"/>
+                <a16:creationId xmlns="" xmlns:a16="http://schemas.microsoft.com/office/drawing/2014/main" id="{726849EE-6865-1F4E-B2B0-B61D15B6EC0D}"/>
               </a:ext>
             </a:extLst>
           </p:cNvPr>
@@ -11859,7 +11860,7 @@
           <p:cNvPr id="70" name="正方形/長方形 69">
             <a:extLst>
               <a:ext uri="{FF2B5EF4-FFF2-40B4-BE49-F238E27FC236}">
-                <a16:creationId xmlns:a16="http://schemas.microsoft.com/office/drawing/2014/main" xmlns="" id="{F4AC7A4D-6E21-7A4C-A961-5DA83D8F01AE}"/>
+                <a16:creationId xmlns="" xmlns:a16="http://schemas.microsoft.com/office/drawing/2014/main" id="{F4AC7A4D-6E21-7A4C-A961-5DA83D8F01AE}"/>
               </a:ext>
             </a:extLst>
           </p:cNvPr>
@@ -12000,7 +12001,7 @@
           <p:cNvPr id="71" name="正方形/長方形 70">
             <a:extLst>
               <a:ext uri="{FF2B5EF4-FFF2-40B4-BE49-F238E27FC236}">
-                <a16:creationId xmlns:a16="http://schemas.microsoft.com/office/drawing/2014/main" xmlns="" id="{48C117A6-C546-0C42-99EF-0376AB21CB8A}"/>
+                <a16:creationId xmlns="" xmlns:a16="http://schemas.microsoft.com/office/drawing/2014/main" id="{48C117A6-C546-0C42-99EF-0376AB21CB8A}"/>
               </a:ext>
             </a:extLst>
           </p:cNvPr>
@@ -12057,7 +12058,7 @@
           <p:cNvPr id="72" name="正方形/長方形 71">
             <a:extLst>
               <a:ext uri="{FF2B5EF4-FFF2-40B4-BE49-F238E27FC236}">
-                <a16:creationId xmlns:a16="http://schemas.microsoft.com/office/drawing/2014/main" xmlns="" id="{F4AC7A4D-6E21-7A4C-A961-5DA83D8F01AE}"/>
+                <a16:creationId xmlns="" xmlns:a16="http://schemas.microsoft.com/office/drawing/2014/main" id="{F4AC7A4D-6E21-7A4C-A961-5DA83D8F01AE}"/>
               </a:ext>
             </a:extLst>
           </p:cNvPr>
@@ -12208,7 +12209,7 @@
           <p:cNvPr id="73" name="正方形/長方形 72">
             <a:extLst>
               <a:ext uri="{FF2B5EF4-FFF2-40B4-BE49-F238E27FC236}">
-                <a16:creationId xmlns:a16="http://schemas.microsoft.com/office/drawing/2014/main" xmlns="" id="{DC31C3B1-5ED5-CC45-8D42-9AC157BF190D}"/>
+                <a16:creationId xmlns="" xmlns:a16="http://schemas.microsoft.com/office/drawing/2014/main" id="{DC31C3B1-5ED5-CC45-8D42-9AC157BF190D}"/>
               </a:ext>
             </a:extLst>
           </p:cNvPr>
@@ -12265,7 +12266,7 @@
           <p:cNvPr id="74" name="正方形/長方形 73">
             <a:extLst>
               <a:ext uri="{FF2B5EF4-FFF2-40B4-BE49-F238E27FC236}">
-                <a16:creationId xmlns:a16="http://schemas.microsoft.com/office/drawing/2014/main" xmlns="" id="{F4AC7A4D-6E21-7A4C-A961-5DA83D8F01AE}"/>
+                <a16:creationId xmlns="" xmlns:a16="http://schemas.microsoft.com/office/drawing/2014/main" id="{F4AC7A4D-6E21-7A4C-A961-5DA83D8F01AE}"/>
               </a:ext>
             </a:extLst>
           </p:cNvPr>
@@ -12422,7 +12423,7 @@
           <p:cNvPr id="75" name="正方形/長方形 74">
             <a:extLst>
               <a:ext uri="{FF2B5EF4-FFF2-40B4-BE49-F238E27FC236}">
-                <a16:creationId xmlns:a16="http://schemas.microsoft.com/office/drawing/2014/main" xmlns="" id="{ACA1EDBB-4DB2-E24D-83B0-24E929FD55CA}"/>
+                <a16:creationId xmlns="" xmlns:a16="http://schemas.microsoft.com/office/drawing/2014/main" id="{ACA1EDBB-4DB2-E24D-83B0-24E929FD55CA}"/>
               </a:ext>
             </a:extLst>
           </p:cNvPr>
@@ -12479,7 +12480,7 @@
           <p:cNvPr id="76" name="正方形/長方形 75">
             <a:extLst>
               <a:ext uri="{FF2B5EF4-FFF2-40B4-BE49-F238E27FC236}">
-                <a16:creationId xmlns:a16="http://schemas.microsoft.com/office/drawing/2014/main" xmlns="" id="{F4AC7A4D-6E21-7A4C-A961-5DA83D8F01AE}"/>
+                <a16:creationId xmlns="" xmlns:a16="http://schemas.microsoft.com/office/drawing/2014/main" id="{F4AC7A4D-6E21-7A4C-A961-5DA83D8F01AE}"/>
               </a:ext>
             </a:extLst>
           </p:cNvPr>
@@ -12610,7 +12611,7 @@
           <p:cNvPr id="77" name="正方形/長方形 76">
             <a:extLst>
               <a:ext uri="{FF2B5EF4-FFF2-40B4-BE49-F238E27FC236}">
-                <a16:creationId xmlns:a16="http://schemas.microsoft.com/office/drawing/2014/main" xmlns="" id="{F4AC7A4D-6E21-7A4C-A961-5DA83D8F01AE}"/>
+                <a16:creationId xmlns="" xmlns:a16="http://schemas.microsoft.com/office/drawing/2014/main" id="{F4AC7A4D-6E21-7A4C-A961-5DA83D8F01AE}"/>
               </a:ext>
             </a:extLst>
           </p:cNvPr>
@@ -12741,7 +12742,7 @@
           <p:cNvPr id="78" name="正方形/長方形 77">
             <a:extLst>
               <a:ext uri="{FF2B5EF4-FFF2-40B4-BE49-F238E27FC236}">
-                <a16:creationId xmlns:a16="http://schemas.microsoft.com/office/drawing/2014/main" xmlns="" id="{ACA1EDBB-4DB2-E24D-83B0-24E929FD55CA}"/>
+                <a16:creationId xmlns="" xmlns:a16="http://schemas.microsoft.com/office/drawing/2014/main" id="{ACA1EDBB-4DB2-E24D-83B0-24E929FD55CA}"/>
               </a:ext>
             </a:extLst>
           </p:cNvPr>
@@ -12798,7 +12799,7 @@
           <p:cNvPr id="79" name="正方形/長方形 78">
             <a:extLst>
               <a:ext uri="{FF2B5EF4-FFF2-40B4-BE49-F238E27FC236}">
-                <a16:creationId xmlns:a16="http://schemas.microsoft.com/office/drawing/2014/main" xmlns="" id="{E40500AD-14E2-CB4D-9452-050B16BFCA22}"/>
+                <a16:creationId xmlns="" xmlns:a16="http://schemas.microsoft.com/office/drawing/2014/main" id="{E40500AD-14E2-CB4D-9452-050B16BFCA22}"/>
               </a:ext>
             </a:extLst>
           </p:cNvPr>
@@ -12855,7 +12856,7 @@
           <p:cNvPr id="80" name="正方形/長方形 79">
             <a:extLst>
               <a:ext uri="{FF2B5EF4-FFF2-40B4-BE49-F238E27FC236}">
-                <a16:creationId xmlns:a16="http://schemas.microsoft.com/office/drawing/2014/main" xmlns="" id="{F4AC7A4D-6E21-7A4C-A961-5DA83D8F01AE}"/>
+                <a16:creationId xmlns="" xmlns:a16="http://schemas.microsoft.com/office/drawing/2014/main" id="{F4AC7A4D-6E21-7A4C-A961-5DA83D8F01AE}"/>
               </a:ext>
             </a:extLst>
           </p:cNvPr>
@@ -13026,7 +13027,7 @@
           <p:cNvPr id="81" name="正方形/長方形 80">
             <a:extLst>
               <a:ext uri="{FF2B5EF4-FFF2-40B4-BE49-F238E27FC236}">
-                <a16:creationId xmlns:a16="http://schemas.microsoft.com/office/drawing/2014/main" xmlns="" id="{E40500AD-14E2-CB4D-9452-050B16BFCA22}"/>
+                <a16:creationId xmlns="" xmlns:a16="http://schemas.microsoft.com/office/drawing/2014/main" id="{E40500AD-14E2-CB4D-9452-050B16BFCA22}"/>
               </a:ext>
             </a:extLst>
           </p:cNvPr>
@@ -13083,7 +13084,7 @@
           <p:cNvPr id="82" name="正方形/長方形 81">
             <a:extLst>
               <a:ext uri="{FF2B5EF4-FFF2-40B4-BE49-F238E27FC236}">
-                <a16:creationId xmlns:a16="http://schemas.microsoft.com/office/drawing/2014/main" xmlns="" id="{F4AC7A4D-6E21-7A4C-A961-5DA83D8F01AE}"/>
+                <a16:creationId xmlns="" xmlns:a16="http://schemas.microsoft.com/office/drawing/2014/main" id="{F4AC7A4D-6E21-7A4C-A961-5DA83D8F01AE}"/>
               </a:ext>
             </a:extLst>
           </p:cNvPr>
@@ -13254,7 +13255,7 @@
           <p:cNvPr id="83" name="正方形/長方形 82">
             <a:extLst>
               <a:ext uri="{FF2B5EF4-FFF2-40B4-BE49-F238E27FC236}">
-                <a16:creationId xmlns:a16="http://schemas.microsoft.com/office/drawing/2014/main" xmlns="" id="{ACA1EDBB-4DB2-E24D-83B0-24E929FD55CA}"/>
+                <a16:creationId xmlns="" xmlns:a16="http://schemas.microsoft.com/office/drawing/2014/main" id="{ACA1EDBB-4DB2-E24D-83B0-24E929FD55CA}"/>
               </a:ext>
             </a:extLst>
           </p:cNvPr>
@@ -13311,7 +13312,7 @@
           <p:cNvPr id="84" name="正方形/長方形 83">
             <a:extLst>
               <a:ext uri="{FF2B5EF4-FFF2-40B4-BE49-F238E27FC236}">
-                <a16:creationId xmlns:a16="http://schemas.microsoft.com/office/drawing/2014/main" xmlns="" id="{F4AC7A4D-6E21-7A4C-A961-5DA83D8F01AE}"/>
+                <a16:creationId xmlns="" xmlns:a16="http://schemas.microsoft.com/office/drawing/2014/main" id="{F4AC7A4D-6E21-7A4C-A961-5DA83D8F01AE}"/>
               </a:ext>
             </a:extLst>
           </p:cNvPr>
@@ -13482,7 +13483,7 @@
           <p:cNvPr id="85" name="正方形/長方形 84">
             <a:extLst>
               <a:ext uri="{FF2B5EF4-FFF2-40B4-BE49-F238E27FC236}">
-                <a16:creationId xmlns:a16="http://schemas.microsoft.com/office/drawing/2014/main" xmlns="" id="{F4AC7A4D-6E21-7A4C-A961-5DA83D8F01AE}"/>
+                <a16:creationId xmlns="" xmlns:a16="http://schemas.microsoft.com/office/drawing/2014/main" id="{F4AC7A4D-6E21-7A4C-A961-5DA83D8F01AE}"/>
               </a:ext>
             </a:extLst>
           </p:cNvPr>
@@ -13653,7 +13654,7 @@
           <p:cNvPr id="86" name="正方形/長方形 85">
             <a:extLst>
               <a:ext uri="{FF2B5EF4-FFF2-40B4-BE49-F238E27FC236}">
-                <a16:creationId xmlns:a16="http://schemas.microsoft.com/office/drawing/2014/main" xmlns="" id="{ACA1EDBB-4DB2-E24D-83B0-24E929FD55CA}"/>
+                <a16:creationId xmlns="" xmlns:a16="http://schemas.microsoft.com/office/drawing/2014/main" id="{ACA1EDBB-4DB2-E24D-83B0-24E929FD55CA}"/>
               </a:ext>
             </a:extLst>
           </p:cNvPr>
@@ -13710,7 +13711,7 @@
           <p:cNvPr id="87" name="正方形/長方形 86">
             <a:extLst>
               <a:ext uri="{FF2B5EF4-FFF2-40B4-BE49-F238E27FC236}">
-                <a16:creationId xmlns:a16="http://schemas.microsoft.com/office/drawing/2014/main" xmlns="" id="{ACA1EDBB-4DB2-E24D-83B0-24E929FD55CA}"/>
+                <a16:creationId xmlns="" xmlns:a16="http://schemas.microsoft.com/office/drawing/2014/main" id="{ACA1EDBB-4DB2-E24D-83B0-24E929FD55CA}"/>
               </a:ext>
             </a:extLst>
           </p:cNvPr>
@@ -13767,7 +13768,7 @@
           <p:cNvPr id="88" name="正方形/長方形 87">
             <a:extLst>
               <a:ext uri="{FF2B5EF4-FFF2-40B4-BE49-F238E27FC236}">
-                <a16:creationId xmlns:a16="http://schemas.microsoft.com/office/drawing/2014/main" xmlns="" id="{F4AC7A4D-6E21-7A4C-A961-5DA83D8F01AE}"/>
+                <a16:creationId xmlns="" xmlns:a16="http://schemas.microsoft.com/office/drawing/2014/main" id="{F4AC7A4D-6E21-7A4C-A961-5DA83D8F01AE}"/>
               </a:ext>
             </a:extLst>
           </p:cNvPr>
@@ -13938,7 +13939,7 @@
           <p:cNvPr id="89" name="正方形/長方形 88">
             <a:extLst>
               <a:ext uri="{FF2B5EF4-FFF2-40B4-BE49-F238E27FC236}">
-                <a16:creationId xmlns:a16="http://schemas.microsoft.com/office/drawing/2014/main" xmlns="" id="{F4AC7A4D-6E21-7A4C-A961-5DA83D8F01AE}"/>
+                <a16:creationId xmlns="" xmlns:a16="http://schemas.microsoft.com/office/drawing/2014/main" id="{F4AC7A4D-6E21-7A4C-A961-5DA83D8F01AE}"/>
               </a:ext>
             </a:extLst>
           </p:cNvPr>
@@ -14109,7 +14110,7 @@
           <p:cNvPr id="90" name="正方形/長方形 89">
             <a:extLst>
               <a:ext uri="{FF2B5EF4-FFF2-40B4-BE49-F238E27FC236}">
-                <a16:creationId xmlns:a16="http://schemas.microsoft.com/office/drawing/2014/main" xmlns="" id="{ACA1EDBB-4DB2-E24D-83B0-24E929FD55CA}"/>
+                <a16:creationId xmlns="" xmlns:a16="http://schemas.microsoft.com/office/drawing/2014/main" id="{ACA1EDBB-4DB2-E24D-83B0-24E929FD55CA}"/>
               </a:ext>
             </a:extLst>
           </p:cNvPr>
@@ -14166,7 +14167,7 @@
           <p:cNvPr id="91" name="正方形/長方形 90">
             <a:extLst>
               <a:ext uri="{FF2B5EF4-FFF2-40B4-BE49-F238E27FC236}">
-                <a16:creationId xmlns:a16="http://schemas.microsoft.com/office/drawing/2014/main" xmlns="" id="{DC31C3B1-5ED5-CC45-8D42-9AC157BF190D}"/>
+                <a16:creationId xmlns="" xmlns:a16="http://schemas.microsoft.com/office/drawing/2014/main" id="{DC31C3B1-5ED5-CC45-8D42-9AC157BF190D}"/>
               </a:ext>
             </a:extLst>
           </p:cNvPr>
@@ -14223,7 +14224,7 @@
           <p:cNvPr id="92" name="正方形/長方形 91">
             <a:extLst>
               <a:ext uri="{FF2B5EF4-FFF2-40B4-BE49-F238E27FC236}">
-                <a16:creationId xmlns:a16="http://schemas.microsoft.com/office/drawing/2014/main" xmlns="" id="{F4AC7A4D-6E21-7A4C-A961-5DA83D8F01AE}"/>
+                <a16:creationId xmlns="" xmlns:a16="http://schemas.microsoft.com/office/drawing/2014/main" id="{F4AC7A4D-6E21-7A4C-A961-5DA83D8F01AE}"/>
               </a:ext>
             </a:extLst>
           </p:cNvPr>
@@ -14717,7 +14718,7 @@
           <p:cNvPr id="3" name="図 2">
             <a:extLst>
               <a:ext uri="{FF2B5EF4-FFF2-40B4-BE49-F238E27FC236}">
-                <a16:creationId xmlns:a16="http://schemas.microsoft.com/office/drawing/2014/main" xmlns="" id="{1AE3FCF5-2596-A246-B660-4FEF458907DD}"/>
+                <a16:creationId xmlns="" xmlns:a16="http://schemas.microsoft.com/office/drawing/2014/main" id="{1AE3FCF5-2596-A246-B660-4FEF458907DD}"/>
               </a:ext>
             </a:extLst>
           </p:cNvPr>
@@ -14789,7 +14790,7 @@
           <p:cNvPr id="11" name="テキスト ボックス 10">
             <a:extLst>
               <a:ext uri="{FF2B5EF4-FFF2-40B4-BE49-F238E27FC236}">
-                <a16:creationId xmlns:a16="http://schemas.microsoft.com/office/drawing/2014/main" xmlns="" id="{37DD5FFD-127C-DD47-9BF7-CB6A75491278}"/>
+                <a16:creationId xmlns="" xmlns:a16="http://schemas.microsoft.com/office/drawing/2014/main" id="{37DD5FFD-127C-DD47-9BF7-CB6A75491278}"/>
               </a:ext>
             </a:extLst>
           </p:cNvPr>
@@ -14850,7 +14851,7 @@
           <p:cNvPr id="13" name="コンテンツ プレースホルダー 6">
             <a:extLst>
               <a:ext uri="{FF2B5EF4-FFF2-40B4-BE49-F238E27FC236}">
-                <a16:creationId xmlns:a16="http://schemas.microsoft.com/office/drawing/2014/main" xmlns="" id="{E47FB8F7-E074-7A44-87D1-3AC4F6A817DA}"/>
+                <a16:creationId xmlns="" xmlns:a16="http://schemas.microsoft.com/office/drawing/2014/main" id="{E47FB8F7-E074-7A44-87D1-3AC4F6A817DA}"/>
               </a:ext>
             </a:extLst>
           </p:cNvPr>
@@ -15075,7 +15076,7 @@
           <p:cNvPr id="22" name="正方形/長方形 21">
             <a:extLst>
               <a:ext uri="{FF2B5EF4-FFF2-40B4-BE49-F238E27FC236}">
-                <a16:creationId xmlns:a16="http://schemas.microsoft.com/office/drawing/2014/main" xmlns="" id="{F4AC7A4D-6E21-7A4C-A961-5DA83D8F01AE}"/>
+                <a16:creationId xmlns="" xmlns:a16="http://schemas.microsoft.com/office/drawing/2014/main" id="{F4AC7A4D-6E21-7A4C-A961-5DA83D8F01AE}"/>
               </a:ext>
             </a:extLst>
           </p:cNvPr>
@@ -15158,7 +15159,7 @@
           <p:cNvPr id="23" name="正方形/長方形 22">
             <a:extLst>
               <a:ext uri="{FF2B5EF4-FFF2-40B4-BE49-F238E27FC236}">
-                <a16:creationId xmlns:a16="http://schemas.microsoft.com/office/drawing/2014/main" xmlns="" id="{F4AC7A4D-6E21-7A4C-A961-5DA83D8F01AE}"/>
+                <a16:creationId xmlns="" xmlns:a16="http://schemas.microsoft.com/office/drawing/2014/main" id="{F4AC7A4D-6E21-7A4C-A961-5DA83D8F01AE}"/>
               </a:ext>
             </a:extLst>
           </p:cNvPr>
@@ -15299,7 +15300,7 @@
           <p:cNvPr id="24" name="正方形/長方形 23">
             <a:extLst>
               <a:ext uri="{FF2B5EF4-FFF2-40B4-BE49-F238E27FC236}">
-                <a16:creationId xmlns:a16="http://schemas.microsoft.com/office/drawing/2014/main" xmlns="" id="{726849EE-6865-1F4E-B2B0-B61D15B6EC0D}"/>
+                <a16:creationId xmlns="" xmlns:a16="http://schemas.microsoft.com/office/drawing/2014/main" id="{726849EE-6865-1F4E-B2B0-B61D15B6EC0D}"/>
               </a:ext>
             </a:extLst>
           </p:cNvPr>
@@ -15356,7 +15357,7 @@
           <p:cNvPr id="41" name="正方形/長方形 40">
             <a:extLst>
               <a:ext uri="{FF2B5EF4-FFF2-40B4-BE49-F238E27FC236}">
-                <a16:creationId xmlns:a16="http://schemas.microsoft.com/office/drawing/2014/main" xmlns="" id="{F4AC7A4D-6E21-7A4C-A961-5DA83D8F01AE}"/>
+                <a16:creationId xmlns="" xmlns:a16="http://schemas.microsoft.com/office/drawing/2014/main" id="{F4AC7A4D-6E21-7A4C-A961-5DA83D8F01AE}"/>
               </a:ext>
             </a:extLst>
           </p:cNvPr>
@@ -15497,7 +15498,7 @@
           <p:cNvPr id="42" name="正方形/長方形 41">
             <a:extLst>
               <a:ext uri="{FF2B5EF4-FFF2-40B4-BE49-F238E27FC236}">
-                <a16:creationId xmlns:a16="http://schemas.microsoft.com/office/drawing/2014/main" xmlns="" id="{48C117A6-C546-0C42-99EF-0376AB21CB8A}"/>
+                <a16:creationId xmlns="" xmlns:a16="http://schemas.microsoft.com/office/drawing/2014/main" id="{48C117A6-C546-0C42-99EF-0376AB21CB8A}"/>
               </a:ext>
             </a:extLst>
           </p:cNvPr>
@@ -15554,7 +15555,7 @@
           <p:cNvPr id="43" name="正方形/長方形 42">
             <a:extLst>
               <a:ext uri="{FF2B5EF4-FFF2-40B4-BE49-F238E27FC236}">
-                <a16:creationId xmlns:a16="http://schemas.microsoft.com/office/drawing/2014/main" xmlns="" id="{F4AC7A4D-6E21-7A4C-A961-5DA83D8F01AE}"/>
+                <a16:creationId xmlns="" xmlns:a16="http://schemas.microsoft.com/office/drawing/2014/main" id="{F4AC7A4D-6E21-7A4C-A961-5DA83D8F01AE}"/>
               </a:ext>
             </a:extLst>
           </p:cNvPr>
@@ -15705,7 +15706,7 @@
           <p:cNvPr id="44" name="正方形/長方形 43">
             <a:extLst>
               <a:ext uri="{FF2B5EF4-FFF2-40B4-BE49-F238E27FC236}">
-                <a16:creationId xmlns:a16="http://schemas.microsoft.com/office/drawing/2014/main" xmlns="" id="{DC31C3B1-5ED5-CC45-8D42-9AC157BF190D}"/>
+                <a16:creationId xmlns="" xmlns:a16="http://schemas.microsoft.com/office/drawing/2014/main" id="{DC31C3B1-5ED5-CC45-8D42-9AC157BF190D}"/>
               </a:ext>
             </a:extLst>
           </p:cNvPr>
@@ -15762,7 +15763,7 @@
           <p:cNvPr id="45" name="正方形/長方形 44">
             <a:extLst>
               <a:ext uri="{FF2B5EF4-FFF2-40B4-BE49-F238E27FC236}">
-                <a16:creationId xmlns:a16="http://schemas.microsoft.com/office/drawing/2014/main" xmlns="" id="{F4AC7A4D-6E21-7A4C-A961-5DA83D8F01AE}"/>
+                <a16:creationId xmlns="" xmlns:a16="http://schemas.microsoft.com/office/drawing/2014/main" id="{F4AC7A4D-6E21-7A4C-A961-5DA83D8F01AE}"/>
               </a:ext>
             </a:extLst>
           </p:cNvPr>
@@ -15919,7 +15920,7 @@
           <p:cNvPr id="46" name="正方形/長方形 45">
             <a:extLst>
               <a:ext uri="{FF2B5EF4-FFF2-40B4-BE49-F238E27FC236}">
-                <a16:creationId xmlns:a16="http://schemas.microsoft.com/office/drawing/2014/main" xmlns="" id="{ACA1EDBB-4DB2-E24D-83B0-24E929FD55CA}"/>
+                <a16:creationId xmlns="" xmlns:a16="http://schemas.microsoft.com/office/drawing/2014/main" id="{ACA1EDBB-4DB2-E24D-83B0-24E929FD55CA}"/>
               </a:ext>
             </a:extLst>
           </p:cNvPr>
@@ -15976,7 +15977,7 @@
           <p:cNvPr id="47" name="正方形/長方形 46">
             <a:extLst>
               <a:ext uri="{FF2B5EF4-FFF2-40B4-BE49-F238E27FC236}">
-                <a16:creationId xmlns:a16="http://schemas.microsoft.com/office/drawing/2014/main" xmlns="" id="{F4AC7A4D-6E21-7A4C-A961-5DA83D8F01AE}"/>
+                <a16:creationId xmlns="" xmlns:a16="http://schemas.microsoft.com/office/drawing/2014/main" id="{F4AC7A4D-6E21-7A4C-A961-5DA83D8F01AE}"/>
               </a:ext>
             </a:extLst>
           </p:cNvPr>
@@ -16107,7 +16108,7 @@
           <p:cNvPr id="48" name="正方形/長方形 47">
             <a:extLst>
               <a:ext uri="{FF2B5EF4-FFF2-40B4-BE49-F238E27FC236}">
-                <a16:creationId xmlns:a16="http://schemas.microsoft.com/office/drawing/2014/main" xmlns="" id="{F4AC7A4D-6E21-7A4C-A961-5DA83D8F01AE}"/>
+                <a16:creationId xmlns="" xmlns:a16="http://schemas.microsoft.com/office/drawing/2014/main" id="{F4AC7A4D-6E21-7A4C-A961-5DA83D8F01AE}"/>
               </a:ext>
             </a:extLst>
           </p:cNvPr>
@@ -16238,7 +16239,7 @@
           <p:cNvPr id="49" name="正方形/長方形 48">
             <a:extLst>
               <a:ext uri="{FF2B5EF4-FFF2-40B4-BE49-F238E27FC236}">
-                <a16:creationId xmlns:a16="http://schemas.microsoft.com/office/drawing/2014/main" xmlns="" id="{ACA1EDBB-4DB2-E24D-83B0-24E929FD55CA}"/>
+                <a16:creationId xmlns="" xmlns:a16="http://schemas.microsoft.com/office/drawing/2014/main" id="{ACA1EDBB-4DB2-E24D-83B0-24E929FD55CA}"/>
               </a:ext>
             </a:extLst>
           </p:cNvPr>
@@ -16295,7 +16296,7 @@
           <p:cNvPr id="50" name="正方形/長方形 49">
             <a:extLst>
               <a:ext uri="{FF2B5EF4-FFF2-40B4-BE49-F238E27FC236}">
-                <a16:creationId xmlns:a16="http://schemas.microsoft.com/office/drawing/2014/main" xmlns="" id="{E40500AD-14E2-CB4D-9452-050B16BFCA22}"/>
+                <a16:creationId xmlns="" xmlns:a16="http://schemas.microsoft.com/office/drawing/2014/main" id="{E40500AD-14E2-CB4D-9452-050B16BFCA22}"/>
               </a:ext>
             </a:extLst>
           </p:cNvPr>
@@ -16352,7 +16353,7 @@
           <p:cNvPr id="51" name="正方形/長方形 50">
             <a:extLst>
               <a:ext uri="{FF2B5EF4-FFF2-40B4-BE49-F238E27FC236}">
-                <a16:creationId xmlns:a16="http://schemas.microsoft.com/office/drawing/2014/main" xmlns="" id="{F4AC7A4D-6E21-7A4C-A961-5DA83D8F01AE}"/>
+                <a16:creationId xmlns="" xmlns:a16="http://schemas.microsoft.com/office/drawing/2014/main" id="{F4AC7A4D-6E21-7A4C-A961-5DA83D8F01AE}"/>
               </a:ext>
             </a:extLst>
           </p:cNvPr>
@@ -16523,7 +16524,7 @@
           <p:cNvPr id="52" name="正方形/長方形 51">
             <a:extLst>
               <a:ext uri="{FF2B5EF4-FFF2-40B4-BE49-F238E27FC236}">
-                <a16:creationId xmlns:a16="http://schemas.microsoft.com/office/drawing/2014/main" xmlns="" id="{E40500AD-14E2-CB4D-9452-050B16BFCA22}"/>
+                <a16:creationId xmlns="" xmlns:a16="http://schemas.microsoft.com/office/drawing/2014/main" id="{E40500AD-14E2-CB4D-9452-050B16BFCA22}"/>
               </a:ext>
             </a:extLst>
           </p:cNvPr>
@@ -16580,7 +16581,7 @@
           <p:cNvPr id="53" name="正方形/長方形 52">
             <a:extLst>
               <a:ext uri="{FF2B5EF4-FFF2-40B4-BE49-F238E27FC236}">
-                <a16:creationId xmlns:a16="http://schemas.microsoft.com/office/drawing/2014/main" xmlns="" id="{F4AC7A4D-6E21-7A4C-A961-5DA83D8F01AE}"/>
+                <a16:creationId xmlns="" xmlns:a16="http://schemas.microsoft.com/office/drawing/2014/main" id="{F4AC7A4D-6E21-7A4C-A961-5DA83D8F01AE}"/>
               </a:ext>
             </a:extLst>
           </p:cNvPr>
@@ -17069,7 +17070,7 @@
           <p:cNvPr id="2" name="スライド番号プレースホルダー 1">
             <a:extLst>
               <a:ext uri="{FF2B5EF4-FFF2-40B4-BE49-F238E27FC236}">
-                <a16:creationId xmlns:a16="http://schemas.microsoft.com/office/drawing/2014/main" xmlns="" id="{3C830CD0-1AB5-4311-B5BC-5A1F54550451}"/>
+                <a16:creationId xmlns="" xmlns:a16="http://schemas.microsoft.com/office/drawing/2014/main" id="{3C830CD0-1AB5-4311-B5BC-5A1F54550451}"/>
               </a:ext>
             </a:extLst>
           </p:cNvPr>
@@ -17098,7 +17099,7 @@
           <p:cNvPr id="3" name="テキスト プレースホルダー 2">
             <a:extLst>
               <a:ext uri="{FF2B5EF4-FFF2-40B4-BE49-F238E27FC236}">
-                <a16:creationId xmlns:a16="http://schemas.microsoft.com/office/drawing/2014/main" xmlns="" id="{7EA6433C-1044-49D3-9379-15429B1D1656}"/>
+                <a16:creationId xmlns="" xmlns:a16="http://schemas.microsoft.com/office/drawing/2014/main" id="{7EA6433C-1044-49D3-9379-15429B1D1656}"/>
               </a:ext>
             </a:extLst>
           </p:cNvPr>
@@ -17146,7 +17147,7 @@
           <p:cNvPr id="4" name="テキスト プレースホルダー 3">
             <a:extLst>
               <a:ext uri="{FF2B5EF4-FFF2-40B4-BE49-F238E27FC236}">
-                <a16:creationId xmlns:a16="http://schemas.microsoft.com/office/drawing/2014/main" xmlns="" id="{EAF9E187-4822-43E0-949B-EF9B2BAABAA3}"/>
+                <a16:creationId xmlns="" xmlns:a16="http://schemas.microsoft.com/office/drawing/2014/main" id="{EAF9E187-4822-43E0-949B-EF9B2BAABAA3}"/>
               </a:ext>
             </a:extLst>
           </p:cNvPr>
@@ -17213,6 +17214,493 @@
           <a:lstStyle/>
           <a:p>
             <a:r>
+              <a:rPr kumimoji="1" lang="en-US" altLang="ja-JP" sz="1800" dirty="0" smtClean="0"/>
+              <a:t>◇</a:t>
+            </a:r>
+            <a:r>
+              <a:rPr kumimoji="1" lang="ja-JP" altLang="en-US" sz="1800" dirty="0" smtClean="0"/>
+              <a:t>結果</a:t>
+            </a:r>
+            <a:endParaRPr kumimoji="1" lang="en-US" altLang="ja-JP" sz="1800" dirty="0" smtClean="0"/>
+          </a:p>
+          <a:p>
+            <a:r>
+              <a:rPr lang="ja-JP" altLang="en-US" sz="1800" b="0" dirty="0" smtClean="0"/>
+              <a:t>・お昼過ぎに納入されたものの</a:t>
+            </a:r>
+            <a:r>
+              <a:rPr lang="en-US" altLang="ja-JP" sz="1800" b="0" dirty="0" smtClean="0"/>
+              <a:t>8</a:t>
+            </a:r>
+            <a:r>
+              <a:rPr lang="ja-JP" altLang="en-US" sz="1800" b="0" dirty="0" smtClean="0"/>
+              <a:t>割は、入庫基準時間内に入庫できていない</a:t>
+            </a:r>
+            <a:endParaRPr lang="en-US" altLang="ja-JP" sz="1800" b="0" dirty="0" smtClean="0"/>
+          </a:p>
+          <a:p>
+            <a:r>
+              <a:rPr kumimoji="1" lang="ja-JP" altLang="ja-JP" sz="1800" b="0" dirty="0"/>
+              <a:t>　</a:t>
+            </a:r>
+            <a:r>
+              <a:rPr kumimoji="1" lang="en-US" altLang="ja-JP" sz="1800" b="0" dirty="0" smtClean="0"/>
+              <a:t>→◇</a:t>
+            </a:r>
+            <a:r>
+              <a:rPr kumimoji="1" lang="ja-JP" altLang="en-US" sz="1800" b="0" dirty="0" smtClean="0"/>
+              <a:t>なぜ？ </a:t>
+            </a:r>
+            <a:endParaRPr kumimoji="1" lang="en-US" altLang="ja-JP" sz="1800" b="0" dirty="0" smtClean="0"/>
+          </a:p>
+          <a:p>
+            <a:r>
+              <a:rPr lang="ja-JP" altLang="en-US" sz="1800" b="0" dirty="0" smtClean="0"/>
+              <a:t>　・</a:t>
+            </a:r>
+            <a:r>
+              <a:rPr lang="ja-JP" altLang="en-US" sz="1800" b="0" dirty="0" smtClean="0">
+                <a:solidFill>
+                  <a:srgbClr val="FF0000"/>
+                </a:solidFill>
+              </a:rPr>
+              <a:t>昼</a:t>
+            </a:r>
+            <a:r>
+              <a:rPr lang="ja-JP" altLang="en-US" sz="1800" b="0" dirty="0">
+                <a:solidFill>
+                  <a:srgbClr val="FF0000"/>
+                </a:solidFill>
+              </a:rPr>
+              <a:t>勤と夜勤の切り替わりの時間（</a:t>
+            </a:r>
+            <a:r>
+              <a:rPr lang="en-US" altLang="ja-JP" sz="1800" b="0" dirty="0">
+                <a:solidFill>
+                  <a:srgbClr val="FF0000"/>
+                </a:solidFill>
+              </a:rPr>
+              <a:t>17:30〜22:00</a:t>
+            </a:r>
+            <a:r>
+              <a:rPr lang="ja-JP" altLang="en-US" sz="1800" b="0" dirty="0">
+                <a:solidFill>
+                  <a:srgbClr val="FF0000"/>
+                </a:solidFill>
+              </a:rPr>
+              <a:t>）で入庫作業が行われて</a:t>
+            </a:r>
+            <a:r>
+              <a:rPr lang="ja-JP" altLang="en-US" sz="1800" b="0" dirty="0" smtClean="0">
+                <a:solidFill>
+                  <a:srgbClr val="FF0000"/>
+                </a:solidFill>
+              </a:rPr>
+              <a:t>いないから</a:t>
+            </a:r>
+            <a:endParaRPr lang="en-US" altLang="ja-JP" sz="1800" b="0" dirty="0" smtClean="0">
+              <a:solidFill>
+                <a:srgbClr val="FF0000"/>
+              </a:solidFill>
+            </a:endParaRPr>
+          </a:p>
+          <a:p>
+            <a:r>
+              <a:rPr lang="ja-JP" altLang="ja-JP" sz="1800" b="0" dirty="0"/>
+              <a:t>　</a:t>
+            </a:r>
+            <a:r>
+              <a:rPr lang="ja-JP" altLang="en-US" sz="1800" b="0" dirty="0" smtClean="0"/>
+              <a:t>　（設計値</a:t>
+            </a:r>
+            <a:r>
+              <a:rPr lang="ja-JP" altLang="en-US" sz="1800" b="0" dirty="0"/>
+              <a:t>超過分の約</a:t>
+            </a:r>
+            <a:r>
+              <a:rPr lang="en-US" altLang="ja-JP" sz="1800" b="0" dirty="0"/>
+              <a:t>0.18</a:t>
+            </a:r>
+            <a:r>
+              <a:rPr lang="ja-JP" altLang="en-US" sz="1800" b="0" dirty="0"/>
+              <a:t>日</a:t>
+            </a:r>
+            <a:r>
+              <a:rPr lang="en-US" altLang="ja-JP" sz="1800" b="0" dirty="0"/>
+              <a:t>=4.3</a:t>
+            </a:r>
+            <a:r>
+              <a:rPr lang="ja-JP" altLang="en-US" sz="1800" b="0" dirty="0"/>
+              <a:t>時間が昼勤夜勤の切り替わりの時間</a:t>
+            </a:r>
+            <a:r>
+              <a:rPr lang="ja-JP" altLang="en-US" sz="1800" b="0" dirty="0" smtClean="0"/>
+              <a:t>とほぼ一致）</a:t>
+            </a:r>
+            <a:endParaRPr lang="en-US" altLang="ja-JP" sz="1800" b="0" dirty="0"/>
+          </a:p>
+          <a:p>
+            <a:endParaRPr kumimoji="1" lang="en-US" altLang="ja-JP" sz="1800" b="0" dirty="0" smtClean="0"/>
+          </a:p>
+          <a:p>
+            <a:r>
+              <a:rPr lang="ja-JP" altLang="en-US" sz="1800" b="0" dirty="0" smtClean="0"/>
+              <a:t>・すべての便で入庫作業を基準時間内でやり切れていない。</a:t>
+            </a:r>
+            <a:endParaRPr lang="en-US" altLang="ja-JP" sz="1800" b="0" dirty="0" smtClean="0"/>
+          </a:p>
+          <a:p>
+            <a:r>
+              <a:rPr lang="ja-JP" altLang="ja-JP" sz="1800" b="0" dirty="0"/>
+              <a:t>　</a:t>
+            </a:r>
+            <a:r>
+              <a:rPr lang="ja-JP" altLang="en-US" sz="1800" b="0" dirty="0" smtClean="0"/>
+              <a:t>特に、</a:t>
+            </a:r>
+            <a:r>
+              <a:rPr lang="ja-JP" altLang="en-US" sz="1800" b="0" dirty="0" smtClean="0">
+                <a:solidFill>
+                  <a:srgbClr val="FF0000"/>
+                </a:solidFill>
+              </a:rPr>
+              <a:t>納入（検収）されるかんばん数が多い時間帯ほど、</a:t>
+            </a:r>
+            <a:r>
+              <a:rPr lang="ja-JP" altLang="en-US" sz="1800" b="0" dirty="0">
+                <a:solidFill>
+                  <a:srgbClr val="FF0000"/>
+                </a:solidFill>
+              </a:rPr>
+              <a:t>入庫作業を基準時間内でやり切れていない</a:t>
+            </a:r>
+            <a:r>
+              <a:rPr lang="ja-JP" altLang="en-US" sz="1800" b="0" dirty="0" smtClean="0"/>
+              <a:t>。</a:t>
+            </a:r>
+            <a:endParaRPr lang="en-US" altLang="ja-JP" sz="1800" b="0" dirty="0" smtClean="0"/>
+          </a:p>
+          <a:p>
+            <a:r>
+              <a:rPr lang="ja-JP" altLang="ja-JP" sz="1800" b="0" dirty="0"/>
+              <a:t>　</a:t>
+            </a:r>
+            <a:r>
+              <a:rPr lang="en-US" altLang="ja-JP" sz="1800" b="0" dirty="0" smtClean="0"/>
+              <a:t>→◇</a:t>
+            </a:r>
+            <a:r>
+              <a:rPr lang="ja-JP" altLang="en-US" sz="1800" b="0" dirty="0" smtClean="0"/>
+              <a:t>なぜ？</a:t>
+            </a:r>
+            <a:endParaRPr lang="en-US" altLang="ja-JP" sz="1800" b="0" dirty="0" smtClean="0"/>
+          </a:p>
+          <a:p>
+            <a:r>
+              <a:rPr lang="ja-JP" altLang="ja-JP" sz="1800" b="0" dirty="0"/>
+              <a:t>　</a:t>
+            </a:r>
+            <a:r>
+              <a:rPr lang="ja-JP" altLang="en-US" sz="1800" b="0" strike="sngStrike" dirty="0" smtClean="0"/>
+              <a:t>a</a:t>
+            </a:r>
+            <a:r>
+              <a:rPr lang="en-US" altLang="ja-JP" sz="1800" b="0" strike="sngStrike" dirty="0" smtClean="0"/>
+              <a:t>.</a:t>
+            </a:r>
+            <a:r>
+              <a:rPr lang="ja-JP" altLang="en-US" sz="1800" b="0" strike="sngStrike" dirty="0" smtClean="0"/>
+              <a:t> かんばん数が多いため、複数の便に分かれて運ばれている　</a:t>
+            </a:r>
+            <a:r>
+              <a:rPr lang="en-US" altLang="ja-JP" sz="1800" b="0" strike="sngStrike" dirty="0" smtClean="0"/>
+              <a:t>→</a:t>
+            </a:r>
+            <a:r>
+              <a:rPr lang="ja-JP" altLang="en-US" sz="1800" b="0" strike="sngStrike" dirty="0" smtClean="0"/>
+              <a:t> データがないため分析不可</a:t>
+            </a:r>
+            <a:endParaRPr lang="en-US" altLang="ja-JP" sz="1800" b="0" strike="sngStrike" dirty="0" smtClean="0"/>
+          </a:p>
+          <a:p>
+            <a:r>
+              <a:rPr lang="ja-JP" altLang="ja-JP" sz="1800" b="0" dirty="0"/>
+              <a:t>　</a:t>
+            </a:r>
+            <a:r>
+              <a:rPr lang="ja-JP" altLang="en-US" sz="1800" b="0" dirty="0" smtClean="0"/>
+              <a:t>b</a:t>
+            </a:r>
+            <a:r>
+              <a:rPr lang="en-US" altLang="ja-JP" sz="1800" b="0" dirty="0" smtClean="0"/>
+              <a:t>.</a:t>
+            </a:r>
+            <a:r>
+              <a:rPr lang="ja-JP" altLang="en-US" sz="1800" b="0" dirty="0" smtClean="0"/>
+              <a:t> かんばん数が多いため、入庫作業に時間がかかる</a:t>
+            </a:r>
+            <a:r>
+              <a:rPr lang="en-US" altLang="ja-JP" sz="1800" b="0" dirty="0" smtClean="0"/>
+              <a:t>/</a:t>
+            </a:r>
+            <a:r>
+              <a:rPr lang="ja-JP" altLang="en-US" sz="1800" b="0" dirty="0" smtClean="0"/>
+              <a:t>入庫されず</a:t>
+            </a:r>
+            <a:r>
+              <a:rPr lang="ja-JP" altLang="en-US" sz="1800" b="0" dirty="0"/>
+              <a:t>一時仮置場で留置</a:t>
+            </a:r>
+            <a:r>
+              <a:rPr lang="ja-JP" altLang="en-US" sz="1800" b="0" dirty="0" smtClean="0"/>
+              <a:t>　</a:t>
+            </a:r>
+            <a:r>
+              <a:rPr lang="en-US" altLang="ja-JP" sz="1800" b="0" dirty="0" smtClean="0"/>
+              <a:t>→</a:t>
+            </a:r>
+            <a:r>
+              <a:rPr lang="ja-JP" altLang="en-US" sz="1800" b="0" dirty="0" smtClean="0"/>
+              <a:t> 次ページ詳細分析</a:t>
+            </a:r>
+            <a:endParaRPr lang="en-US" altLang="ja-JP" sz="1800" b="0" dirty="0" smtClean="0"/>
+          </a:p>
+          <a:p>
+            <a:endParaRPr lang="en-US" altLang="ja-JP" sz="1800" b="0" dirty="0"/>
+          </a:p>
+        </p:txBody>
+      </p:sp>
+      <p:sp>
+        <p:nvSpPr>
+          <p:cNvPr id="3" name="テキスト プレースホルダー 2"/>
+          <p:cNvSpPr>
+            <a:spLocks noGrp="1"/>
+          </p:cNvSpPr>
+          <p:nvPr>
+            <p:ph type="body" sz="quarter" idx="20"/>
+          </p:nvPr>
+        </p:nvSpPr>
+        <p:spPr/>
+        <p:txBody>
+          <a:bodyPr/>
+          <a:lstStyle/>
+          <a:p>
+            <a:endParaRPr kumimoji="1" lang="ja-JP" altLang="en-US" dirty="0"/>
+          </a:p>
+        </p:txBody>
+      </p:sp>
+      <p:sp>
+        <p:nvSpPr>
+          <p:cNvPr id="4" name="日付プレースホルダー 3"/>
+          <p:cNvSpPr>
+            <a:spLocks noGrp="1"/>
+          </p:cNvSpPr>
+          <p:nvPr>
+            <p:ph type="dt" sz="half" idx="19"/>
+          </p:nvPr>
+        </p:nvSpPr>
+        <p:spPr/>
+        <p:txBody>
+          <a:bodyPr/>
+          <a:lstStyle/>
+          <a:p>
+            <a:fld id="{FCAFAC13-DB77-42F2-BE26-45BA5532FD50}" type="datetime4">
+              <a:rPr lang="en-US" altLang="ja-JP" smtClean="0"/>
+              <a:pPr/>
+              <a:t>2023年 10月 23日 </a:t>
+            </a:fld>
+            <a:endParaRPr lang="en-US" dirty="0"/>
+          </a:p>
+        </p:txBody>
+      </p:sp>
+      <p:sp>
+        <p:nvSpPr>
+          <p:cNvPr id="15" name="テキスト ボックス 14"/>
+          <p:cNvSpPr txBox="1"/>
+          <p:nvPr/>
+        </p:nvSpPr>
+        <p:spPr>
+          <a:xfrm>
+            <a:off x="112889" y="5108222"/>
+            <a:ext cx="184666" cy="369332"/>
+          </a:xfrm>
+          <a:prstGeom prst="rect">
+            <a:avLst/>
+          </a:prstGeom>
+          <a:noFill/>
+        </p:spPr>
+        <p:txBody>
+          <a:bodyPr wrap="none" rtlCol="0">
+            <a:spAutoFit/>
+          </a:bodyPr>
+          <a:lstStyle/>
+          <a:p>
+            <a:endParaRPr kumimoji="1" lang="ja-JP" altLang="en-US" dirty="0"/>
+          </a:p>
+        </p:txBody>
+      </p:sp>
+      <p:pic>
+        <p:nvPicPr>
+          <p:cNvPr id="16" name="図 15"/>
+          <p:cNvPicPr>
+            <a:picLocks noChangeAspect="1"/>
+          </p:cNvPicPr>
+          <p:nvPr/>
+        </p:nvPicPr>
+        <p:blipFill>
+          <a:blip r:embed="rId2"/>
+          <a:stretch>
+            <a:fillRect/>
+          </a:stretch>
+        </p:blipFill>
+        <p:spPr>
+          <a:xfrm>
+            <a:off x="454377" y="4346222"/>
+            <a:ext cx="11318528" cy="1787877"/>
+          </a:xfrm>
+          <a:prstGeom prst="rect">
+            <a:avLst/>
+          </a:prstGeom>
+        </p:spPr>
+      </p:pic>
+      <p:pic>
+        <p:nvPicPr>
+          <p:cNvPr id="17" name="図 16"/>
+          <p:cNvPicPr>
+            <a:picLocks noChangeAspect="1"/>
+          </p:cNvPicPr>
+          <p:nvPr/>
+        </p:nvPicPr>
+        <p:blipFill>
+          <a:blip r:embed="rId3"/>
+          <a:stretch>
+            <a:fillRect/>
+          </a:stretch>
+        </p:blipFill>
+        <p:spPr>
+          <a:xfrm>
+            <a:off x="9736667" y="853356"/>
+            <a:ext cx="2455333" cy="1416163"/>
+          </a:xfrm>
+          <a:prstGeom prst="rect">
+            <a:avLst/>
+          </a:prstGeom>
+        </p:spPr>
+      </p:pic>
+      <p:sp>
+        <p:nvSpPr>
+          <p:cNvPr id="19" name="テキスト ボックス 18"/>
+          <p:cNvSpPr txBox="1"/>
+          <p:nvPr/>
+        </p:nvSpPr>
+        <p:spPr>
+          <a:xfrm>
+            <a:off x="9059333" y="2257778"/>
+            <a:ext cx="3132667" cy="307777"/>
+          </a:xfrm>
+          <a:prstGeom prst="rect">
+            <a:avLst/>
+          </a:prstGeom>
+          <a:noFill/>
+        </p:spPr>
+        <p:txBody>
+          <a:bodyPr wrap="square" rtlCol="0">
+            <a:spAutoFit/>
+          </a:bodyPr>
+          <a:lstStyle/>
+          <a:p>
+            <a:r>
+              <a:rPr lang="ja-JP" altLang="en-US" sz="1400" dirty="0" smtClean="0"/>
+              <a:t>参考：４便直後（夜勤前）の</a:t>
+            </a:r>
+            <a:r>
+              <a:rPr lang="ja-JP" altLang="en-US" sz="1400" dirty="0"/>
+              <a:t>順立前</a:t>
+            </a:r>
+            <a:endParaRPr lang="en-US" altLang="ja-JP" sz="1400" dirty="0"/>
+          </a:p>
+        </p:txBody>
+      </p:sp>
+      <p:sp>
+        <p:nvSpPr>
+          <p:cNvPr id="20" name="テキスト ボックス 19"/>
+          <p:cNvSpPr txBox="1"/>
+          <p:nvPr/>
+        </p:nvSpPr>
+        <p:spPr>
+          <a:xfrm>
+            <a:off x="434622" y="6149623"/>
+            <a:ext cx="4603045" cy="307777"/>
+          </a:xfrm>
+          <a:prstGeom prst="rect">
+            <a:avLst/>
+          </a:prstGeom>
+          <a:noFill/>
+        </p:spPr>
+        <p:txBody>
+          <a:bodyPr wrap="square" rtlCol="0">
+            <a:spAutoFit/>
+          </a:bodyPr>
+          <a:lstStyle/>
+          <a:p>
+            <a:r>
+              <a:rPr lang="en-US" altLang="ja-JP" sz="1400" dirty="0" smtClean="0"/>
+              <a:t>※9</a:t>
+            </a:r>
+            <a:r>
+              <a:rPr lang="ja-JP" altLang="en-US" sz="1400" dirty="0" smtClean="0"/>
+              <a:t>月データより土日を含むデータを削除</a:t>
+            </a:r>
+            <a:endParaRPr lang="en-US" altLang="ja-JP" sz="1400" dirty="0"/>
+          </a:p>
+        </p:txBody>
+      </p:sp>
+    </p:spTree>
+    <p:extLst>
+      <p:ext uri="{BB962C8B-B14F-4D97-AF65-F5344CB8AC3E}">
+        <p14:creationId xmlns:p14="http://schemas.microsoft.com/office/powerpoint/2010/main" val="1137909715"/>
+      </p:ext>
+    </p:extLst>
+  </p:cSld>
+  <p:clrMapOvr>
+    <a:masterClrMapping/>
+  </p:clrMapOvr>
+</p:sld>
+</file>
+
+<file path=ppt/slides/slide11.xml><?xml version="1.0" encoding="utf-8"?>
+<p:sld xmlns:a="http://schemas.openxmlformats.org/drawingml/2006/main" xmlns:r="http://schemas.openxmlformats.org/officeDocument/2006/relationships" xmlns:p="http://schemas.openxmlformats.org/presentationml/2006/main">
+  <p:cSld>
+    <p:spTree>
+      <p:nvGrpSpPr>
+        <p:cNvPr id="1" name=""/>
+        <p:cNvGrpSpPr/>
+        <p:nvPr/>
+      </p:nvGrpSpPr>
+      <p:grpSpPr>
+        <a:xfrm>
+          <a:off x="0" y="0"/>
+          <a:ext cx="0" cy="0"/>
+          <a:chOff x="0" y="0"/>
+          <a:chExt cx="0" cy="0"/>
+        </a:xfrm>
+      </p:grpSpPr>
+      <p:sp>
+        <p:nvSpPr>
+          <p:cNvPr id="2" name="テキスト プレースホルダー 1"/>
+          <p:cNvSpPr>
+            <a:spLocks noGrp="1"/>
+          </p:cNvSpPr>
+          <p:nvPr>
+            <p:ph type="body" sz="quarter" idx="18"/>
+          </p:nvPr>
+        </p:nvSpPr>
+        <p:spPr/>
+        <p:txBody>
+          <a:bodyPr/>
+          <a:lstStyle/>
+          <a:p>
+            <a:r>
               <a:rPr lang="en-US" altLang="ja-JP" sz="1800" dirty="0" smtClean="0"/>
               <a:t>◇</a:t>
             </a:r>
@@ -17245,11 +17733,7 @@
             </a:r>
             <a:r>
               <a:rPr lang="ja-JP" altLang="en-US" sz="1800" b="0" dirty="0" smtClean="0"/>
-              <a:t>留置</a:t>
-            </a:r>
-            <a:r>
-              <a:rPr lang="ja-JP" altLang="en-US" sz="1800" b="0" dirty="0" smtClean="0"/>
-              <a:t>（</a:t>
+              <a:t>留置（</a:t>
             </a:r>
             <a:r>
               <a:rPr lang="en-US" altLang="ja-JP" sz="1800" b="0" dirty="0" smtClean="0"/>
@@ -17601,18 +18085,7 @@
                 <a:ea typeface="+mj-ea"/>
                 <a:cs typeface="ヒラギノ角ゴ ProN"/>
               </a:rPr>
-              <a:t>ﾜｲﾔﾘﾝｸﾞﾊｰﾈｽｺﾈｸﾀ</a:t>
-            </a:r>
-            <a:r>
-              <a:rPr lang="ja-JP" altLang="en-US" sz="1600" dirty="0" smtClean="0">
-                <a:solidFill>
-                  <a:schemeClr val="tx1"/>
-                </a:solidFill>
-                <a:latin typeface="+mj-ea"/>
-                <a:ea typeface="+mj-ea"/>
-                <a:cs typeface="ヒラギノ角ゴ ProN"/>
-              </a:rPr>
-              <a:t>など部品が</a:t>
+              <a:t>ﾜｲﾔﾘﾝｸﾞﾊｰﾈｽｺﾈｸﾀなど部品が</a:t>
             </a:r>
             <a:r>
               <a:rPr lang="en-US" altLang="ja-JP" sz="1600" dirty="0" smtClean="0">
@@ -17664,7 +18137,7 @@
             <a:fld id="{FCAFAC13-DB77-42F2-BE26-45BA5532FD50}" type="datetime4">
               <a:rPr lang="en-US" altLang="ja-JP" smtClean="0"/>
               <a:pPr/>
-              <a:t>2023年 10月 22日 </a:t>
+              <a:t>2023年 10月 23日 </a:t>
             </a:fld>
             <a:endParaRPr lang="en-US" dirty="0"/>
           </a:p>
@@ -17734,15 +18207,7 @@
                   <a:srgbClr val="FF0000"/>
                 </a:solidFill>
               </a:rPr>
-              <a:t>8</a:t>
-            </a:r>
-            <a:r>
-              <a:rPr lang="en-US" altLang="ja-JP" dirty="0" smtClean="0">
-                <a:solidFill>
-                  <a:srgbClr val="FF0000"/>
-                </a:solidFill>
-              </a:rPr>
-              <a:t>00</a:t>
+              <a:t>800</a:t>
             </a:r>
             <a:r>
               <a:rPr lang="ja-JP" altLang="en-US" dirty="0" smtClean="0">
@@ -17765,23 +18230,7 @@
                   <a:srgbClr val="FF0000"/>
                 </a:solidFill>
               </a:rPr>
-              <a:t>入庫までやりき</a:t>
-            </a:r>
-            <a:r>
-              <a:rPr lang="ja-JP" altLang="en-US" dirty="0" smtClean="0">
-                <a:solidFill>
-                  <a:srgbClr val="FF0000"/>
-                </a:solidFill>
-              </a:rPr>
-              <a:t>れ</a:t>
-            </a:r>
-            <a:r>
-              <a:rPr lang="ja-JP" altLang="en-US" dirty="0" smtClean="0">
-                <a:solidFill>
-                  <a:srgbClr val="FF0000"/>
-                </a:solidFill>
-              </a:rPr>
-              <a:t>ない</a:t>
+              <a:t>入庫までやりきれない</a:t>
             </a:r>
             <a:endParaRPr lang="en-US" altLang="ja-JP" dirty="0" smtClean="0"/>
           </a:p>
@@ -17893,11 +18342,7 @@
           <a:p>
             <a:r>
               <a:rPr lang="ja-JP" altLang="en-US" sz="1400" dirty="0" smtClean="0"/>
-              <a:t>例</a:t>
-            </a:r>
-            <a:r>
-              <a:rPr lang="ja-JP" altLang="en-US" sz="1400" dirty="0" smtClean="0"/>
-              <a:t>：トラックのキャパの問題で</a:t>
+              <a:t>例：トラックのキャパの問題で</a:t>
             </a:r>
             <a:r>
               <a:rPr lang="ja-JP" altLang="ja-JP" sz="1400" dirty="0" smtClean="0"/>
@@ -17938,178 +18383,6 @@
     <p:extLst>
       <p:ext uri="{BB962C8B-B14F-4D97-AF65-F5344CB8AC3E}">
         <p14:creationId xmlns:p14="http://schemas.microsoft.com/office/powerpoint/2010/main" val="4276005618"/>
-      </p:ext>
-    </p:extLst>
-  </p:cSld>
-  <p:clrMapOvr>
-    <a:masterClrMapping/>
-  </p:clrMapOvr>
-</p:sld>
-</file>
-
-<file path=ppt/slides/slide11.xml><?xml version="1.0" encoding="utf-8"?>
-<p:sld xmlns:a="http://schemas.openxmlformats.org/drawingml/2006/main" xmlns:r="http://schemas.openxmlformats.org/officeDocument/2006/relationships" xmlns:p="http://schemas.openxmlformats.org/presentationml/2006/main">
-  <p:cSld>
-    <p:spTree>
-      <p:nvGrpSpPr>
-        <p:cNvPr id="1" name=""/>
-        <p:cNvGrpSpPr/>
-        <p:nvPr/>
-      </p:nvGrpSpPr>
-      <p:grpSpPr>
-        <a:xfrm>
-          <a:off x="0" y="0"/>
-          <a:ext cx="0" cy="0"/>
-          <a:chOff x="0" y="0"/>
-          <a:chExt cx="0" cy="0"/>
-        </a:xfrm>
-      </p:grpSpPr>
-      <p:sp>
-        <p:nvSpPr>
-          <p:cNvPr id="2" name="テキスト プレースホルダー 1"/>
-          <p:cNvSpPr>
-            <a:spLocks noGrp="1"/>
-          </p:cNvSpPr>
-          <p:nvPr>
-            <p:ph type="body" sz="quarter" idx="18"/>
-          </p:nvPr>
-        </p:nvSpPr>
-        <p:spPr/>
-        <p:txBody>
-          <a:bodyPr/>
-          <a:lstStyle/>
-          <a:p>
-            <a:r>
-              <a:rPr lang="ja-JP" altLang="en-US" sz="2400" b="0" dirty="0"/>
-              <a:t>かんばん数が多いため、入庫作業に時間がかかる</a:t>
-            </a:r>
-            <a:r>
-              <a:rPr lang="en-US" altLang="ja-JP" sz="2400" b="0" dirty="0"/>
-              <a:t>/</a:t>
-            </a:r>
-            <a:r>
-              <a:rPr lang="ja-JP" altLang="en-US" sz="2400" b="0" dirty="0"/>
-              <a:t>入庫されず一時仮置場で留置（</a:t>
-            </a:r>
-            <a:r>
-              <a:rPr lang="en-US" altLang="ja-JP" sz="2400" b="0" dirty="0"/>
-              <a:t>=</a:t>
-            </a:r>
-            <a:r>
-              <a:rPr lang="ja-JP" altLang="en-US" sz="2400" b="0" dirty="0"/>
-              <a:t>設計値を超過する</a:t>
-            </a:r>
-            <a:r>
-              <a:rPr lang="ja-JP" altLang="en-US" sz="2400" b="0" dirty="0" smtClean="0"/>
-              <a:t>）</a:t>
-            </a:r>
-            <a:endParaRPr lang="en-US" altLang="ja-JP" sz="2400" b="0" dirty="0" smtClean="0"/>
-          </a:p>
-          <a:p>
-            <a:r>
-              <a:rPr lang="en-US" altLang="ja-JP" sz="2400" b="0" dirty="0" smtClean="0"/>
-              <a:t>→</a:t>
-            </a:r>
-            <a:r>
-              <a:rPr lang="ja-JP" altLang="en-US" sz="2400" b="0" dirty="0" smtClean="0"/>
-              <a:t> 欠品が起こりやすい</a:t>
-            </a:r>
-            <a:endParaRPr lang="en-US" altLang="ja-JP" sz="2400" b="0" dirty="0" smtClean="0"/>
-          </a:p>
-          <a:p>
-            <a:endParaRPr lang="en-US" altLang="ja-JP" sz="2400" b="0" dirty="0"/>
-          </a:p>
-          <a:p>
-            <a:r>
-              <a:rPr lang="ja-JP" altLang="en-US" sz="2400" b="0" dirty="0" smtClean="0"/>
-              <a:t>投入の順番が決まっていない</a:t>
-            </a:r>
-            <a:endParaRPr lang="en-US" altLang="ja-JP" sz="2400" b="0" dirty="0" smtClean="0"/>
-          </a:p>
-          <a:p>
-            <a:endParaRPr lang="en-US" altLang="ja-JP" sz="2400" b="0" dirty="0"/>
-          </a:p>
-          <a:p>
-            <a:r>
-              <a:rPr lang="en-US" altLang="ja-JP" sz="2400" b="0" dirty="0" smtClean="0"/>
-              <a:t>→</a:t>
-            </a:r>
-            <a:r>
-              <a:rPr lang="ja-JP" altLang="en-US" sz="2400" b="0" dirty="0" smtClean="0"/>
-              <a:t> 優先すべき品番から投入できていない</a:t>
-            </a:r>
-            <a:endParaRPr lang="en-US" altLang="ja-JP" sz="2400" b="0" dirty="0" smtClean="0"/>
-          </a:p>
-          <a:p>
-            <a:r>
-              <a:rPr lang="ja-JP" altLang="en-US" sz="2400" b="0" dirty="0" smtClean="0"/>
-              <a:t>いらない品番を入れて過多</a:t>
-            </a:r>
-            <a:endParaRPr lang="en-US" altLang="ja-JP" sz="2400" b="0" dirty="0" smtClean="0"/>
-          </a:p>
-          <a:p>
-            <a:r>
-              <a:rPr lang="ja-JP" altLang="en-US" sz="2400" b="0" dirty="0" smtClean="0"/>
-              <a:t>いる品番を投入できずに欠品</a:t>
-            </a:r>
-            <a:endParaRPr lang="en-US" altLang="ja-JP" sz="2400" b="0" dirty="0"/>
-          </a:p>
-          <a:p>
-            <a:endParaRPr kumimoji="1" lang="ja-JP" altLang="en-US" dirty="0"/>
-          </a:p>
-        </p:txBody>
-      </p:sp>
-      <p:sp>
-        <p:nvSpPr>
-          <p:cNvPr id="3" name="テキスト プレースホルダー 2"/>
-          <p:cNvSpPr>
-            <a:spLocks noGrp="1"/>
-          </p:cNvSpPr>
-          <p:nvPr>
-            <p:ph type="body" sz="quarter" idx="20"/>
-          </p:nvPr>
-        </p:nvSpPr>
-        <p:spPr/>
-        <p:txBody>
-          <a:bodyPr/>
-          <a:lstStyle/>
-          <a:p>
-            <a:r>
-              <a:rPr kumimoji="1" lang="ja-JP" altLang="en-US" dirty="0" smtClean="0"/>
-              <a:t>影響分析</a:t>
-            </a:r>
-            <a:endParaRPr kumimoji="1" lang="ja-JP" altLang="en-US" dirty="0"/>
-          </a:p>
-        </p:txBody>
-      </p:sp>
-      <p:sp>
-        <p:nvSpPr>
-          <p:cNvPr id="4" name="日付プレースホルダー 3"/>
-          <p:cNvSpPr>
-            <a:spLocks noGrp="1"/>
-          </p:cNvSpPr>
-          <p:nvPr>
-            <p:ph type="dt" sz="half" idx="19"/>
-          </p:nvPr>
-        </p:nvSpPr>
-        <p:spPr/>
-        <p:txBody>
-          <a:bodyPr/>
-          <a:lstStyle/>
-          <a:p>
-            <a:fld id="{FCAFAC13-DB77-42F2-BE26-45BA5532FD50}" type="datetime4">
-              <a:rPr lang="en-US" altLang="ja-JP" smtClean="0"/>
-              <a:pPr/>
-              <a:t>2023年 10月 23日 </a:t>
-            </a:fld>
-            <a:endParaRPr lang="en-US" dirty="0"/>
-          </a:p>
-        </p:txBody>
-      </p:sp>
-    </p:spTree>
-    <p:extLst>
-      <p:ext uri="{BB962C8B-B14F-4D97-AF65-F5344CB8AC3E}">
-        <p14:creationId xmlns:p14="http://schemas.microsoft.com/office/powerpoint/2010/main" val="3069532049"/>
       </p:ext>
     </p:extLst>
   </p:cSld>
@@ -18151,7 +18424,83 @@
           <a:bodyPr/>
           <a:lstStyle/>
           <a:p>
-            <a:endParaRPr kumimoji="1" lang="ja-JP" altLang="en-US"/>
+            <a:r>
+              <a:rPr lang="ja-JP" altLang="en-US" sz="2400" b="0" dirty="0"/>
+              <a:t>かんばん数が多いため、入庫作業に時間がかかる</a:t>
+            </a:r>
+            <a:r>
+              <a:rPr lang="en-US" altLang="ja-JP" sz="2400" b="0" dirty="0"/>
+              <a:t>/</a:t>
+            </a:r>
+            <a:r>
+              <a:rPr lang="ja-JP" altLang="en-US" sz="2400" b="0" dirty="0"/>
+              <a:t>入庫されず一時仮置場で留置（</a:t>
+            </a:r>
+            <a:r>
+              <a:rPr lang="en-US" altLang="ja-JP" sz="2400" b="0" dirty="0"/>
+              <a:t>=</a:t>
+            </a:r>
+            <a:r>
+              <a:rPr lang="ja-JP" altLang="en-US" sz="2400" b="0" dirty="0"/>
+              <a:t>設計値を超過する</a:t>
+            </a:r>
+            <a:r>
+              <a:rPr lang="ja-JP" altLang="en-US" sz="2400" b="0" dirty="0" smtClean="0"/>
+              <a:t>）</a:t>
+            </a:r>
+            <a:endParaRPr lang="en-US" altLang="ja-JP" sz="2400" b="0" dirty="0" smtClean="0"/>
+          </a:p>
+          <a:p>
+            <a:r>
+              <a:rPr lang="en-US" altLang="ja-JP" sz="2400" b="0" dirty="0" smtClean="0"/>
+              <a:t>→</a:t>
+            </a:r>
+            <a:r>
+              <a:rPr lang="ja-JP" altLang="en-US" sz="2400" b="0" dirty="0" smtClean="0"/>
+              <a:t> 欠品が起こりやすい</a:t>
+            </a:r>
+            <a:endParaRPr lang="en-US" altLang="ja-JP" sz="2400" b="0" dirty="0" smtClean="0"/>
+          </a:p>
+          <a:p>
+            <a:endParaRPr lang="en-US" altLang="ja-JP" sz="2400" b="0" dirty="0"/>
+          </a:p>
+          <a:p>
+            <a:r>
+              <a:rPr lang="ja-JP" altLang="en-US" sz="2400" b="0" dirty="0" smtClean="0"/>
+              <a:t>投入の順番が決まっていない</a:t>
+            </a:r>
+            <a:endParaRPr lang="en-US" altLang="ja-JP" sz="2400" b="0" dirty="0" smtClean="0"/>
+          </a:p>
+          <a:p>
+            <a:endParaRPr lang="en-US" altLang="ja-JP" sz="2400" b="0" dirty="0"/>
+          </a:p>
+          <a:p>
+            <a:r>
+              <a:rPr lang="en-US" altLang="ja-JP" sz="2400" b="0" dirty="0" smtClean="0"/>
+              <a:t>→</a:t>
+            </a:r>
+            <a:r>
+              <a:rPr lang="ja-JP" altLang="en-US" sz="2400" b="0" dirty="0" smtClean="0"/>
+              <a:t> 優先すべき品番から投入できていない</a:t>
+            </a:r>
+            <a:endParaRPr lang="en-US" altLang="ja-JP" sz="2400" b="0" dirty="0" smtClean="0"/>
+          </a:p>
+          <a:p>
+            <a:r>
+              <a:rPr lang="ja-JP" altLang="en-US" sz="2400" b="0" dirty="0" smtClean="0"/>
+              <a:t>いらない品番を入れて過多</a:t>
+            </a:r>
+            <a:endParaRPr lang="en-US" altLang="ja-JP" sz="2400" b="0" dirty="0" smtClean="0"/>
+          </a:p>
+          <a:p>
+            <a:r>
+              <a:rPr lang="ja-JP" altLang="en-US" sz="2400" b="0" dirty="0" smtClean="0"/>
+              <a:t>いる品番を投入できずに欠品</a:t>
+            </a:r>
+            <a:endParaRPr lang="en-US" altLang="ja-JP" sz="2400" b="0" dirty="0"/>
+          </a:p>
+          <a:p>
+            <a:endParaRPr kumimoji="1" lang="ja-JP" altLang="en-US" dirty="0"/>
           </a:p>
         </p:txBody>
       </p:sp>
@@ -18172,7 +18521,7 @@
           <a:p>
             <a:r>
               <a:rPr kumimoji="1" lang="ja-JP" altLang="en-US" dirty="0" smtClean="0"/>
-              <a:t>分析の粒度</a:t>
+              <a:t>影響分析</a:t>
             </a:r>
             <a:endParaRPr kumimoji="1" lang="ja-JP" altLang="en-US" dirty="0"/>
           </a:p>
@@ -18196,7 +18545,7 @@
             <a:fld id="{FCAFAC13-DB77-42F2-BE26-45BA5532FD50}" type="datetime4">
               <a:rPr lang="en-US" altLang="ja-JP" smtClean="0"/>
               <a:pPr/>
-              <a:t>2023年 10月 22日 </a:t>
+              <a:t>2023年 10月 23日 </a:t>
             </a:fld>
             <a:endParaRPr lang="en-US" dirty="0"/>
           </a:p>
@@ -18205,7 +18554,7 @@
     </p:spTree>
     <p:extLst>
       <p:ext uri="{BB962C8B-B14F-4D97-AF65-F5344CB8AC3E}">
-        <p14:creationId xmlns:p14="http://schemas.microsoft.com/office/powerpoint/2010/main" val="138209123"/>
+        <p14:creationId xmlns:p14="http://schemas.microsoft.com/office/powerpoint/2010/main" val="3069532049"/>
       </p:ext>
     </p:extLst>
   </p:cSld>
@@ -18247,44 +18596,7 @@
           <a:bodyPr/>
           <a:lstStyle/>
           <a:p>
-            <a:r>
-              <a:rPr lang="en-US" altLang="ja-JP" sz="1800" dirty="0" smtClean="0"/>
-              <a:t>◇</a:t>
-            </a:r>
-            <a:r>
-              <a:rPr lang="ja-JP" altLang="en-US" sz="1800" dirty="0" smtClean="0"/>
-              <a:t>仮説</a:t>
-            </a:r>
-            <a:endParaRPr lang="en-US" altLang="ja-JP" sz="1800" dirty="0"/>
-          </a:p>
-          <a:p>
-            <a:r>
-              <a:rPr lang="ja-JP" altLang="en-US" sz="1800" b="0" dirty="0" smtClean="0"/>
-              <a:t>入庫</a:t>
-            </a:r>
-            <a:r>
-              <a:rPr lang="ja-JP" altLang="en-US" sz="1800" b="0" dirty="0"/>
-              <a:t>されずに、一時仮置場で留置されて</a:t>
-            </a:r>
-            <a:r>
-              <a:rPr lang="ja-JP" altLang="en-US" sz="1800" b="0" dirty="0" smtClean="0"/>
-              <a:t>いる</a:t>
-            </a:r>
-            <a:endParaRPr lang="en-US" altLang="ja-JP" sz="1800" b="0" dirty="0" smtClean="0"/>
-          </a:p>
-          <a:p>
-            <a:endParaRPr kumimoji="1" lang="en-US" altLang="ja-JP" sz="1800" b="0" dirty="0"/>
-          </a:p>
-          <a:p>
-            <a:r>
-              <a:rPr lang="en-US" altLang="ja-JP" sz="1800" dirty="0" smtClean="0"/>
-              <a:t>◇</a:t>
-            </a:r>
-            <a:r>
-              <a:rPr lang="ja-JP" altLang="en-US" sz="1800" dirty="0" smtClean="0"/>
-              <a:t>検証</a:t>
-            </a:r>
-            <a:endParaRPr kumimoji="1" lang="ja-JP" altLang="en-US" sz="1800" dirty="0"/>
+            <a:endParaRPr kumimoji="1" lang="ja-JP" altLang="en-US"/>
           </a:p>
         </p:txBody>
       </p:sp>
@@ -18303,7 +18615,11 @@
           <a:bodyPr/>
           <a:lstStyle/>
           <a:p>
-            <a:endParaRPr kumimoji="1" lang="ja-JP" altLang="en-US"/>
+            <a:r>
+              <a:rPr kumimoji="1" lang="ja-JP" altLang="en-US" dirty="0" smtClean="0"/>
+              <a:t>分析の粒度</a:t>
+            </a:r>
+            <a:endParaRPr kumimoji="1" lang="ja-JP" altLang="en-US" dirty="0"/>
           </a:p>
         </p:txBody>
       </p:sp>
@@ -18325,7 +18641,7 @@
             <a:fld id="{FCAFAC13-DB77-42F2-BE26-45BA5532FD50}" type="datetime4">
               <a:rPr lang="en-US" altLang="ja-JP" smtClean="0"/>
               <a:pPr/>
-              <a:t>2023年 10月 22日 </a:t>
+              <a:t>2023年 10月 23日 </a:t>
             </a:fld>
             <a:endParaRPr lang="en-US" dirty="0"/>
           </a:p>
@@ -18334,7 +18650,7 @@
     </p:spTree>
     <p:extLst>
       <p:ext uri="{BB962C8B-B14F-4D97-AF65-F5344CB8AC3E}">
-        <p14:creationId xmlns:p14="http://schemas.microsoft.com/office/powerpoint/2010/main" val="1510856111"/>
+        <p14:creationId xmlns:p14="http://schemas.microsoft.com/office/powerpoint/2010/main" val="138209123"/>
       </p:ext>
     </p:extLst>
   </p:cSld>
@@ -18376,7 +18692,44 @@
           <a:bodyPr/>
           <a:lstStyle/>
           <a:p>
-            <a:endParaRPr kumimoji="1" lang="ja-JP" altLang="en-US"/>
+            <a:r>
+              <a:rPr lang="en-US" altLang="ja-JP" sz="1800" dirty="0" smtClean="0"/>
+              <a:t>◇</a:t>
+            </a:r>
+            <a:r>
+              <a:rPr lang="ja-JP" altLang="en-US" sz="1800" dirty="0" smtClean="0"/>
+              <a:t>仮説</a:t>
+            </a:r>
+            <a:endParaRPr lang="en-US" altLang="ja-JP" sz="1800" dirty="0"/>
+          </a:p>
+          <a:p>
+            <a:r>
+              <a:rPr lang="ja-JP" altLang="en-US" sz="1800" b="0" dirty="0" smtClean="0"/>
+              <a:t>入庫</a:t>
+            </a:r>
+            <a:r>
+              <a:rPr lang="ja-JP" altLang="en-US" sz="1800" b="0" dirty="0"/>
+              <a:t>されずに、一時仮置場で留置されて</a:t>
+            </a:r>
+            <a:r>
+              <a:rPr lang="ja-JP" altLang="en-US" sz="1800" b="0" dirty="0" smtClean="0"/>
+              <a:t>いる</a:t>
+            </a:r>
+            <a:endParaRPr lang="en-US" altLang="ja-JP" sz="1800" b="0" dirty="0" smtClean="0"/>
+          </a:p>
+          <a:p>
+            <a:endParaRPr kumimoji="1" lang="en-US" altLang="ja-JP" sz="1800" b="0" dirty="0"/>
+          </a:p>
+          <a:p>
+            <a:r>
+              <a:rPr lang="en-US" altLang="ja-JP" sz="1800" dirty="0" smtClean="0"/>
+              <a:t>◇</a:t>
+            </a:r>
+            <a:r>
+              <a:rPr lang="ja-JP" altLang="en-US" sz="1800" dirty="0" smtClean="0"/>
+              <a:t>検証</a:t>
+            </a:r>
+            <a:endParaRPr kumimoji="1" lang="ja-JP" altLang="en-US" sz="1800" dirty="0"/>
           </a:p>
         </p:txBody>
       </p:sp>
@@ -18417,7 +18770,99 @@
             <a:fld id="{FCAFAC13-DB77-42F2-BE26-45BA5532FD50}" type="datetime4">
               <a:rPr lang="en-US" altLang="ja-JP" smtClean="0"/>
               <a:pPr/>
-              <a:t>2023年 10月 21日 </a:t>
+              <a:t>2023年 10月 23日 </a:t>
+            </a:fld>
+            <a:endParaRPr lang="en-US" dirty="0"/>
+          </a:p>
+        </p:txBody>
+      </p:sp>
+    </p:spTree>
+    <p:extLst>
+      <p:ext uri="{BB962C8B-B14F-4D97-AF65-F5344CB8AC3E}">
+        <p14:creationId xmlns:p14="http://schemas.microsoft.com/office/powerpoint/2010/main" val="1510856111"/>
+      </p:ext>
+    </p:extLst>
+  </p:cSld>
+  <p:clrMapOvr>
+    <a:masterClrMapping/>
+  </p:clrMapOvr>
+</p:sld>
+</file>
+
+<file path=ppt/slides/slide15.xml><?xml version="1.0" encoding="utf-8"?>
+<p:sld xmlns:a="http://schemas.openxmlformats.org/drawingml/2006/main" xmlns:r="http://schemas.openxmlformats.org/officeDocument/2006/relationships" xmlns:p="http://schemas.openxmlformats.org/presentationml/2006/main">
+  <p:cSld>
+    <p:spTree>
+      <p:nvGrpSpPr>
+        <p:cNvPr id="1" name=""/>
+        <p:cNvGrpSpPr/>
+        <p:nvPr/>
+      </p:nvGrpSpPr>
+      <p:grpSpPr>
+        <a:xfrm>
+          <a:off x="0" y="0"/>
+          <a:ext cx="0" cy="0"/>
+          <a:chOff x="0" y="0"/>
+          <a:chExt cx="0" cy="0"/>
+        </a:xfrm>
+      </p:grpSpPr>
+      <p:sp>
+        <p:nvSpPr>
+          <p:cNvPr id="2" name="テキスト プレースホルダー 1"/>
+          <p:cNvSpPr>
+            <a:spLocks noGrp="1"/>
+          </p:cNvSpPr>
+          <p:nvPr>
+            <p:ph type="body" sz="quarter" idx="18"/>
+          </p:nvPr>
+        </p:nvSpPr>
+        <p:spPr/>
+        <p:txBody>
+          <a:bodyPr/>
+          <a:lstStyle/>
+          <a:p>
+            <a:endParaRPr kumimoji="1" lang="ja-JP" altLang="en-US"/>
+          </a:p>
+        </p:txBody>
+      </p:sp>
+      <p:sp>
+        <p:nvSpPr>
+          <p:cNvPr id="3" name="テキスト プレースホルダー 2"/>
+          <p:cNvSpPr>
+            <a:spLocks noGrp="1"/>
+          </p:cNvSpPr>
+          <p:nvPr>
+            <p:ph type="body" sz="quarter" idx="20"/>
+          </p:nvPr>
+        </p:nvSpPr>
+        <p:spPr/>
+        <p:txBody>
+          <a:bodyPr/>
+          <a:lstStyle/>
+          <a:p>
+            <a:endParaRPr kumimoji="1" lang="ja-JP" altLang="en-US"/>
+          </a:p>
+        </p:txBody>
+      </p:sp>
+      <p:sp>
+        <p:nvSpPr>
+          <p:cNvPr id="4" name="日付プレースホルダー 3"/>
+          <p:cNvSpPr>
+            <a:spLocks noGrp="1"/>
+          </p:cNvSpPr>
+          <p:nvPr>
+            <p:ph type="dt" sz="half" idx="19"/>
+          </p:nvPr>
+        </p:nvSpPr>
+        <p:spPr/>
+        <p:txBody>
+          <a:bodyPr/>
+          <a:lstStyle/>
+          <a:p>
+            <a:fld id="{FCAFAC13-DB77-42F2-BE26-45BA5532FD50}" type="datetime4">
+              <a:rPr lang="en-US" altLang="ja-JP" smtClean="0"/>
+              <a:pPr/>
+              <a:t>2023年 10月 23日 </a:t>
             </a:fld>
             <a:endParaRPr lang="en-US" dirty="0"/>
           </a:p>
@@ -18428,7 +18873,7 @@
           <p:cNvPr id="5" name="表 5">
             <a:extLst>
               <a:ext uri="{FF2B5EF4-FFF2-40B4-BE49-F238E27FC236}">
-                <a16:creationId xmlns:a16="http://schemas.microsoft.com/office/drawing/2014/main" xmlns="" id="{F71A4386-82E5-4511-8E92-1109EC7272B4}"/>
+                <a16:creationId xmlns="" xmlns:a16="http://schemas.microsoft.com/office/drawing/2014/main" id="{F71A4386-82E5-4511-8E92-1109EC7272B4}"/>
               </a:ext>
             </a:extLst>
           </p:cNvPr>
@@ -18457,28 +18902,28 @@
                 <a:gridCol w="2835389">
                   <a:extLst>
                     <a:ext uri="{9D8B030D-6E8A-4147-A177-3AD203B41FA5}">
-                      <a16:colId xmlns:a16="http://schemas.microsoft.com/office/drawing/2014/main" xmlns="" val="2685526686"/>
+                      <a16:colId xmlns="" xmlns:a16="http://schemas.microsoft.com/office/drawing/2014/main" val="2685526686"/>
                     </a:ext>
                   </a:extLst>
                 </a:gridCol>
                 <a:gridCol w="2835389">
                   <a:extLst>
                     <a:ext uri="{9D8B030D-6E8A-4147-A177-3AD203B41FA5}">
-                      <a16:colId xmlns:a16="http://schemas.microsoft.com/office/drawing/2014/main" xmlns="" val="331184560"/>
+                      <a16:colId xmlns="" xmlns:a16="http://schemas.microsoft.com/office/drawing/2014/main" val="331184560"/>
                     </a:ext>
                   </a:extLst>
                 </a:gridCol>
                 <a:gridCol w="2835389">
                   <a:extLst>
                     <a:ext uri="{9D8B030D-6E8A-4147-A177-3AD203B41FA5}">
-                      <a16:colId xmlns:a16="http://schemas.microsoft.com/office/drawing/2014/main" xmlns="" val="2258722082"/>
+                      <a16:colId xmlns="" xmlns:a16="http://schemas.microsoft.com/office/drawing/2014/main" val="2258722082"/>
                     </a:ext>
                   </a:extLst>
                 </a:gridCol>
                 <a:gridCol w="2835389">
                   <a:extLst>
                     <a:ext uri="{9D8B030D-6E8A-4147-A177-3AD203B41FA5}">
-                      <a16:colId xmlns:a16="http://schemas.microsoft.com/office/drawing/2014/main" xmlns="" val="3853364073"/>
+                      <a16:colId xmlns="" xmlns:a16="http://schemas.microsoft.com/office/drawing/2014/main" val="3853364073"/>
                     </a:ext>
                   </a:extLst>
                 </a:gridCol>
@@ -18538,7 +18983,7 @@
                 </a:tc>
                 <a:extLst>
                   <a:ext uri="{0D108BD9-81ED-4DB2-BD59-A6C34878D82A}">
-                    <a16:rowId xmlns:a16="http://schemas.microsoft.com/office/drawing/2014/main" xmlns="" val="777482742"/>
+                    <a16:rowId xmlns="" xmlns:a16="http://schemas.microsoft.com/office/drawing/2014/main" val="777482742"/>
                   </a:ext>
                 </a:extLst>
               </a:tr>
@@ -18597,7 +19042,7 @@
                 </a:tc>
                 <a:extLst>
                   <a:ext uri="{0D108BD9-81ED-4DB2-BD59-A6C34878D82A}">
-                    <a16:rowId xmlns:a16="http://schemas.microsoft.com/office/drawing/2014/main" xmlns="" val="3126781088"/>
+                    <a16:rowId xmlns="" xmlns:a16="http://schemas.microsoft.com/office/drawing/2014/main" val="3126781088"/>
                   </a:ext>
                 </a:extLst>
               </a:tr>
@@ -18656,7 +19101,7 @@
                 </a:tc>
                 <a:extLst>
                   <a:ext uri="{0D108BD9-81ED-4DB2-BD59-A6C34878D82A}">
-                    <a16:rowId xmlns:a16="http://schemas.microsoft.com/office/drawing/2014/main" xmlns="" val="62516912"/>
+                    <a16:rowId xmlns="" xmlns:a16="http://schemas.microsoft.com/office/drawing/2014/main" val="62516912"/>
                   </a:ext>
                 </a:extLst>
               </a:tr>
@@ -18765,7 +19210,7 @@
                 </a:tc>
                 <a:extLst>
                   <a:ext uri="{0D108BD9-81ED-4DB2-BD59-A6C34878D82A}">
-                    <a16:rowId xmlns:a16="http://schemas.microsoft.com/office/drawing/2014/main" xmlns="" val="1842400494"/>
+                    <a16:rowId xmlns="" xmlns:a16="http://schemas.microsoft.com/office/drawing/2014/main" val="1842400494"/>
                   </a:ext>
                 </a:extLst>
               </a:tr>
@@ -18822,15 +19267,7 @@
                       </a:pPr>
                       <a:r>
                         <a:rPr kumimoji="1" lang="ja-JP" altLang="en-US" sz="1400" dirty="0" smtClean="0"/>
-                        <a:t>・計画よりも</a:t>
-                      </a:r>
-                      <a:r>
-                        <a:rPr kumimoji="1" lang="ja-JP" altLang="en-US" sz="1400" dirty="0" smtClean="0"/>
-                        <a:t>少ない</a:t>
-                      </a:r>
-                      <a:r>
-                        <a:rPr kumimoji="1" lang="ja-JP" altLang="en-US" sz="1400" dirty="0" smtClean="0"/>
-                        <a:t>箱が納入されている</a:t>
+                        <a:t>・計画よりも少ない箱が納入されている</a:t>
                       </a:r>
                       <a:endParaRPr kumimoji="1" lang="en-US" altLang="ja-JP" sz="1400" dirty="0" smtClean="0"/>
                     </a:p>
@@ -18865,7 +19302,7 @@
 </p:sld>
 </file>
 
-<file path=ppt/slides/slide15.xml><?xml version="1.0" encoding="utf-8"?>
+<file path=ppt/slides/slide16.xml><?xml version="1.0" encoding="utf-8"?>
 <p:sld xmlns:a="http://schemas.openxmlformats.org/drawingml/2006/main" xmlns:r="http://schemas.openxmlformats.org/officeDocument/2006/relationships" xmlns:p="http://schemas.openxmlformats.org/presentationml/2006/main">
   <p:cSld>
     <p:spTree>
@@ -18938,7 +19375,7 @@
             <a:fld id="{FCAFAC13-DB77-42F2-BE26-45BA5532FD50}" type="datetime4">
               <a:rPr lang="en-US" altLang="ja-JP" smtClean="0"/>
               <a:pPr/>
-              <a:t>2023年 10月 21日 </a:t>
+              <a:t>2023年 10月 23日 </a:t>
             </a:fld>
             <a:endParaRPr lang="en-US" dirty="0"/>
           </a:p>
@@ -18949,7 +19386,7 @@
           <p:cNvPr id="5" name="表 5">
             <a:extLst>
               <a:ext uri="{FF2B5EF4-FFF2-40B4-BE49-F238E27FC236}">
-                <a16:creationId xmlns:a16="http://schemas.microsoft.com/office/drawing/2014/main" xmlns="" id="{F71A4386-82E5-4511-8E92-1109EC7272B4}"/>
+                <a16:creationId xmlns="" xmlns:a16="http://schemas.microsoft.com/office/drawing/2014/main" id="{F71A4386-82E5-4511-8E92-1109EC7272B4}"/>
               </a:ext>
             </a:extLst>
           </p:cNvPr>
@@ -18978,28 +19415,28 @@
                 <a:gridCol w="2835389">
                   <a:extLst>
                     <a:ext uri="{9D8B030D-6E8A-4147-A177-3AD203B41FA5}">
-                      <a16:colId xmlns:a16="http://schemas.microsoft.com/office/drawing/2014/main" xmlns="" val="2685526686"/>
+                      <a16:colId xmlns="" xmlns:a16="http://schemas.microsoft.com/office/drawing/2014/main" val="2685526686"/>
                     </a:ext>
                   </a:extLst>
                 </a:gridCol>
                 <a:gridCol w="2835389">
                   <a:extLst>
                     <a:ext uri="{9D8B030D-6E8A-4147-A177-3AD203B41FA5}">
-                      <a16:colId xmlns:a16="http://schemas.microsoft.com/office/drawing/2014/main" xmlns="" val="331184560"/>
+                      <a16:colId xmlns="" xmlns:a16="http://schemas.microsoft.com/office/drawing/2014/main" val="331184560"/>
                     </a:ext>
                   </a:extLst>
                 </a:gridCol>
                 <a:gridCol w="2835389">
                   <a:extLst>
                     <a:ext uri="{9D8B030D-6E8A-4147-A177-3AD203B41FA5}">
-                      <a16:colId xmlns:a16="http://schemas.microsoft.com/office/drawing/2014/main" xmlns="" val="2258722082"/>
+                      <a16:colId xmlns="" xmlns:a16="http://schemas.microsoft.com/office/drawing/2014/main" val="2258722082"/>
                     </a:ext>
                   </a:extLst>
                 </a:gridCol>
                 <a:gridCol w="2835389">
                   <a:extLst>
                     <a:ext uri="{9D8B030D-6E8A-4147-A177-3AD203B41FA5}">
-                      <a16:colId xmlns:a16="http://schemas.microsoft.com/office/drawing/2014/main" xmlns="" val="3853364073"/>
+                      <a16:colId xmlns="" xmlns:a16="http://schemas.microsoft.com/office/drawing/2014/main" val="3853364073"/>
                     </a:ext>
                   </a:extLst>
                 </a:gridCol>
@@ -19059,7 +19496,7 @@
                 </a:tc>
                 <a:extLst>
                   <a:ext uri="{0D108BD9-81ED-4DB2-BD59-A6C34878D82A}">
-                    <a16:rowId xmlns:a16="http://schemas.microsoft.com/office/drawing/2014/main" xmlns="" val="777482742"/>
+                    <a16:rowId xmlns="" xmlns:a16="http://schemas.microsoft.com/office/drawing/2014/main" val="777482742"/>
                   </a:ext>
                 </a:extLst>
               </a:tr>
@@ -19114,7 +19551,7 @@
                 </a:tc>
                 <a:extLst>
                   <a:ext uri="{0D108BD9-81ED-4DB2-BD59-A6C34878D82A}">
-                    <a16:rowId xmlns:a16="http://schemas.microsoft.com/office/drawing/2014/main" xmlns="" val="3126781088"/>
+                    <a16:rowId xmlns="" xmlns:a16="http://schemas.microsoft.com/office/drawing/2014/main" val="3126781088"/>
                   </a:ext>
                 </a:extLst>
               </a:tr>
@@ -19173,7 +19610,7 @@
                 </a:tc>
                 <a:extLst>
                   <a:ext uri="{0D108BD9-81ED-4DB2-BD59-A6C34878D82A}">
-                    <a16:rowId xmlns:a16="http://schemas.microsoft.com/office/drawing/2014/main" xmlns="" val="62516912"/>
+                    <a16:rowId xmlns="" xmlns:a16="http://schemas.microsoft.com/office/drawing/2014/main" val="62516912"/>
                   </a:ext>
                 </a:extLst>
               </a:tr>
@@ -19194,7 +19631,7 @@
 </p:sld>
 </file>
 
-<file path=ppt/slides/slide16.xml><?xml version="1.0" encoding="utf-8"?>
+<file path=ppt/slides/slide17.xml><?xml version="1.0" encoding="utf-8"?>
 <p:sld xmlns:a="http://schemas.openxmlformats.org/drawingml/2006/main" xmlns:r="http://schemas.openxmlformats.org/officeDocument/2006/relationships" xmlns:p="http://schemas.openxmlformats.org/presentationml/2006/main">
   <p:cSld>
     <p:spTree>
@@ -19216,7 +19653,7 @@
           <p:cNvPr id="2" name="テキスト プレースホルダー 1">
             <a:extLst>
               <a:ext uri="{FF2B5EF4-FFF2-40B4-BE49-F238E27FC236}">
-                <a16:creationId xmlns:a16="http://schemas.microsoft.com/office/drawing/2014/main" xmlns="" id="{71BFDB1B-4AF6-4036-A925-A0B8A712A687}"/>
+                <a16:creationId xmlns="" xmlns:a16="http://schemas.microsoft.com/office/drawing/2014/main" id="{71BFDB1B-4AF6-4036-A925-A0B8A712A687}"/>
               </a:ext>
             </a:extLst>
           </p:cNvPr>
@@ -19241,7 +19678,7 @@
           <p:cNvPr id="3" name="テキスト プレースホルダー 2">
             <a:extLst>
               <a:ext uri="{FF2B5EF4-FFF2-40B4-BE49-F238E27FC236}">
-                <a16:creationId xmlns:a16="http://schemas.microsoft.com/office/drawing/2014/main" xmlns="" id="{C863269F-ED69-4DE0-AF3D-EB9F9FF1CF2B}"/>
+                <a16:creationId xmlns="" xmlns:a16="http://schemas.microsoft.com/office/drawing/2014/main" id="{C863269F-ED69-4DE0-AF3D-EB9F9FF1CF2B}"/>
               </a:ext>
             </a:extLst>
           </p:cNvPr>
@@ -19266,7 +19703,7 @@
           <p:cNvPr id="4" name="日付プレースホルダー 3">
             <a:extLst>
               <a:ext uri="{FF2B5EF4-FFF2-40B4-BE49-F238E27FC236}">
-                <a16:creationId xmlns:a16="http://schemas.microsoft.com/office/drawing/2014/main" xmlns="" id="{0E49621A-4858-4FDB-9208-B80FF56FDD0B}"/>
+                <a16:creationId xmlns="" xmlns:a16="http://schemas.microsoft.com/office/drawing/2014/main" id="{0E49621A-4858-4FDB-9208-B80FF56FDD0B}"/>
               </a:ext>
             </a:extLst>
           </p:cNvPr>
@@ -19285,7 +19722,7 @@
             <a:fld id="{FCAFAC13-DB77-42F2-BE26-45BA5532FD50}" type="datetime4">
               <a:rPr lang="en-US" altLang="ja-JP" smtClean="0"/>
               <a:pPr/>
-              <a:t>2023年 10月 21日 </a:t>
+              <a:t>2023年 10月 23日 </a:t>
             </a:fld>
             <a:endParaRPr lang="en-US" dirty="0"/>
           </a:p>
@@ -19296,7 +19733,7 @@
           <p:cNvPr id="5" name="表 5">
             <a:extLst>
               <a:ext uri="{FF2B5EF4-FFF2-40B4-BE49-F238E27FC236}">
-                <a16:creationId xmlns:a16="http://schemas.microsoft.com/office/drawing/2014/main" xmlns="" id="{F71A4386-82E5-4511-8E92-1109EC7272B4}"/>
+                <a16:creationId xmlns="" xmlns:a16="http://schemas.microsoft.com/office/drawing/2014/main" id="{F71A4386-82E5-4511-8E92-1109EC7272B4}"/>
               </a:ext>
             </a:extLst>
           </p:cNvPr>
@@ -19325,28 +19762,28 @@
                 <a:gridCol w="2835389">
                   <a:extLst>
                     <a:ext uri="{9D8B030D-6E8A-4147-A177-3AD203B41FA5}">
-                      <a16:colId xmlns:a16="http://schemas.microsoft.com/office/drawing/2014/main" xmlns="" val="2685526686"/>
+                      <a16:colId xmlns="" xmlns:a16="http://schemas.microsoft.com/office/drawing/2014/main" val="2685526686"/>
                     </a:ext>
                   </a:extLst>
                 </a:gridCol>
                 <a:gridCol w="2835389">
                   <a:extLst>
                     <a:ext uri="{9D8B030D-6E8A-4147-A177-3AD203B41FA5}">
-                      <a16:colId xmlns:a16="http://schemas.microsoft.com/office/drawing/2014/main" xmlns="" val="331184560"/>
+                      <a16:colId xmlns="" xmlns:a16="http://schemas.microsoft.com/office/drawing/2014/main" val="331184560"/>
                     </a:ext>
                   </a:extLst>
                 </a:gridCol>
                 <a:gridCol w="2835389">
                   <a:extLst>
                     <a:ext uri="{9D8B030D-6E8A-4147-A177-3AD203B41FA5}">
-                      <a16:colId xmlns:a16="http://schemas.microsoft.com/office/drawing/2014/main" xmlns="" val="2258722082"/>
+                      <a16:colId xmlns="" xmlns:a16="http://schemas.microsoft.com/office/drawing/2014/main" val="2258722082"/>
                     </a:ext>
                   </a:extLst>
                 </a:gridCol>
                 <a:gridCol w="2835389">
                   <a:extLst>
                     <a:ext uri="{9D8B030D-6E8A-4147-A177-3AD203B41FA5}">
-                      <a16:colId xmlns:a16="http://schemas.microsoft.com/office/drawing/2014/main" xmlns="" val="3853364073"/>
+                      <a16:colId xmlns="" xmlns:a16="http://schemas.microsoft.com/office/drawing/2014/main" val="3853364073"/>
                     </a:ext>
                   </a:extLst>
                 </a:gridCol>
@@ -19394,7 +19831,7 @@
                 </a:tc>
                 <a:extLst>
                   <a:ext uri="{0D108BD9-81ED-4DB2-BD59-A6C34878D82A}">
-                    <a16:rowId xmlns:a16="http://schemas.microsoft.com/office/drawing/2014/main" xmlns="" val="777482742"/>
+                    <a16:rowId xmlns="" xmlns:a16="http://schemas.microsoft.com/office/drawing/2014/main" val="777482742"/>
                   </a:ext>
                 </a:extLst>
               </a:tr>
@@ -19444,7 +19881,7 @@
                 </a:tc>
                 <a:extLst>
                   <a:ext uri="{0D108BD9-81ED-4DB2-BD59-A6C34878D82A}">
-                    <a16:rowId xmlns:a16="http://schemas.microsoft.com/office/drawing/2014/main" xmlns="" val="3126781088"/>
+                    <a16:rowId xmlns="" xmlns:a16="http://schemas.microsoft.com/office/drawing/2014/main" val="3126781088"/>
                   </a:ext>
                 </a:extLst>
               </a:tr>
@@ -19494,7 +19931,7 @@
                 </a:tc>
                 <a:extLst>
                   <a:ext uri="{0D108BD9-81ED-4DB2-BD59-A6C34878D82A}">
-                    <a16:rowId xmlns:a16="http://schemas.microsoft.com/office/drawing/2014/main" xmlns="" val="62516912"/>
+                    <a16:rowId xmlns="" xmlns:a16="http://schemas.microsoft.com/office/drawing/2014/main" val="62516912"/>
                   </a:ext>
                 </a:extLst>
               </a:tr>
@@ -19544,7 +19981,7 @@
                 </a:tc>
                 <a:extLst>
                   <a:ext uri="{0D108BD9-81ED-4DB2-BD59-A6C34878D82A}">
-                    <a16:rowId xmlns:a16="http://schemas.microsoft.com/office/drawing/2014/main" xmlns="" val="1842400494"/>
+                    <a16:rowId xmlns="" xmlns:a16="http://schemas.microsoft.com/office/drawing/2014/main" val="1842400494"/>
                   </a:ext>
                 </a:extLst>
               </a:tr>
@@ -19565,7 +20002,7 @@
 </p:sld>
 </file>
 
-<file path=ppt/slides/slide17.xml><?xml version="1.0" encoding="utf-8"?>
+<file path=ppt/slides/slide18.xml><?xml version="1.0" encoding="utf-8"?>
 <p:sld xmlns:a="http://schemas.openxmlformats.org/drawingml/2006/main" xmlns:r="http://schemas.openxmlformats.org/officeDocument/2006/relationships" xmlns:p="http://schemas.openxmlformats.org/presentationml/2006/main">
   <p:cSld>
     <p:spTree>
@@ -19587,7 +20024,7 @@
           <p:cNvPr id="2" name="テキスト プレースホルダー 1">
             <a:extLst>
               <a:ext uri="{FF2B5EF4-FFF2-40B4-BE49-F238E27FC236}">
-                <a16:creationId xmlns:a16="http://schemas.microsoft.com/office/drawing/2014/main" xmlns="" id="{2EB61B67-B8E7-40D4-8391-D25C185F76D0}"/>
+                <a16:creationId xmlns="" xmlns:a16="http://schemas.microsoft.com/office/drawing/2014/main" id="{2EB61B67-B8E7-40D4-8391-D25C185F76D0}"/>
               </a:ext>
             </a:extLst>
           </p:cNvPr>
@@ -19629,7 +20066,7 @@
           <p:cNvPr id="3" name="テキスト プレースホルダー 2">
             <a:extLst>
               <a:ext uri="{FF2B5EF4-FFF2-40B4-BE49-F238E27FC236}">
-                <a16:creationId xmlns:a16="http://schemas.microsoft.com/office/drawing/2014/main" xmlns="" id="{C290D7F6-AAFF-43EE-A993-0FFC1AB10B27}"/>
+                <a16:creationId xmlns="" xmlns:a16="http://schemas.microsoft.com/office/drawing/2014/main" id="{C290D7F6-AAFF-43EE-A993-0FFC1AB10B27}"/>
               </a:ext>
             </a:extLst>
           </p:cNvPr>
@@ -19657,7 +20094,7 @@
           <p:cNvPr id="4" name="日付プレースホルダー 3">
             <a:extLst>
               <a:ext uri="{FF2B5EF4-FFF2-40B4-BE49-F238E27FC236}">
-                <a16:creationId xmlns:a16="http://schemas.microsoft.com/office/drawing/2014/main" xmlns="" id="{0A6D8F67-C51A-425D-AD57-43B1B71872FE}"/>
+                <a16:creationId xmlns="" xmlns:a16="http://schemas.microsoft.com/office/drawing/2014/main" id="{0A6D8F67-C51A-425D-AD57-43B1B71872FE}"/>
               </a:ext>
             </a:extLst>
           </p:cNvPr>
@@ -19676,7 +20113,7 @@
             <a:fld id="{FCAFAC13-DB77-42F2-BE26-45BA5532FD50}" type="datetime4">
               <a:rPr lang="en-US" altLang="ja-JP" smtClean="0"/>
               <a:pPr/>
-              <a:t>2023年 10月 21日 </a:t>
+              <a:t>2023年 10月 23日 </a:t>
             </a:fld>
             <a:endParaRPr lang="en-US" dirty="0"/>
           </a:p>
@@ -19695,7 +20132,7 @@
 </p:sld>
 </file>
 
-<file path=ppt/slides/slide18.xml><?xml version="1.0" encoding="utf-8"?>
+<file path=ppt/slides/slide19.xml><?xml version="1.0" encoding="utf-8"?>
 <p:sld xmlns:a="http://schemas.openxmlformats.org/drawingml/2006/main" xmlns:r="http://schemas.openxmlformats.org/officeDocument/2006/relationships" xmlns:p="http://schemas.openxmlformats.org/presentationml/2006/main">
   <p:cSld>
     <p:spTree>
@@ -19756,63 +20193,63 @@
                 <a:gridCol w="2028024">
                   <a:extLst>
                     <a:ext uri="{9D8B030D-6E8A-4147-A177-3AD203B41FA5}">
-                      <a16:colId xmlns:a16="http://schemas.microsoft.com/office/drawing/2014/main" xmlns="" val="1344971363"/>
+                      <a16:colId xmlns="" xmlns:a16="http://schemas.microsoft.com/office/drawing/2014/main" val="1344971363"/>
                     </a:ext>
                   </a:extLst>
                 </a:gridCol>
                 <a:gridCol w="792088">
                   <a:extLst>
                     <a:ext uri="{9D8B030D-6E8A-4147-A177-3AD203B41FA5}">
-                      <a16:colId xmlns:a16="http://schemas.microsoft.com/office/drawing/2014/main" xmlns="" val="3281767373"/>
+                      <a16:colId xmlns="" xmlns:a16="http://schemas.microsoft.com/office/drawing/2014/main" val="3281767373"/>
                     </a:ext>
                   </a:extLst>
                 </a:gridCol>
                 <a:gridCol w="829945">
                   <a:extLst>
                     <a:ext uri="{9D8B030D-6E8A-4147-A177-3AD203B41FA5}">
-                      <a16:colId xmlns:a16="http://schemas.microsoft.com/office/drawing/2014/main" xmlns="" val="4097412760"/>
+                      <a16:colId xmlns="" xmlns:a16="http://schemas.microsoft.com/office/drawing/2014/main" val="4097412760"/>
                     </a:ext>
                   </a:extLst>
                 </a:gridCol>
                 <a:gridCol w="782849">
                   <a:extLst>
                     <a:ext uri="{9D8B030D-6E8A-4147-A177-3AD203B41FA5}">
-                      <a16:colId xmlns:a16="http://schemas.microsoft.com/office/drawing/2014/main" xmlns="" val="2552946902"/>
+                      <a16:colId xmlns="" xmlns:a16="http://schemas.microsoft.com/office/drawing/2014/main" val="2552946902"/>
                     </a:ext>
                   </a:extLst>
                 </a:gridCol>
                 <a:gridCol w="782849">
                   <a:extLst>
                     <a:ext uri="{9D8B030D-6E8A-4147-A177-3AD203B41FA5}">
-                      <a16:colId xmlns:a16="http://schemas.microsoft.com/office/drawing/2014/main" xmlns="" val="2954886776"/>
+                      <a16:colId xmlns="" xmlns:a16="http://schemas.microsoft.com/office/drawing/2014/main" val="2954886776"/>
                     </a:ext>
                   </a:extLst>
                 </a:gridCol>
                 <a:gridCol w="646687">
                   <a:extLst>
                     <a:ext uri="{9D8B030D-6E8A-4147-A177-3AD203B41FA5}">
-                      <a16:colId xmlns:a16="http://schemas.microsoft.com/office/drawing/2014/main" xmlns="" val="2407019558"/>
+                      <a16:colId xmlns="" xmlns:a16="http://schemas.microsoft.com/office/drawing/2014/main" val="2407019558"/>
                     </a:ext>
                   </a:extLst>
                 </a:gridCol>
                 <a:gridCol w="782849">
                   <a:extLst>
                     <a:ext uri="{9D8B030D-6E8A-4147-A177-3AD203B41FA5}">
-                      <a16:colId xmlns:a16="http://schemas.microsoft.com/office/drawing/2014/main" xmlns="" val="3738044874"/>
+                      <a16:colId xmlns="" xmlns:a16="http://schemas.microsoft.com/office/drawing/2014/main" val="3738044874"/>
                     </a:ext>
                   </a:extLst>
                 </a:gridCol>
                 <a:gridCol w="782849">
                   <a:extLst>
                     <a:ext uri="{9D8B030D-6E8A-4147-A177-3AD203B41FA5}">
-                      <a16:colId xmlns:a16="http://schemas.microsoft.com/office/drawing/2014/main" xmlns="" val="86332156"/>
+                      <a16:colId xmlns="" xmlns:a16="http://schemas.microsoft.com/office/drawing/2014/main" val="86332156"/>
                     </a:ext>
                   </a:extLst>
                 </a:gridCol>
                 <a:gridCol w="720565">
                   <a:extLst>
                     <a:ext uri="{9D8B030D-6E8A-4147-A177-3AD203B41FA5}">
-                      <a16:colId xmlns:a16="http://schemas.microsoft.com/office/drawing/2014/main" xmlns="" val="1007288051"/>
+                      <a16:colId xmlns="" xmlns:a16="http://schemas.microsoft.com/office/drawing/2014/main" val="1007288051"/>
                     </a:ext>
                   </a:extLst>
                 </a:gridCol>
@@ -19942,7 +20379,7 @@
                 </a:tc>
                 <a:extLst>
                   <a:ext uri="{0D108BD9-81ED-4DB2-BD59-A6C34878D82A}">
-                    <a16:rowId xmlns:a16="http://schemas.microsoft.com/office/drawing/2014/main" xmlns="" val="1769252513"/>
+                    <a16:rowId xmlns="" xmlns:a16="http://schemas.microsoft.com/office/drawing/2014/main" val="1769252513"/>
                   </a:ext>
                 </a:extLst>
               </a:tr>
@@ -20042,7 +20479,7 @@
                 </a:tc>
                 <a:extLst>
                   <a:ext uri="{0D108BD9-81ED-4DB2-BD59-A6C34878D82A}">
-                    <a16:rowId xmlns:a16="http://schemas.microsoft.com/office/drawing/2014/main" xmlns="" val="4251153999"/>
+                    <a16:rowId xmlns="" xmlns:a16="http://schemas.microsoft.com/office/drawing/2014/main" val="4251153999"/>
                   </a:ext>
                 </a:extLst>
               </a:tr>
@@ -20142,7 +20579,7 @@
                 </a:tc>
                 <a:extLst>
                   <a:ext uri="{0D108BD9-81ED-4DB2-BD59-A6C34878D82A}">
-                    <a16:rowId xmlns:a16="http://schemas.microsoft.com/office/drawing/2014/main" xmlns="" val="3193592026"/>
+                    <a16:rowId xmlns="" xmlns:a16="http://schemas.microsoft.com/office/drawing/2014/main" val="3193592026"/>
                   </a:ext>
                 </a:extLst>
               </a:tr>
@@ -20259,7 +20696,7 @@
                 </a:tc>
                 <a:extLst>
                   <a:ext uri="{0D108BD9-81ED-4DB2-BD59-A6C34878D82A}">
-                    <a16:rowId xmlns:a16="http://schemas.microsoft.com/office/drawing/2014/main" xmlns="" val="3690108071"/>
+                    <a16:rowId xmlns="" xmlns:a16="http://schemas.microsoft.com/office/drawing/2014/main" val="3690108071"/>
                   </a:ext>
                 </a:extLst>
               </a:tr>
@@ -20359,7 +20796,7 @@
                 </a:tc>
                 <a:extLst>
                   <a:ext uri="{0D108BD9-81ED-4DB2-BD59-A6C34878D82A}">
-                    <a16:rowId xmlns:a16="http://schemas.microsoft.com/office/drawing/2014/main" xmlns="" val="1001231155"/>
+                    <a16:rowId xmlns="" xmlns:a16="http://schemas.microsoft.com/office/drawing/2014/main" val="1001231155"/>
                   </a:ext>
                 </a:extLst>
               </a:tr>
@@ -20459,7 +20896,7 @@
                 </a:tc>
                 <a:extLst>
                   <a:ext uri="{0D108BD9-81ED-4DB2-BD59-A6C34878D82A}">
-                    <a16:rowId xmlns:a16="http://schemas.microsoft.com/office/drawing/2014/main" xmlns="" val="3398049777"/>
+                    <a16:rowId xmlns="" xmlns:a16="http://schemas.microsoft.com/office/drawing/2014/main" val="3398049777"/>
                   </a:ext>
                 </a:extLst>
               </a:tr>
@@ -20801,28 +21238,28 @@
                 <a:gridCol w="2028024">
                   <a:extLst>
                     <a:ext uri="{9D8B030D-6E8A-4147-A177-3AD203B41FA5}">
-                      <a16:colId xmlns:a16="http://schemas.microsoft.com/office/drawing/2014/main" xmlns="" val="1344971363"/>
+                      <a16:colId xmlns="" xmlns:a16="http://schemas.microsoft.com/office/drawing/2014/main" val="1344971363"/>
                     </a:ext>
                   </a:extLst>
                 </a:gridCol>
                 <a:gridCol w="792088">
                   <a:extLst>
                     <a:ext uri="{9D8B030D-6E8A-4147-A177-3AD203B41FA5}">
-                      <a16:colId xmlns:a16="http://schemas.microsoft.com/office/drawing/2014/main" xmlns="" val="3281767373"/>
+                      <a16:colId xmlns="" xmlns:a16="http://schemas.microsoft.com/office/drawing/2014/main" val="3281767373"/>
                     </a:ext>
                   </a:extLst>
                 </a:gridCol>
                 <a:gridCol w="829945">
                   <a:extLst>
                     <a:ext uri="{9D8B030D-6E8A-4147-A177-3AD203B41FA5}">
-                      <a16:colId xmlns:a16="http://schemas.microsoft.com/office/drawing/2014/main" xmlns="" val="4097412760"/>
+                      <a16:colId xmlns="" xmlns:a16="http://schemas.microsoft.com/office/drawing/2014/main" val="4097412760"/>
                     </a:ext>
                   </a:extLst>
                 </a:gridCol>
                 <a:gridCol w="782849">
                   <a:extLst>
                     <a:ext uri="{9D8B030D-6E8A-4147-A177-3AD203B41FA5}">
-                      <a16:colId xmlns:a16="http://schemas.microsoft.com/office/drawing/2014/main" xmlns="" val="2552946902"/>
+                      <a16:colId xmlns="" xmlns:a16="http://schemas.microsoft.com/office/drawing/2014/main" val="2552946902"/>
                     </a:ext>
                   </a:extLst>
                 </a:gridCol>
@@ -20883,7 +21320,7 @@
                 </a:tc>
                 <a:extLst>
                   <a:ext uri="{0D108BD9-81ED-4DB2-BD59-A6C34878D82A}">
-                    <a16:rowId xmlns:a16="http://schemas.microsoft.com/office/drawing/2014/main" xmlns="" val="1769252513"/>
+                    <a16:rowId xmlns="" xmlns:a16="http://schemas.microsoft.com/office/drawing/2014/main" val="1769252513"/>
                   </a:ext>
                 </a:extLst>
               </a:tr>
@@ -20933,7 +21370,7 @@
                 </a:tc>
                 <a:extLst>
                   <a:ext uri="{0D108BD9-81ED-4DB2-BD59-A6C34878D82A}">
-                    <a16:rowId xmlns:a16="http://schemas.microsoft.com/office/drawing/2014/main" xmlns="" val="4251153999"/>
+                    <a16:rowId xmlns="" xmlns:a16="http://schemas.microsoft.com/office/drawing/2014/main" val="4251153999"/>
                   </a:ext>
                 </a:extLst>
               </a:tr>
@@ -20983,7 +21420,7 @@
                 </a:tc>
                 <a:extLst>
                   <a:ext uri="{0D108BD9-81ED-4DB2-BD59-A6C34878D82A}">
-                    <a16:rowId xmlns:a16="http://schemas.microsoft.com/office/drawing/2014/main" xmlns="" val="3193592026"/>
+                    <a16:rowId xmlns="" xmlns:a16="http://schemas.microsoft.com/office/drawing/2014/main" val="3193592026"/>
                   </a:ext>
                 </a:extLst>
               </a:tr>
@@ -21100,7 +21537,177 @@
 </p:sld>
 </file>
 
-<file path=ppt/slides/slide19.xml><?xml version="1.0" encoding="utf-8"?>
+<file path=ppt/slides/slide2.xml><?xml version="1.0" encoding="utf-8"?>
+<p:sld xmlns:a="http://schemas.openxmlformats.org/drawingml/2006/main" xmlns:r="http://schemas.openxmlformats.org/officeDocument/2006/relationships" xmlns:p="http://schemas.openxmlformats.org/presentationml/2006/main">
+  <p:cSld>
+    <p:spTree>
+      <p:nvGrpSpPr>
+        <p:cNvPr id="1" name=""/>
+        <p:cNvGrpSpPr/>
+        <p:nvPr/>
+      </p:nvGrpSpPr>
+      <p:grpSpPr>
+        <a:xfrm>
+          <a:off x="0" y="0"/>
+          <a:ext cx="0" cy="0"/>
+          <a:chOff x="0" y="0"/>
+          <a:chExt cx="0" cy="0"/>
+        </a:xfrm>
+      </p:grpSpPr>
+      <p:sp>
+        <p:nvSpPr>
+          <p:cNvPr id="2" name="テキスト プレースホルダー 1"/>
+          <p:cNvSpPr>
+            <a:spLocks noGrp="1"/>
+          </p:cNvSpPr>
+          <p:nvPr>
+            <p:ph type="body" sz="quarter" idx="18"/>
+          </p:nvPr>
+        </p:nvSpPr>
+        <p:spPr/>
+        <p:txBody>
+          <a:bodyPr/>
+          <a:lstStyle/>
+          <a:p>
+            <a:r>
+              <a:rPr lang="ja-JP" altLang="en-US" dirty="0" smtClean="0"/>
+              <a:t>今年度の</a:t>
+            </a:r>
+            <a:r>
+              <a:rPr lang="en-US" altLang="ja-JP" dirty="0" smtClean="0"/>
+              <a:t>〇〇</a:t>
+            </a:r>
+            <a:r>
+              <a:rPr lang="ja-JP" altLang="en-US" dirty="0" smtClean="0"/>
+              <a:t>が開催しました。</a:t>
+            </a:r>
+            <a:endParaRPr lang="en-US" altLang="ja-JP" dirty="0" smtClean="0"/>
+          </a:p>
+          <a:p>
+            <a:endParaRPr lang="en-US" altLang="ja-JP" dirty="0"/>
+          </a:p>
+          <a:p>
+            <a:r>
+              <a:rPr lang="ja-JP" altLang="en-US" dirty="0" smtClean="0"/>
+              <a:t>画像</a:t>
+            </a:r>
+            <a:endParaRPr lang="en-US" altLang="ja-JP" dirty="0" smtClean="0"/>
+          </a:p>
+          <a:p>
+            <a:r>
+              <a:rPr lang="ja-JP" altLang="en-US" smtClean="0"/>
+              <a:t>テキスト</a:t>
+            </a:r>
+            <a:endParaRPr lang="en-US" altLang="ja-JP" dirty="0" smtClean="0"/>
+          </a:p>
+          <a:p>
+            <a:endParaRPr kumimoji="1" lang="en-US" altLang="ja-JP" dirty="0"/>
+          </a:p>
+          <a:p>
+            <a:endParaRPr kumimoji="1" lang="ja-JP" altLang="en-US" dirty="0"/>
+          </a:p>
+        </p:txBody>
+      </p:sp>
+      <p:sp>
+        <p:nvSpPr>
+          <p:cNvPr id="3" name="テキスト プレースホルダー 2"/>
+          <p:cNvSpPr>
+            <a:spLocks noGrp="1"/>
+          </p:cNvSpPr>
+          <p:nvPr>
+            <p:ph type="body" sz="quarter" idx="20"/>
+          </p:nvPr>
+        </p:nvSpPr>
+        <p:spPr/>
+        <p:txBody>
+          <a:bodyPr/>
+          <a:lstStyle/>
+          <a:p>
+            <a:endParaRPr kumimoji="1" lang="ja-JP" altLang="en-US" dirty="0"/>
+          </a:p>
+        </p:txBody>
+      </p:sp>
+      <p:sp>
+        <p:nvSpPr>
+          <p:cNvPr id="4" name="日付プレースホルダー 3"/>
+          <p:cNvSpPr>
+            <a:spLocks noGrp="1"/>
+          </p:cNvSpPr>
+          <p:nvPr>
+            <p:ph type="dt" sz="half" idx="19"/>
+          </p:nvPr>
+        </p:nvSpPr>
+        <p:spPr/>
+        <p:txBody>
+          <a:bodyPr/>
+          <a:lstStyle/>
+          <a:p>
+            <a:fld id="{FCAFAC13-DB77-42F2-BE26-45BA5532FD50}" type="datetime4">
+              <a:rPr lang="en-US" altLang="ja-JP" smtClean="0"/>
+              <a:pPr/>
+              <a:t>2023年 10月 23日 </a:t>
+            </a:fld>
+            <a:endParaRPr lang="en-US" dirty="0"/>
+          </a:p>
+        </p:txBody>
+      </p:sp>
+      <p:sp>
+        <p:nvSpPr>
+          <p:cNvPr id="5" name="正方形/長方形 4"/>
+          <p:cNvSpPr/>
+          <p:nvPr/>
+        </p:nvSpPr>
+        <p:spPr>
+          <a:xfrm>
+            <a:off x="6750140" y="811319"/>
+            <a:ext cx="5044966" cy="5561653"/>
+          </a:xfrm>
+          <a:prstGeom prst="rect">
+            <a:avLst/>
+          </a:prstGeom>
+        </p:spPr>
+        <p:style>
+          <a:lnRef idx="1">
+            <a:schemeClr val="accent1"/>
+          </a:lnRef>
+          <a:fillRef idx="3">
+            <a:schemeClr val="accent1"/>
+          </a:fillRef>
+          <a:effectRef idx="2">
+            <a:schemeClr val="accent1"/>
+          </a:effectRef>
+          <a:fontRef idx="minor">
+            <a:schemeClr val="lt1"/>
+          </a:fontRef>
+        </p:style>
+        <p:txBody>
+          <a:bodyPr rot="0" spcFirstLastPara="0" vertOverflow="overflow" horzOverflow="overflow" vert="horz" wrap="square" lIns="91440" tIns="45720" rIns="91440" bIns="45720" numCol="1" spcCol="0" rtlCol="0" fromWordArt="0" anchor="ctr" anchorCtr="0" forceAA="0" compatLnSpc="1">
+            <a:prstTxWarp prst="textNoShape">
+              <a:avLst/>
+            </a:prstTxWarp>
+            <a:noAutofit/>
+          </a:bodyPr>
+          <a:lstStyle/>
+          <a:p>
+            <a:pPr algn="ctr"/>
+            <a:endParaRPr kumimoji="1" lang="ja-JP" altLang="en-US"/>
+          </a:p>
+        </p:txBody>
+      </p:sp>
+    </p:spTree>
+    <p:extLst>
+      <p:ext uri="{BB962C8B-B14F-4D97-AF65-F5344CB8AC3E}">
+        <p14:creationId xmlns:p14="http://schemas.microsoft.com/office/powerpoint/2010/main" val="2058486904"/>
+      </p:ext>
+    </p:extLst>
+  </p:cSld>
+  <p:clrMapOvr>
+    <a:masterClrMapping/>
+  </p:clrMapOvr>
+</p:sld>
+</file>
+
+<file path=ppt/slides/slide20.xml><?xml version="1.0" encoding="utf-8"?>
 <p:sld xmlns:a="http://schemas.openxmlformats.org/drawingml/2006/main" xmlns:r="http://schemas.openxmlformats.org/officeDocument/2006/relationships" xmlns:p="http://schemas.openxmlformats.org/presentationml/2006/main">
   <p:cSld>
     <p:spTree>
@@ -21122,7 +21729,7 @@
           <p:cNvPr id="2" name="テキスト プレースホルダー 1">
             <a:extLst>
               <a:ext uri="{FF2B5EF4-FFF2-40B4-BE49-F238E27FC236}">
-                <a16:creationId xmlns:a16="http://schemas.microsoft.com/office/drawing/2014/main" xmlns="" id="{CA6A5E49-3011-4E55-8536-53E185EF620E}"/>
+                <a16:creationId xmlns="" xmlns:a16="http://schemas.microsoft.com/office/drawing/2014/main" id="{CA6A5E49-3011-4E55-8536-53E185EF620E}"/>
               </a:ext>
             </a:extLst>
           </p:cNvPr>
@@ -21147,7 +21754,7 @@
           <p:cNvPr id="3" name="テキスト プレースホルダー 2">
             <a:extLst>
               <a:ext uri="{FF2B5EF4-FFF2-40B4-BE49-F238E27FC236}">
-                <a16:creationId xmlns:a16="http://schemas.microsoft.com/office/drawing/2014/main" xmlns="" id="{1BCE30FD-669F-4CE0-B759-E018F15221A9}"/>
+                <a16:creationId xmlns="" xmlns:a16="http://schemas.microsoft.com/office/drawing/2014/main" id="{1BCE30FD-669F-4CE0-B759-E018F15221A9}"/>
               </a:ext>
             </a:extLst>
           </p:cNvPr>
@@ -21172,7 +21779,7 @@
           <p:cNvPr id="4" name="日付プレースホルダー 3">
             <a:extLst>
               <a:ext uri="{FF2B5EF4-FFF2-40B4-BE49-F238E27FC236}">
-                <a16:creationId xmlns:a16="http://schemas.microsoft.com/office/drawing/2014/main" xmlns="" id="{E83D940E-A828-4B8B-BB38-A878BB457518}"/>
+                <a16:creationId xmlns="" xmlns:a16="http://schemas.microsoft.com/office/drawing/2014/main" id="{E83D940E-A828-4B8B-BB38-A878BB457518}"/>
               </a:ext>
             </a:extLst>
           </p:cNvPr>
@@ -21191,7 +21798,7 @@
             <a:fld id="{FCAFAC13-DB77-42F2-BE26-45BA5532FD50}" type="datetime4">
               <a:rPr lang="en-US" altLang="ja-JP" smtClean="0"/>
               <a:pPr/>
-              <a:t>2023年 10月 21日 </a:t>
+              <a:t>2023年 10月 23日 </a:t>
             </a:fld>
             <a:endParaRPr lang="en-US" dirty="0"/>
           </a:p>
@@ -21202,7 +21809,7 @@
           <p:cNvPr id="14" name="図 13">
             <a:extLst>
               <a:ext uri="{FF2B5EF4-FFF2-40B4-BE49-F238E27FC236}">
-                <a16:creationId xmlns:a16="http://schemas.microsoft.com/office/drawing/2014/main" xmlns="" id="{00000000-0008-0000-0700-000014000000}"/>
+                <a16:creationId xmlns="" xmlns:a16="http://schemas.microsoft.com/office/drawing/2014/main" id="{00000000-0008-0000-0700-000014000000}"/>
               </a:ext>
             </a:extLst>
           </p:cNvPr>
@@ -21231,7 +21838,7 @@
           <p:cNvPr id="15" name="図 14">
             <a:extLst>
               <a:ext uri="{FF2B5EF4-FFF2-40B4-BE49-F238E27FC236}">
-                <a16:creationId xmlns:a16="http://schemas.microsoft.com/office/drawing/2014/main" xmlns="" id="{279E5705-3CD6-4A69-A3DA-685526A15F70}"/>
+                <a16:creationId xmlns="" xmlns:a16="http://schemas.microsoft.com/office/drawing/2014/main" id="{279E5705-3CD6-4A69-A3DA-685526A15F70}"/>
               </a:ext>
             </a:extLst>
           </p:cNvPr>
@@ -21269,103 +21876,7 @@
 </p:sld>
 </file>
 
-<file path=ppt/slides/slide2.xml><?xml version="1.0" encoding="utf-8"?>
-<p:sld xmlns:a="http://schemas.openxmlformats.org/drawingml/2006/main" xmlns:r="http://schemas.openxmlformats.org/officeDocument/2006/relationships" xmlns:p="http://schemas.openxmlformats.org/presentationml/2006/main">
-  <p:cSld>
-    <p:spTree>
-      <p:nvGrpSpPr>
-        <p:cNvPr id="1" name=""/>
-        <p:cNvGrpSpPr/>
-        <p:nvPr/>
-      </p:nvGrpSpPr>
-      <p:grpSpPr>
-        <a:xfrm>
-          <a:off x="0" y="0"/>
-          <a:ext cx="0" cy="0"/>
-          <a:chOff x="0" y="0"/>
-          <a:chExt cx="0" cy="0"/>
-        </a:xfrm>
-      </p:grpSpPr>
-      <p:sp>
-        <p:nvSpPr>
-          <p:cNvPr id="2" name="テキスト プレースホルダー 1"/>
-          <p:cNvSpPr>
-            <a:spLocks noGrp="1"/>
-          </p:cNvSpPr>
-          <p:nvPr>
-            <p:ph type="body" sz="quarter" idx="18"/>
-          </p:nvPr>
-        </p:nvSpPr>
-        <p:spPr/>
-        <p:txBody>
-          <a:bodyPr/>
-          <a:lstStyle/>
-          <a:p>
-            <a:r>
-              <a:rPr kumimoji="1" lang="ja-JP" altLang="en-US" dirty="0" smtClean="0"/>
-              <a:t>順立装置の在庫数だけを見ていていいの</a:t>
-            </a:r>
-            <a:endParaRPr kumimoji="1" lang="ja-JP" altLang="en-US" dirty="0"/>
-          </a:p>
-        </p:txBody>
-      </p:sp>
-      <p:sp>
-        <p:nvSpPr>
-          <p:cNvPr id="3" name="テキスト プレースホルダー 2"/>
-          <p:cNvSpPr>
-            <a:spLocks noGrp="1"/>
-          </p:cNvSpPr>
-          <p:nvPr>
-            <p:ph type="body" sz="quarter" idx="20"/>
-          </p:nvPr>
-        </p:nvSpPr>
-        <p:spPr/>
-        <p:txBody>
-          <a:bodyPr/>
-          <a:lstStyle/>
-          <a:p>
-            <a:endParaRPr kumimoji="1" lang="ja-JP" altLang="en-US"/>
-          </a:p>
-        </p:txBody>
-      </p:sp>
-      <p:sp>
-        <p:nvSpPr>
-          <p:cNvPr id="4" name="日付プレースホルダー 3"/>
-          <p:cNvSpPr>
-            <a:spLocks noGrp="1"/>
-          </p:cNvSpPr>
-          <p:nvPr>
-            <p:ph type="dt" sz="half" idx="19"/>
-          </p:nvPr>
-        </p:nvSpPr>
-        <p:spPr/>
-        <p:txBody>
-          <a:bodyPr/>
-          <a:lstStyle/>
-          <a:p>
-            <a:fld id="{FCAFAC13-DB77-42F2-BE26-45BA5532FD50}" type="datetime4">
-              <a:rPr lang="en-US" altLang="ja-JP" smtClean="0"/>
-              <a:pPr/>
-              <a:t>2023年 10月 21日 </a:t>
-            </a:fld>
-            <a:endParaRPr lang="en-US" dirty="0"/>
-          </a:p>
-        </p:txBody>
-      </p:sp>
-    </p:spTree>
-    <p:extLst>
-      <p:ext uri="{BB962C8B-B14F-4D97-AF65-F5344CB8AC3E}">
-        <p14:creationId xmlns:p14="http://schemas.microsoft.com/office/powerpoint/2010/main" val="1478730451"/>
-      </p:ext>
-    </p:extLst>
-  </p:cSld>
-  <p:clrMapOvr>
-    <a:masterClrMapping/>
-  </p:clrMapOvr>
-</p:sld>
-</file>
-
-<file path=ppt/slides/slide20.xml><?xml version="1.0" encoding="utf-8"?>
+<file path=ppt/slides/slide21.xml><?xml version="1.0" encoding="utf-8"?>
 <p:sld xmlns:a="http://schemas.openxmlformats.org/drawingml/2006/main" xmlns:r="http://schemas.openxmlformats.org/officeDocument/2006/relationships" xmlns:p="http://schemas.openxmlformats.org/presentationml/2006/main">
   <p:cSld>
     <p:spTree>
@@ -21387,7 +21898,7 @@
           <p:cNvPr id="2" name="テキスト プレースホルダー 1">
             <a:extLst>
               <a:ext uri="{FF2B5EF4-FFF2-40B4-BE49-F238E27FC236}">
-                <a16:creationId xmlns:a16="http://schemas.microsoft.com/office/drawing/2014/main" xmlns="" id="{0BE408F3-DF34-4450-8A1D-B364D8430208}"/>
+                <a16:creationId xmlns="" xmlns:a16="http://schemas.microsoft.com/office/drawing/2014/main" id="{0BE408F3-DF34-4450-8A1D-B364D8430208}"/>
               </a:ext>
             </a:extLst>
           </p:cNvPr>
@@ -21412,7 +21923,7 @@
           <p:cNvPr id="3" name="テキスト プレースホルダー 2">
             <a:extLst>
               <a:ext uri="{FF2B5EF4-FFF2-40B4-BE49-F238E27FC236}">
-                <a16:creationId xmlns:a16="http://schemas.microsoft.com/office/drawing/2014/main" xmlns="" id="{49A015B0-B7DE-47A8-B7CE-54F6A19D862B}"/>
+                <a16:creationId xmlns="" xmlns:a16="http://schemas.microsoft.com/office/drawing/2014/main" id="{49A015B0-B7DE-47A8-B7CE-54F6A19D862B}"/>
               </a:ext>
             </a:extLst>
           </p:cNvPr>
@@ -21448,7 +21959,7 @@
           <p:cNvPr id="9" name="図 8">
             <a:extLst>
               <a:ext uri="{FF2B5EF4-FFF2-40B4-BE49-F238E27FC236}">
-                <a16:creationId xmlns:a16="http://schemas.microsoft.com/office/drawing/2014/main" xmlns="" id="{47BB1083-00E4-4876-8B56-C5AF4D168A1B}"/>
+                <a16:creationId xmlns="" xmlns:a16="http://schemas.microsoft.com/office/drawing/2014/main" id="{47BB1083-00E4-4876-8B56-C5AF4D168A1B}"/>
               </a:ext>
             </a:extLst>
           </p:cNvPr>
@@ -21478,7 +21989,7 @@
           <p:cNvPr id="6" name="角丸四角形吹き出し 8">
             <a:extLst>
               <a:ext uri="{FF2B5EF4-FFF2-40B4-BE49-F238E27FC236}">
-                <a16:creationId xmlns:a16="http://schemas.microsoft.com/office/drawing/2014/main" xmlns="" id="{235ADA28-0AD7-4E22-A71B-1F8D374939DF}"/>
+                <a16:creationId xmlns="" xmlns:a16="http://schemas.microsoft.com/office/drawing/2014/main" id="{235ADA28-0AD7-4E22-A71B-1F8D374939DF}"/>
               </a:ext>
             </a:extLst>
           </p:cNvPr>
@@ -21594,7 +22105,7 @@
           <p:cNvPr id="7" name="角丸四角形吹き出し 8">
             <a:extLst>
               <a:ext uri="{FF2B5EF4-FFF2-40B4-BE49-F238E27FC236}">
-                <a16:creationId xmlns:a16="http://schemas.microsoft.com/office/drawing/2014/main" xmlns="" id="{DAA92043-CDBC-41B5-91A5-3D8342908CCF}"/>
+                <a16:creationId xmlns="" xmlns:a16="http://schemas.microsoft.com/office/drawing/2014/main" id="{DAA92043-CDBC-41B5-91A5-3D8342908CCF}"/>
               </a:ext>
             </a:extLst>
           </p:cNvPr>
@@ -21722,7 +22233,7 @@
           <p:cNvPr id="10" name="角丸四角形吹き出し 8">
             <a:extLst>
               <a:ext uri="{FF2B5EF4-FFF2-40B4-BE49-F238E27FC236}">
-                <a16:creationId xmlns:a16="http://schemas.microsoft.com/office/drawing/2014/main" xmlns="" id="{98B8C2C4-5D49-444E-B5AC-C53226D8AF49}"/>
+                <a16:creationId xmlns="" xmlns:a16="http://schemas.microsoft.com/office/drawing/2014/main" id="{98B8C2C4-5D49-444E-B5AC-C53226D8AF49}"/>
               </a:ext>
             </a:extLst>
           </p:cNvPr>
@@ -21800,7 +22311,7 @@
           <p:cNvPr id="12" name="正方形/長方形 11">
             <a:extLst>
               <a:ext uri="{FF2B5EF4-FFF2-40B4-BE49-F238E27FC236}">
-                <a16:creationId xmlns:a16="http://schemas.microsoft.com/office/drawing/2014/main" xmlns="" id="{72C5A679-3E5D-47DA-943D-597846830D13}"/>
+                <a16:creationId xmlns="" xmlns:a16="http://schemas.microsoft.com/office/drawing/2014/main" id="{72C5A679-3E5D-47DA-943D-597846830D13}"/>
               </a:ext>
             </a:extLst>
           </p:cNvPr>
@@ -21868,7 +22379,7 @@
           <p:cNvPr id="13" name="角丸四角形吹き出し 8">
             <a:extLst>
               <a:ext uri="{FF2B5EF4-FFF2-40B4-BE49-F238E27FC236}">
-                <a16:creationId xmlns:a16="http://schemas.microsoft.com/office/drawing/2014/main" xmlns="" id="{AC75C218-E5B2-49BB-BFE3-698266F6E461}"/>
+                <a16:creationId xmlns="" xmlns:a16="http://schemas.microsoft.com/office/drawing/2014/main" id="{AC75C218-E5B2-49BB-BFE3-698266F6E461}"/>
               </a:ext>
             </a:extLst>
           </p:cNvPr>
@@ -21948,7 +22459,7 @@
           <p:cNvPr id="17" name="角丸四角形吹き出し 8">
             <a:extLst>
               <a:ext uri="{FF2B5EF4-FFF2-40B4-BE49-F238E27FC236}">
-                <a16:creationId xmlns:a16="http://schemas.microsoft.com/office/drawing/2014/main" xmlns="" id="{67DE676F-C1BD-42ED-9909-A278B552C3FC}"/>
+                <a16:creationId xmlns="" xmlns:a16="http://schemas.microsoft.com/office/drawing/2014/main" id="{67DE676F-C1BD-42ED-9909-A278B552C3FC}"/>
               </a:ext>
             </a:extLst>
           </p:cNvPr>
@@ -22028,7 +22539,7 @@
           <p:cNvPr id="18" name="正方形/長方形 17">
             <a:extLst>
               <a:ext uri="{FF2B5EF4-FFF2-40B4-BE49-F238E27FC236}">
-                <a16:creationId xmlns:a16="http://schemas.microsoft.com/office/drawing/2014/main" xmlns="" id="{CA2A385B-DD01-4F5A-8D29-523EDE022FDF}"/>
+                <a16:creationId xmlns="" xmlns:a16="http://schemas.microsoft.com/office/drawing/2014/main" id="{CA2A385B-DD01-4F5A-8D29-523EDE022FDF}"/>
               </a:ext>
             </a:extLst>
           </p:cNvPr>
@@ -22214,7 +22725,7 @@
 </p:sld>
 </file>
 
-<file path=ppt/slides/slide21.xml><?xml version="1.0" encoding="utf-8"?>
+<file path=ppt/slides/slide22.xml><?xml version="1.0" encoding="utf-8"?>
 <p:sld xmlns:a="http://schemas.openxmlformats.org/drawingml/2006/main" xmlns:r="http://schemas.openxmlformats.org/officeDocument/2006/relationships" xmlns:p="http://schemas.openxmlformats.org/presentationml/2006/main">
   <p:cSld>
     <p:spTree>
@@ -22236,7 +22747,7 @@
           <p:cNvPr id="2" name="テキスト プレースホルダー 1">
             <a:extLst>
               <a:ext uri="{FF2B5EF4-FFF2-40B4-BE49-F238E27FC236}">
-                <a16:creationId xmlns:a16="http://schemas.microsoft.com/office/drawing/2014/main" xmlns="" id="{845BD06B-5B60-4DA9-9C20-1FB10A8DAEC5}"/>
+                <a16:creationId xmlns="" xmlns:a16="http://schemas.microsoft.com/office/drawing/2014/main" id="{845BD06B-5B60-4DA9-9C20-1FB10A8DAEC5}"/>
               </a:ext>
             </a:extLst>
           </p:cNvPr>
@@ -22261,7 +22772,7 @@
           <p:cNvPr id="3" name="テキスト プレースホルダー 2">
             <a:extLst>
               <a:ext uri="{FF2B5EF4-FFF2-40B4-BE49-F238E27FC236}">
-                <a16:creationId xmlns:a16="http://schemas.microsoft.com/office/drawing/2014/main" xmlns="" id="{920E1056-6290-460A-BD5A-B6C57684C069}"/>
+                <a16:creationId xmlns="" xmlns:a16="http://schemas.microsoft.com/office/drawing/2014/main" id="{920E1056-6290-460A-BD5A-B6C57684C069}"/>
               </a:ext>
             </a:extLst>
           </p:cNvPr>
@@ -22286,7 +22797,7 @@
           <p:cNvPr id="4" name="図 3">
             <a:extLst>
               <a:ext uri="{FF2B5EF4-FFF2-40B4-BE49-F238E27FC236}">
-                <a16:creationId xmlns:a16="http://schemas.microsoft.com/office/drawing/2014/main" xmlns="" id="{88C773B2-1987-4C2A-9E1A-56218CEDCB5A}"/>
+                <a16:creationId xmlns="" xmlns:a16="http://schemas.microsoft.com/office/drawing/2014/main" id="{88C773B2-1987-4C2A-9E1A-56218CEDCB5A}"/>
               </a:ext>
             </a:extLst>
           </p:cNvPr>
@@ -22316,7 +22827,7 @@
           <p:cNvPr id="6" name="図 5">
             <a:extLst>
               <a:ext uri="{FF2B5EF4-FFF2-40B4-BE49-F238E27FC236}">
-                <a16:creationId xmlns:a16="http://schemas.microsoft.com/office/drawing/2014/main" xmlns="" id="{3C795316-1BAB-4477-9217-B02176F08451}"/>
+                <a16:creationId xmlns="" xmlns:a16="http://schemas.microsoft.com/office/drawing/2014/main" id="{3C795316-1BAB-4477-9217-B02176F08451}"/>
               </a:ext>
             </a:extLst>
           </p:cNvPr>
@@ -22346,7 +22857,7 @@
           <p:cNvPr id="7" name="図 6">
             <a:extLst>
               <a:ext uri="{FF2B5EF4-FFF2-40B4-BE49-F238E27FC236}">
-                <a16:creationId xmlns:a16="http://schemas.microsoft.com/office/drawing/2014/main" xmlns="" id="{9680C1B4-2249-4566-835E-7EB93356E2AB}"/>
+                <a16:creationId xmlns="" xmlns:a16="http://schemas.microsoft.com/office/drawing/2014/main" id="{9680C1B4-2249-4566-835E-7EB93356E2AB}"/>
               </a:ext>
             </a:extLst>
           </p:cNvPr>
@@ -22376,7 +22887,7 @@
           <p:cNvPr id="9" name="正方形/長方形 8">
             <a:extLst>
               <a:ext uri="{FF2B5EF4-FFF2-40B4-BE49-F238E27FC236}">
-                <a16:creationId xmlns:a16="http://schemas.microsoft.com/office/drawing/2014/main" xmlns="" id="{1FC45B42-9E46-4245-90B8-969D120F3348}"/>
+                <a16:creationId xmlns="" xmlns:a16="http://schemas.microsoft.com/office/drawing/2014/main" id="{1FC45B42-9E46-4245-90B8-969D120F3348}"/>
               </a:ext>
             </a:extLst>
           </p:cNvPr>
@@ -22444,7 +22955,7 @@
           <p:cNvPr id="12" name="直線コネクタ 11">
             <a:extLst>
               <a:ext uri="{FF2B5EF4-FFF2-40B4-BE49-F238E27FC236}">
-                <a16:creationId xmlns:a16="http://schemas.microsoft.com/office/drawing/2014/main" xmlns="" id="{4287AFE4-DA22-4CC2-8C5A-A2F25EAD5B9C}"/>
+                <a16:creationId xmlns="" xmlns:a16="http://schemas.microsoft.com/office/drawing/2014/main" id="{4287AFE4-DA22-4CC2-8C5A-A2F25EAD5B9C}"/>
               </a:ext>
             </a:extLst>
           </p:cNvPr>
@@ -22499,7 +23010,7 @@
           <p:cNvPr id="18" name="テキスト ボックス 17">
             <a:extLst>
               <a:ext uri="{FF2B5EF4-FFF2-40B4-BE49-F238E27FC236}">
-                <a16:creationId xmlns:a16="http://schemas.microsoft.com/office/drawing/2014/main" xmlns="" id="{B4931B01-EAAF-4133-8F6D-91790D250D0C}"/>
+                <a16:creationId xmlns="" xmlns:a16="http://schemas.microsoft.com/office/drawing/2014/main" id="{B4931B01-EAAF-4133-8F6D-91790D250D0C}"/>
               </a:ext>
             </a:extLst>
           </p:cNvPr>
@@ -22579,7 +23090,7 @@
           <p:cNvPr id="19" name="テキスト ボックス 18">
             <a:extLst>
               <a:ext uri="{FF2B5EF4-FFF2-40B4-BE49-F238E27FC236}">
-                <a16:creationId xmlns:a16="http://schemas.microsoft.com/office/drawing/2014/main" xmlns="" id="{1DA851F5-53B5-46C4-8448-80444227BB53}"/>
+                <a16:creationId xmlns="" xmlns:a16="http://schemas.microsoft.com/office/drawing/2014/main" id="{1DA851F5-53B5-46C4-8448-80444227BB53}"/>
               </a:ext>
             </a:extLst>
           </p:cNvPr>
@@ -22659,7 +23170,7 @@
           <p:cNvPr id="20" name="正方形/長方形 19">
             <a:extLst>
               <a:ext uri="{FF2B5EF4-FFF2-40B4-BE49-F238E27FC236}">
-                <a16:creationId xmlns:a16="http://schemas.microsoft.com/office/drawing/2014/main" xmlns="" id="{EDB23463-95D2-48D1-BDBE-E1B197E67F1F}"/>
+                <a16:creationId xmlns="" xmlns:a16="http://schemas.microsoft.com/office/drawing/2014/main" id="{EDB23463-95D2-48D1-BDBE-E1B197E67F1F}"/>
               </a:ext>
             </a:extLst>
           </p:cNvPr>
@@ -22727,7 +23238,7 @@
           <p:cNvPr id="21" name="角丸四角形吹き出し 8">
             <a:extLst>
               <a:ext uri="{FF2B5EF4-FFF2-40B4-BE49-F238E27FC236}">
-                <a16:creationId xmlns:a16="http://schemas.microsoft.com/office/drawing/2014/main" xmlns="" id="{11B2CD52-3DED-4D88-A2C2-9FB9AA2FD914}"/>
+                <a16:creationId xmlns="" xmlns:a16="http://schemas.microsoft.com/office/drawing/2014/main" id="{11B2CD52-3DED-4D88-A2C2-9FB9AA2FD914}"/>
               </a:ext>
             </a:extLst>
           </p:cNvPr>
@@ -22824,7 +23335,7 @@
           <p:cNvPr id="22" name="正方形/長方形 21">
             <a:extLst>
               <a:ext uri="{FF2B5EF4-FFF2-40B4-BE49-F238E27FC236}">
-                <a16:creationId xmlns:a16="http://schemas.microsoft.com/office/drawing/2014/main" xmlns="" id="{8E7812B6-EB6A-4D63-A42D-A48D1C992C7C}"/>
+                <a16:creationId xmlns="" xmlns:a16="http://schemas.microsoft.com/office/drawing/2014/main" id="{8E7812B6-EB6A-4D63-A42D-A48D1C992C7C}"/>
               </a:ext>
             </a:extLst>
           </p:cNvPr>
@@ -22892,7 +23403,7 @@
           <p:cNvPr id="23" name="角丸四角形吹き出し 8">
             <a:extLst>
               <a:ext uri="{FF2B5EF4-FFF2-40B4-BE49-F238E27FC236}">
-                <a16:creationId xmlns:a16="http://schemas.microsoft.com/office/drawing/2014/main" xmlns="" id="{22D27471-2B07-45FC-8A73-5429B633B59D}"/>
+                <a16:creationId xmlns="" xmlns:a16="http://schemas.microsoft.com/office/drawing/2014/main" id="{22D27471-2B07-45FC-8A73-5429B633B59D}"/>
               </a:ext>
             </a:extLst>
           </p:cNvPr>
@@ -22989,7 +23500,7 @@
           <p:cNvPr id="25" name="正方形/長方形 24">
             <a:extLst>
               <a:ext uri="{FF2B5EF4-FFF2-40B4-BE49-F238E27FC236}">
-                <a16:creationId xmlns:a16="http://schemas.microsoft.com/office/drawing/2014/main" xmlns="" id="{5C037C9C-A6B2-4DA8-B68B-CD6D6175CB32}"/>
+                <a16:creationId xmlns="" xmlns:a16="http://schemas.microsoft.com/office/drawing/2014/main" id="{5C037C9C-A6B2-4DA8-B68B-CD6D6175CB32}"/>
               </a:ext>
             </a:extLst>
           </p:cNvPr>
@@ -23111,7 +23622,7 @@
           <p:cNvPr id="26" name="正方形/長方形 25">
             <a:extLst>
               <a:ext uri="{FF2B5EF4-FFF2-40B4-BE49-F238E27FC236}">
-                <a16:creationId xmlns:a16="http://schemas.microsoft.com/office/drawing/2014/main" xmlns="" id="{5C6BB1E8-3BCB-4006-AC87-723C25FA85A8}"/>
+                <a16:creationId xmlns="" xmlns:a16="http://schemas.microsoft.com/office/drawing/2014/main" id="{5C6BB1E8-3BCB-4006-AC87-723C25FA85A8}"/>
               </a:ext>
             </a:extLst>
           </p:cNvPr>
@@ -23258,7 +23769,7 @@
 </p:sld>
 </file>
 
-<file path=ppt/slides/slide22.xml><?xml version="1.0" encoding="utf-8"?>
+<file path=ppt/slides/slide23.xml><?xml version="1.0" encoding="utf-8"?>
 <p:sld xmlns:a="http://schemas.openxmlformats.org/drawingml/2006/main" xmlns:r="http://schemas.openxmlformats.org/officeDocument/2006/relationships" xmlns:p="http://schemas.openxmlformats.org/presentationml/2006/main">
   <p:cSld>
     <p:spTree>
@@ -23280,7 +23791,7 @@
           <p:cNvPr id="2" name="テキスト プレースホルダー 1">
             <a:extLst>
               <a:ext uri="{FF2B5EF4-FFF2-40B4-BE49-F238E27FC236}">
-                <a16:creationId xmlns:a16="http://schemas.microsoft.com/office/drawing/2014/main" xmlns="" id="{C2E64880-F2E7-48E4-AB69-FD40899339A7}"/>
+                <a16:creationId xmlns="" xmlns:a16="http://schemas.microsoft.com/office/drawing/2014/main" id="{C2E64880-F2E7-48E4-AB69-FD40899339A7}"/>
               </a:ext>
             </a:extLst>
           </p:cNvPr>
@@ -23305,7 +23816,7 @@
           <p:cNvPr id="3" name="テキスト プレースホルダー 2">
             <a:extLst>
               <a:ext uri="{FF2B5EF4-FFF2-40B4-BE49-F238E27FC236}">
-                <a16:creationId xmlns:a16="http://schemas.microsoft.com/office/drawing/2014/main" xmlns="" id="{E35111BB-9765-4594-967D-3B3FD55F6114}"/>
+                <a16:creationId xmlns="" xmlns:a16="http://schemas.microsoft.com/office/drawing/2014/main" id="{E35111BB-9765-4594-967D-3B3FD55F6114}"/>
               </a:ext>
             </a:extLst>
           </p:cNvPr>
@@ -23330,7 +23841,7 @@
           <p:cNvPr id="8" name="吹き出し: 角を丸めた四角形 7">
             <a:extLst>
               <a:ext uri="{FF2B5EF4-FFF2-40B4-BE49-F238E27FC236}">
-                <a16:creationId xmlns:a16="http://schemas.microsoft.com/office/drawing/2014/main" xmlns="" id="{55211117-8AB1-4D05-B1C9-F3B360A0CAE0}"/>
+                <a16:creationId xmlns="" xmlns:a16="http://schemas.microsoft.com/office/drawing/2014/main" id="{55211117-8AB1-4D05-B1C9-F3B360A0CAE0}"/>
               </a:ext>
             </a:extLst>
           </p:cNvPr>
@@ -23431,7 +23942,7 @@
           <p:cNvPr id="12" name="図 11">
             <a:extLst>
               <a:ext uri="{FF2B5EF4-FFF2-40B4-BE49-F238E27FC236}">
-                <a16:creationId xmlns:a16="http://schemas.microsoft.com/office/drawing/2014/main" xmlns="" id="{6354EF9A-FEBC-47EC-A131-259C27264490}"/>
+                <a16:creationId xmlns="" xmlns:a16="http://schemas.microsoft.com/office/drawing/2014/main" id="{6354EF9A-FEBC-47EC-A131-259C27264490}"/>
               </a:ext>
             </a:extLst>
           </p:cNvPr>
@@ -23461,7 +23972,7 @@
           <p:cNvPr id="13" name="正方形/長方形 12">
             <a:extLst>
               <a:ext uri="{FF2B5EF4-FFF2-40B4-BE49-F238E27FC236}">
-                <a16:creationId xmlns:a16="http://schemas.microsoft.com/office/drawing/2014/main" xmlns="" id="{96F69F02-AD1D-4AE7-B565-D259D3118049}"/>
+                <a16:creationId xmlns="" xmlns:a16="http://schemas.microsoft.com/office/drawing/2014/main" id="{96F69F02-AD1D-4AE7-B565-D259D3118049}"/>
               </a:ext>
             </a:extLst>
           </p:cNvPr>
@@ -23529,7 +24040,7 @@
           <p:cNvPr id="15" name="吹き出し: 角を丸めた四角形 14">
             <a:extLst>
               <a:ext uri="{FF2B5EF4-FFF2-40B4-BE49-F238E27FC236}">
-                <a16:creationId xmlns:a16="http://schemas.microsoft.com/office/drawing/2014/main" xmlns="" id="{BE1883D2-FDE7-4FF9-B39D-6B702F630EF9}"/>
+                <a16:creationId xmlns="" xmlns:a16="http://schemas.microsoft.com/office/drawing/2014/main" id="{BE1883D2-FDE7-4FF9-B39D-6B702F630EF9}"/>
               </a:ext>
             </a:extLst>
           </p:cNvPr>
@@ -23636,7 +24147,7 @@
           <p:cNvPr id="16" name="正方形/長方形 15">
             <a:extLst>
               <a:ext uri="{FF2B5EF4-FFF2-40B4-BE49-F238E27FC236}">
-                <a16:creationId xmlns:a16="http://schemas.microsoft.com/office/drawing/2014/main" xmlns="" id="{C039280E-DB6F-48B3-8FCA-E7919AEA7B4A}"/>
+                <a16:creationId xmlns="" xmlns:a16="http://schemas.microsoft.com/office/drawing/2014/main" id="{C039280E-DB6F-48B3-8FCA-E7919AEA7B4A}"/>
               </a:ext>
             </a:extLst>
           </p:cNvPr>
@@ -23704,7 +24215,7 @@
           <p:cNvPr id="17" name="正方形/長方形 16">
             <a:extLst>
               <a:ext uri="{FF2B5EF4-FFF2-40B4-BE49-F238E27FC236}">
-                <a16:creationId xmlns:a16="http://schemas.microsoft.com/office/drawing/2014/main" xmlns="" id="{0A80AE19-6F55-4283-81BE-150D3EBABAFD}"/>
+                <a16:creationId xmlns="" xmlns:a16="http://schemas.microsoft.com/office/drawing/2014/main" id="{0A80AE19-6F55-4283-81BE-150D3EBABAFD}"/>
               </a:ext>
             </a:extLst>
           </p:cNvPr>
@@ -23772,7 +24283,7 @@
           <p:cNvPr id="18" name="吹き出し: 角を丸めた四角形 17">
             <a:extLst>
               <a:ext uri="{FF2B5EF4-FFF2-40B4-BE49-F238E27FC236}">
-                <a16:creationId xmlns:a16="http://schemas.microsoft.com/office/drawing/2014/main" xmlns="" id="{B9F20DDF-194D-4936-B7D1-AC53C579BE24}"/>
+                <a16:creationId xmlns="" xmlns:a16="http://schemas.microsoft.com/office/drawing/2014/main" id="{B9F20DDF-194D-4936-B7D1-AC53C579BE24}"/>
               </a:ext>
             </a:extLst>
           </p:cNvPr>
@@ -23885,7 +24396,7 @@
           <p:cNvPr id="19" name="正方形/長方形 18">
             <a:extLst>
               <a:ext uri="{FF2B5EF4-FFF2-40B4-BE49-F238E27FC236}">
-                <a16:creationId xmlns:a16="http://schemas.microsoft.com/office/drawing/2014/main" xmlns="" id="{DDB449A6-C818-4038-9C72-45004F91C0AD}"/>
+                <a16:creationId xmlns="" xmlns:a16="http://schemas.microsoft.com/office/drawing/2014/main" id="{DDB449A6-C818-4038-9C72-45004F91C0AD}"/>
               </a:ext>
             </a:extLst>
           </p:cNvPr>
@@ -23953,7 +24464,7 @@
           <p:cNvPr id="20" name="吹き出し: 角を丸めた四角形 19">
             <a:extLst>
               <a:ext uri="{FF2B5EF4-FFF2-40B4-BE49-F238E27FC236}">
-                <a16:creationId xmlns:a16="http://schemas.microsoft.com/office/drawing/2014/main" xmlns="" id="{C9CEFD20-797A-463C-8206-16E0EB40B028}"/>
+                <a16:creationId xmlns="" xmlns:a16="http://schemas.microsoft.com/office/drawing/2014/main" id="{C9CEFD20-797A-463C-8206-16E0EB40B028}"/>
               </a:ext>
             </a:extLst>
           </p:cNvPr>
@@ -24065,7 +24576,7 @@
           <p:cNvPr id="21" name="正方形/長方形 20">
             <a:extLst>
               <a:ext uri="{FF2B5EF4-FFF2-40B4-BE49-F238E27FC236}">
-                <a16:creationId xmlns:a16="http://schemas.microsoft.com/office/drawing/2014/main" xmlns="" id="{045B01B7-CD3D-40DE-8669-076DCC0C3744}"/>
+                <a16:creationId xmlns="" xmlns:a16="http://schemas.microsoft.com/office/drawing/2014/main" id="{045B01B7-CD3D-40DE-8669-076DCC0C3744}"/>
               </a:ext>
             </a:extLst>
           </p:cNvPr>
@@ -24235,7 +24746,7 @@
           <p:cNvPr id="23" name="正方形/長方形 22">
             <a:extLst>
               <a:ext uri="{FF2B5EF4-FFF2-40B4-BE49-F238E27FC236}">
-                <a16:creationId xmlns:a16="http://schemas.microsoft.com/office/drawing/2014/main" xmlns="" id="{160CA7B4-E95E-4105-A073-A355DB999E4B}"/>
+                <a16:creationId xmlns="" xmlns:a16="http://schemas.microsoft.com/office/drawing/2014/main" id="{160CA7B4-E95E-4105-A073-A355DB999E4B}"/>
               </a:ext>
             </a:extLst>
           </p:cNvPr>
@@ -24303,7 +24814,7 @@
           <p:cNvPr id="24" name="テキスト ボックス 23">
             <a:extLst>
               <a:ext uri="{FF2B5EF4-FFF2-40B4-BE49-F238E27FC236}">
-                <a16:creationId xmlns:a16="http://schemas.microsoft.com/office/drawing/2014/main" xmlns="" id="{3B359110-7FA3-4FEE-B676-59430ADC1B7D}"/>
+                <a16:creationId xmlns="" xmlns:a16="http://schemas.microsoft.com/office/drawing/2014/main" id="{3B359110-7FA3-4FEE-B676-59430ADC1B7D}"/>
               </a:ext>
             </a:extLst>
           </p:cNvPr>
@@ -24421,7 +24932,7 @@
           <p:cNvPr id="10" name="図 9">
             <a:extLst>
               <a:ext uri="{FF2B5EF4-FFF2-40B4-BE49-F238E27FC236}">
-                <a16:creationId xmlns:a16="http://schemas.microsoft.com/office/drawing/2014/main" xmlns="" id="{A51EE964-BA83-48F3-ABFA-65C76DFEE582}"/>
+                <a16:creationId xmlns="" xmlns:a16="http://schemas.microsoft.com/office/drawing/2014/main" id="{A51EE964-BA83-48F3-ABFA-65C76DFEE582}"/>
               </a:ext>
             </a:extLst>
           </p:cNvPr>
@@ -24460,7 +24971,7 @@
 </p:sld>
 </file>
 
-<file path=ppt/slides/slide23.xml><?xml version="1.0" encoding="utf-8"?>
+<file path=ppt/slides/slide24.xml><?xml version="1.0" encoding="utf-8"?>
 <p:sld xmlns:a="http://schemas.openxmlformats.org/drawingml/2006/main" xmlns:r="http://schemas.openxmlformats.org/officeDocument/2006/relationships" xmlns:p="http://schemas.openxmlformats.org/presentationml/2006/main">
   <p:cSld>
     <p:spTree>
@@ -24509,10 +25020,106 @@
       </p:grpSpPr>
       <p:sp>
         <p:nvSpPr>
+          <p:cNvPr id="2" name="テキスト プレースホルダー 1"/>
+          <p:cNvSpPr>
+            <a:spLocks noGrp="1"/>
+          </p:cNvSpPr>
+          <p:nvPr>
+            <p:ph type="body" sz="quarter" idx="18"/>
+          </p:nvPr>
+        </p:nvSpPr>
+        <p:spPr/>
+        <p:txBody>
+          <a:bodyPr/>
+          <a:lstStyle/>
+          <a:p>
+            <a:r>
+              <a:rPr kumimoji="1" lang="ja-JP" altLang="en-US" dirty="0" smtClean="0"/>
+              <a:t>順立装置の在庫数だけを見ていていいの</a:t>
+            </a:r>
+            <a:endParaRPr kumimoji="1" lang="ja-JP" altLang="en-US" dirty="0"/>
+          </a:p>
+        </p:txBody>
+      </p:sp>
+      <p:sp>
+        <p:nvSpPr>
+          <p:cNvPr id="3" name="テキスト プレースホルダー 2"/>
+          <p:cNvSpPr>
+            <a:spLocks noGrp="1"/>
+          </p:cNvSpPr>
+          <p:nvPr>
+            <p:ph type="body" sz="quarter" idx="20"/>
+          </p:nvPr>
+        </p:nvSpPr>
+        <p:spPr/>
+        <p:txBody>
+          <a:bodyPr/>
+          <a:lstStyle/>
+          <a:p>
+            <a:endParaRPr kumimoji="1" lang="ja-JP" altLang="en-US"/>
+          </a:p>
+        </p:txBody>
+      </p:sp>
+      <p:sp>
+        <p:nvSpPr>
+          <p:cNvPr id="4" name="日付プレースホルダー 3"/>
+          <p:cNvSpPr>
+            <a:spLocks noGrp="1"/>
+          </p:cNvSpPr>
+          <p:nvPr>
+            <p:ph type="dt" sz="half" idx="19"/>
+          </p:nvPr>
+        </p:nvSpPr>
+        <p:spPr/>
+        <p:txBody>
+          <a:bodyPr/>
+          <a:lstStyle/>
+          <a:p>
+            <a:fld id="{FCAFAC13-DB77-42F2-BE26-45BA5532FD50}" type="datetime4">
+              <a:rPr lang="en-US" altLang="ja-JP" smtClean="0"/>
+              <a:pPr/>
+              <a:t>2023年 10月 23日 </a:t>
+            </a:fld>
+            <a:endParaRPr lang="en-US" dirty="0"/>
+          </a:p>
+        </p:txBody>
+      </p:sp>
+    </p:spTree>
+    <p:extLst>
+      <p:ext uri="{BB962C8B-B14F-4D97-AF65-F5344CB8AC3E}">
+        <p14:creationId xmlns:p14="http://schemas.microsoft.com/office/powerpoint/2010/main" val="1478730451"/>
+      </p:ext>
+    </p:extLst>
+  </p:cSld>
+  <p:clrMapOvr>
+    <a:masterClrMapping/>
+  </p:clrMapOvr>
+</p:sld>
+</file>
+
+<file path=ppt/slides/slide4.xml><?xml version="1.0" encoding="utf-8"?>
+<p:sld xmlns:a="http://schemas.openxmlformats.org/drawingml/2006/main" xmlns:r="http://schemas.openxmlformats.org/officeDocument/2006/relationships" xmlns:p="http://schemas.openxmlformats.org/presentationml/2006/main">
+  <p:cSld>
+    <p:spTree>
+      <p:nvGrpSpPr>
+        <p:cNvPr id="1" name=""/>
+        <p:cNvGrpSpPr/>
+        <p:nvPr/>
+      </p:nvGrpSpPr>
+      <p:grpSpPr>
+        <a:xfrm>
+          <a:off x="0" y="0"/>
+          <a:ext cx="0" cy="0"/>
+          <a:chOff x="0" y="0"/>
+          <a:chExt cx="0" cy="0"/>
+        </a:xfrm>
+      </p:grpSpPr>
+      <p:sp>
+        <p:nvSpPr>
           <p:cNvPr id="2" name="テキスト プレースホルダー 1">
             <a:extLst>
               <a:ext uri="{FF2B5EF4-FFF2-40B4-BE49-F238E27FC236}">
-                <a16:creationId xmlns:a16="http://schemas.microsoft.com/office/drawing/2014/main" xmlns="" id="{A6C330A7-7E32-42D7-B7C0-72409D9E50EA}"/>
+                <a16:creationId xmlns="" xmlns:a16="http://schemas.microsoft.com/office/drawing/2014/main" id="{A6C330A7-7E32-42D7-B7C0-72409D9E50EA}"/>
               </a:ext>
             </a:extLst>
           </p:cNvPr>
@@ -24537,7 +25144,7 @@
           <p:cNvPr id="3" name="テキスト プレースホルダー 2">
             <a:extLst>
               <a:ext uri="{FF2B5EF4-FFF2-40B4-BE49-F238E27FC236}">
-                <a16:creationId xmlns:a16="http://schemas.microsoft.com/office/drawing/2014/main" xmlns="" id="{AB8ECFAE-7717-46A1-9C7F-B687078B0FC3}"/>
+                <a16:creationId xmlns="" xmlns:a16="http://schemas.microsoft.com/office/drawing/2014/main" id="{AB8ECFAE-7717-46A1-9C7F-B687078B0FC3}"/>
               </a:ext>
             </a:extLst>
           </p:cNvPr>
@@ -24562,7 +25169,7 @@
           <p:cNvPr id="4" name="日付プレースホルダー 3">
             <a:extLst>
               <a:ext uri="{FF2B5EF4-FFF2-40B4-BE49-F238E27FC236}">
-                <a16:creationId xmlns:a16="http://schemas.microsoft.com/office/drawing/2014/main" xmlns="" id="{AC7372D8-CFB5-49C5-900E-1D49A9BCCC1A}"/>
+                <a16:creationId xmlns="" xmlns:a16="http://schemas.microsoft.com/office/drawing/2014/main" id="{AC7372D8-CFB5-49C5-900E-1D49A9BCCC1A}"/>
               </a:ext>
             </a:extLst>
           </p:cNvPr>
@@ -24581,7 +25188,7 @@
             <a:fld id="{FCAFAC13-DB77-42F2-BE26-45BA5532FD50}" type="datetime4">
               <a:rPr lang="en-US" altLang="ja-JP" smtClean="0"/>
               <a:pPr/>
-              <a:t>2023年 10月 21日 </a:t>
+              <a:t>2023年 10月 23日 </a:t>
             </a:fld>
             <a:endParaRPr lang="en-US" dirty="0"/>
           </a:p>
@@ -24592,7 +25199,7 @@
           <p:cNvPr id="6" name="図 5">
             <a:extLst>
               <a:ext uri="{FF2B5EF4-FFF2-40B4-BE49-F238E27FC236}">
-                <a16:creationId xmlns:a16="http://schemas.microsoft.com/office/drawing/2014/main" xmlns="" id="{E7550269-631D-45BE-A568-1CD0CC3E0D82}"/>
+                <a16:creationId xmlns="" xmlns:a16="http://schemas.microsoft.com/office/drawing/2014/main" id="{E7550269-631D-45BE-A568-1CD0CC3E0D82}"/>
               </a:ext>
             </a:extLst>
           </p:cNvPr>
@@ -24630,7 +25237,7 @@
 </p:sld>
 </file>
 
-<file path=ppt/slides/slide4.xml><?xml version="1.0" encoding="utf-8"?>
+<file path=ppt/slides/slide5.xml><?xml version="1.0" encoding="utf-8"?>
 <p:sld xmlns:a="http://schemas.openxmlformats.org/drawingml/2006/main" xmlns:r="http://schemas.openxmlformats.org/officeDocument/2006/relationships" xmlns:p="http://schemas.openxmlformats.org/presentationml/2006/main">
   <p:cSld>
     <p:spTree>
@@ -24664,7 +25271,7 @@
           <a:p>
             <a:fld id="{86CB4B4D-7CA3-9044-876B-883B54F8677D}" type="slidenum">
               <a:rPr lang="uk-UA" smtClean="0"/>
-              <a:t>4</a:t>
+              <a:t>5</a:t>
             </a:fld>
             <a:endParaRPr lang="uk-UA"/>
           </a:p>
@@ -24744,15 +25351,7 @@
             </a:r>
             <a:r>
               <a:rPr lang="en-US" altLang="ja-JP" sz="1800" b="0" dirty="0" smtClean="0"/>
-              <a:t> </a:t>
-            </a:r>
-            <a:r>
-              <a:rPr lang="en-US" altLang="ja-JP" sz="1800" b="0" dirty="0" smtClean="0"/>
-              <a:t>…</a:t>
-            </a:r>
-            <a:r>
-              <a:rPr lang="en-US" altLang="ja-JP" sz="1800" b="0" dirty="0" smtClean="0"/>
-              <a:t> </a:t>
+              <a:t> … </a:t>
             </a:r>
             <a:r>
               <a:rPr lang="ja-JP" altLang="en-US" sz="1800" b="0" dirty="0" smtClean="0"/>
@@ -24779,15 +25378,7 @@
             </a:r>
             <a:r>
               <a:rPr lang="en-US" altLang="ja-JP" sz="1800" b="0" dirty="0" smtClean="0"/>
-              <a:t> </a:t>
-            </a:r>
-            <a:r>
-              <a:rPr lang="en-US" altLang="ja-JP" sz="1800" b="0" dirty="0" smtClean="0"/>
-              <a:t>…</a:t>
-            </a:r>
-            <a:r>
-              <a:rPr lang="en-US" altLang="ja-JP" sz="1800" b="0" dirty="0" smtClean="0"/>
-              <a:t> 1</a:t>
+              <a:t> … 1</a:t>
             </a:r>
             <a:r>
               <a:rPr lang="ja-JP" altLang="en-US" sz="1800" b="0" dirty="0" smtClean="0"/>
@@ -24853,11 +25444,7 @@
             </a:r>
             <a:r>
               <a:rPr lang="ja-JP" altLang="en-US" sz="1800" b="0" dirty="0" smtClean="0"/>
-              <a:t>が</a:t>
-            </a:r>
-            <a:r>
-              <a:rPr lang="ja-JP" altLang="en-US" sz="1800" b="0" dirty="0" smtClean="0"/>
-              <a:t>設計値に対して多かったり少なかったりする</a:t>
+              <a:t>が設計値に対して多かったり少なかったりする</a:t>
             </a:r>
             <a:endParaRPr lang="en-US" altLang="ja-JP" sz="1800" b="0" dirty="0" smtClean="0"/>
           </a:p>
@@ -25335,7 +25922,7 @@
 </p:sld>
 </file>
 
-<file path=ppt/slides/slide5.xml><?xml version="1.0" encoding="utf-8"?>
+<file path=ppt/slides/slide6.xml><?xml version="1.0" encoding="utf-8"?>
 <p:sld xmlns:a="http://schemas.openxmlformats.org/drawingml/2006/main" xmlns:r="http://schemas.openxmlformats.org/officeDocument/2006/relationships" xmlns:p="http://schemas.openxmlformats.org/presentationml/2006/main">
   <p:cSld>
     <p:spTree>
@@ -25417,7 +26004,7 @@
             <a:fld id="{FCAFAC13-DB77-42F2-BE26-45BA5532FD50}" type="datetime4">
               <a:rPr lang="en-US" altLang="ja-JP" smtClean="0"/>
               <a:pPr/>
-              <a:t>2023年 10月 22日 </a:t>
+              <a:t>2023年 10月 23日 </a:t>
             </a:fld>
             <a:endParaRPr lang="en-US" dirty="0"/>
           </a:p>
@@ -25876,26 +26463,14 @@
                     <a:p>
                       <a:r>
                         <a:rPr kumimoji="1" lang="ja-JP" altLang="en-US" dirty="0" smtClean="0"/>
-                        <a:t>・</a:t>
-                      </a:r>
-                      <a:r>
-                        <a:rPr kumimoji="1" lang="ja-JP" altLang="en-US" dirty="0" smtClean="0"/>
-                        <a:t>トラックは定刻通りではない</a:t>
+                        <a:t>・トラックは定刻通りではない</a:t>
                       </a:r>
                       <a:endParaRPr kumimoji="1" lang="en-US" altLang="ja-JP" dirty="0" smtClean="0"/>
                     </a:p>
                     <a:p>
                       <a:r>
                         <a:rPr kumimoji="1" lang="ja-JP" altLang="en-US" dirty="0" smtClean="0"/>
-                        <a:t>・</a:t>
-                      </a:r>
-                      <a:r>
-                        <a:rPr kumimoji="1" lang="ja-JP" altLang="en-US" dirty="0" smtClean="0"/>
-                        <a:t>運ばれてきたモノをすべて入庫できていない</a:t>
-                      </a:r>
-                      <a:r>
-                        <a:rPr kumimoji="1" lang="ja-JP" altLang="en-US" dirty="0" smtClean="0"/>
-                        <a:t>ため（毎便で入庫作業をやり切れていない）</a:t>
+                        <a:t>・運ばれてきたモノをすべて入庫できていないため（毎便で入庫作業をやり切れていない）</a:t>
                       </a:r>
                       <a:endParaRPr kumimoji="1" lang="en-US" altLang="ja-JP" dirty="0" smtClean="0"/>
                     </a:p>
@@ -25969,7 +26544,7 @@
 </p:sld>
 </file>
 
-<file path=ppt/slides/slide6.xml><?xml version="1.0" encoding="utf-8"?>
+<file path=ppt/slides/slide7.xml><?xml version="1.0" encoding="utf-8"?>
 <p:sld xmlns:a="http://schemas.openxmlformats.org/drawingml/2006/main" xmlns:r="http://schemas.openxmlformats.org/officeDocument/2006/relationships" xmlns:p="http://schemas.openxmlformats.org/presentationml/2006/main">
   <p:cSld>
     <p:spTree>
@@ -25991,7 +26566,7 @@
           <p:cNvPr id="2" name="テキスト プレースホルダー 1">
             <a:extLst>
               <a:ext uri="{FF2B5EF4-FFF2-40B4-BE49-F238E27FC236}">
-                <a16:creationId xmlns:a16="http://schemas.microsoft.com/office/drawing/2014/main" xmlns="" id="{8798B26D-4E59-42A3-A757-35044913910C}"/>
+                <a16:creationId xmlns="" xmlns:a16="http://schemas.microsoft.com/office/drawing/2014/main" id="{8798B26D-4E59-42A3-A757-35044913910C}"/>
               </a:ext>
             </a:extLst>
           </p:cNvPr>
@@ -26019,11 +26594,7 @@
             </a:r>
             <a:r>
               <a:rPr lang="ja-JP" altLang="en-US" b="0" dirty="0" smtClean="0"/>
-              <a:t>：</a:t>
-            </a:r>
-            <a:r>
-              <a:rPr lang="ja-JP" altLang="en-US" b="0" dirty="0" smtClean="0"/>
-              <a:t>数</a:t>
+              <a:t>：数</a:t>
             </a:r>
             <a:r>
               <a:rPr lang="ja-JP" altLang="en-US" b="0" dirty="0"/>
@@ -26031,11 +26602,7 @@
             </a:r>
             <a:r>
               <a:rPr lang="ja-JP" altLang="en-US" b="0" dirty="0" smtClean="0"/>
-              <a:t>ところ</a:t>
-            </a:r>
-            <a:r>
-              <a:rPr lang="ja-JP" altLang="en-US" b="0" dirty="0" smtClean="0"/>
-              <a:t>の</a:t>
+              <a:t>ところの</a:t>
             </a:r>
             <a:r>
               <a:rPr kumimoji="1" lang="ja-JP" altLang="en-US" b="0" dirty="0" smtClean="0"/>
@@ -26066,7 +26633,7 @@
           <p:cNvPr id="3" name="テキスト プレースホルダー 2">
             <a:extLst>
               <a:ext uri="{FF2B5EF4-FFF2-40B4-BE49-F238E27FC236}">
-                <a16:creationId xmlns:a16="http://schemas.microsoft.com/office/drawing/2014/main" xmlns="" id="{FEA3B6B7-A3F3-49B3-8859-C25116CD69DD}"/>
+                <a16:creationId xmlns="" xmlns:a16="http://schemas.microsoft.com/office/drawing/2014/main" id="{FEA3B6B7-A3F3-49B3-8859-C25116CD69DD}"/>
               </a:ext>
             </a:extLst>
           </p:cNvPr>
@@ -26084,11 +26651,7 @@
           <a:p>
             <a:r>
               <a:rPr lang="ja-JP" altLang="en-US" dirty="0" smtClean="0"/>
-              <a:t>データ</a:t>
-            </a:r>
-            <a:r>
-              <a:rPr lang="ja-JP" altLang="en-US" dirty="0" smtClean="0"/>
-              <a:t>解析</a:t>
+              <a:t>データ解析</a:t>
             </a:r>
             <a:r>
               <a:rPr lang="ja-JP" altLang="en-US" dirty="0"/>
@@ -26103,7 +26666,7 @@
           <p:cNvPr id="4" name="日付プレースホルダー 3">
             <a:extLst>
               <a:ext uri="{FF2B5EF4-FFF2-40B4-BE49-F238E27FC236}">
-                <a16:creationId xmlns:a16="http://schemas.microsoft.com/office/drawing/2014/main" xmlns="" id="{45387001-292E-4080-BFB3-7F0B21CB0BE5}"/>
+                <a16:creationId xmlns="" xmlns:a16="http://schemas.microsoft.com/office/drawing/2014/main" id="{45387001-292E-4080-BFB3-7F0B21CB0BE5}"/>
               </a:ext>
             </a:extLst>
           </p:cNvPr>
@@ -26122,7 +26685,7 @@
             <a:fld id="{FCAFAC13-DB77-42F2-BE26-45BA5532FD50}" type="datetime4">
               <a:rPr lang="en-US" altLang="ja-JP" smtClean="0"/>
               <a:pPr/>
-              <a:t>2023年 10月 21日 </a:t>
+              <a:t>2023年 10月 23日 </a:t>
             </a:fld>
             <a:endParaRPr lang="en-US" dirty="0"/>
           </a:p>
@@ -26433,164 +26996,6 @@
     <p:extLst>
       <p:ext uri="{BB962C8B-B14F-4D97-AF65-F5344CB8AC3E}">
         <p14:creationId xmlns:p14="http://schemas.microsoft.com/office/powerpoint/2010/main" val="2569136731"/>
-      </p:ext>
-    </p:extLst>
-  </p:cSld>
-  <p:clrMapOvr>
-    <a:masterClrMapping/>
-  </p:clrMapOvr>
-</p:sld>
-</file>
-
-<file path=ppt/slides/slide7.xml><?xml version="1.0" encoding="utf-8"?>
-<p:sld xmlns:a="http://schemas.openxmlformats.org/drawingml/2006/main" xmlns:r="http://schemas.openxmlformats.org/officeDocument/2006/relationships" xmlns:p="http://schemas.openxmlformats.org/presentationml/2006/main">
-  <p:cSld>
-    <p:spTree>
-      <p:nvGrpSpPr>
-        <p:cNvPr id="1" name=""/>
-        <p:cNvGrpSpPr/>
-        <p:nvPr/>
-      </p:nvGrpSpPr>
-      <p:grpSpPr>
-        <a:xfrm>
-          <a:off x="0" y="0"/>
-          <a:ext cx="0" cy="0"/>
-          <a:chOff x="0" y="0"/>
-          <a:chExt cx="0" cy="0"/>
-        </a:xfrm>
-      </p:grpSpPr>
-      <p:sp>
-        <p:nvSpPr>
-          <p:cNvPr id="2" name="テキスト プレースホルダー 1"/>
-          <p:cNvSpPr>
-            <a:spLocks noGrp="1"/>
-          </p:cNvSpPr>
-          <p:nvPr>
-            <p:ph type="body" sz="quarter" idx="18"/>
-          </p:nvPr>
-        </p:nvSpPr>
-        <p:spPr/>
-        <p:txBody>
-          <a:bodyPr/>
-          <a:lstStyle/>
-          <a:p>
-            <a:r>
-              <a:rPr kumimoji="1" lang="ja-JP" altLang="en-US" dirty="0" smtClean="0"/>
-              <a:t>各</a:t>
-            </a:r>
-            <a:r>
-              <a:rPr kumimoji="1" lang="en-US" altLang="ja-JP" dirty="0" smtClean="0"/>
-              <a:t>LT</a:t>
-            </a:r>
-            <a:r>
-              <a:rPr kumimoji="1" lang="ja-JP" altLang="en-US" dirty="0" smtClean="0"/>
-              <a:t>を</a:t>
-            </a:r>
-            <a:endParaRPr kumimoji="1" lang="en-US" altLang="ja-JP" dirty="0" smtClean="0"/>
-          </a:p>
-        </p:txBody>
-      </p:sp>
-      <p:sp>
-        <p:nvSpPr>
-          <p:cNvPr id="3" name="テキスト プレースホルダー 2"/>
-          <p:cNvSpPr>
-            <a:spLocks noGrp="1"/>
-          </p:cNvSpPr>
-          <p:nvPr>
-            <p:ph type="body" sz="quarter" idx="20"/>
-          </p:nvPr>
-        </p:nvSpPr>
-        <p:spPr/>
-        <p:txBody>
-          <a:bodyPr/>
-          <a:lstStyle/>
-          <a:p>
-            <a:r>
-              <a:rPr kumimoji="1" lang="ja-JP" altLang="en-US" dirty="0" smtClean="0"/>
-              <a:t>データ可視化</a:t>
-            </a:r>
-            <a:endParaRPr kumimoji="1" lang="ja-JP" altLang="en-US" dirty="0"/>
-          </a:p>
-        </p:txBody>
-      </p:sp>
-      <p:sp>
-        <p:nvSpPr>
-          <p:cNvPr id="4" name="日付プレースホルダー 3"/>
-          <p:cNvSpPr>
-            <a:spLocks noGrp="1"/>
-          </p:cNvSpPr>
-          <p:nvPr>
-            <p:ph type="dt" sz="half" idx="19"/>
-          </p:nvPr>
-        </p:nvSpPr>
-        <p:spPr/>
-        <p:txBody>
-          <a:bodyPr/>
-          <a:lstStyle/>
-          <a:p>
-            <a:fld id="{FCAFAC13-DB77-42F2-BE26-45BA5532FD50}" type="datetime4">
-              <a:rPr lang="en-US" altLang="ja-JP" smtClean="0"/>
-              <a:pPr/>
-              <a:t>2023年 10月 21日 </a:t>
-            </a:fld>
-            <a:endParaRPr lang="en-US" dirty="0"/>
-          </a:p>
-        </p:txBody>
-      </p:sp>
-      <p:sp>
-        <p:nvSpPr>
-          <p:cNvPr id="5" name="正方形/長方形 4"/>
-          <p:cNvSpPr/>
-          <p:nvPr/>
-        </p:nvSpPr>
-        <p:spPr>
-          <a:xfrm>
-            <a:off x="552712" y="2657365"/>
-            <a:ext cx="3563227" cy="2586815"/>
-          </a:xfrm>
-          <a:prstGeom prst="rect">
-            <a:avLst/>
-          </a:prstGeom>
-        </p:spPr>
-        <p:style>
-          <a:lnRef idx="1">
-            <a:schemeClr val="accent1"/>
-          </a:lnRef>
-          <a:fillRef idx="3">
-            <a:schemeClr val="accent1"/>
-          </a:fillRef>
-          <a:effectRef idx="2">
-            <a:schemeClr val="accent1"/>
-          </a:effectRef>
-          <a:fontRef idx="minor">
-            <a:schemeClr val="lt1"/>
-          </a:fontRef>
-        </p:style>
-        <p:txBody>
-          <a:bodyPr rtlCol="0" anchor="ctr"/>
-          <a:lstStyle/>
-          <a:p>
-            <a:pPr algn="ctr"/>
-            <a:r>
-              <a:rPr kumimoji="1" lang="ja-JP" altLang="en-US" dirty="0" smtClean="0"/>
-              <a:t>お昼長い</a:t>
-            </a:r>
-            <a:endParaRPr kumimoji="1" lang="en-US" altLang="ja-JP" dirty="0" smtClean="0"/>
-          </a:p>
-          <a:p>
-            <a:pPr algn="ctr"/>
-            <a:r>
-              <a:rPr lang="ja-JP" altLang="en-US" dirty="0" smtClean="0"/>
-              <a:t>ここを手掛かりに分析を進める</a:t>
-            </a:r>
-            <a:endParaRPr kumimoji="1" lang="ja-JP" altLang="en-US" dirty="0"/>
-          </a:p>
-        </p:txBody>
-      </p:sp>
-    </p:spTree>
-    <p:extLst>
-      <p:ext uri="{BB962C8B-B14F-4D97-AF65-F5344CB8AC3E}">
-        <p14:creationId xmlns:p14="http://schemas.microsoft.com/office/powerpoint/2010/main" val="663248734"/>
       </p:ext>
     </p:extLst>
   </p:cSld>
@@ -26633,124 +27038,18 @@
           <a:lstStyle/>
           <a:p>
             <a:r>
-              <a:rPr lang="en-US" altLang="ja-JP" sz="1800" dirty="0" smtClean="0"/>
-              <a:t>◇</a:t>
-            </a:r>
-            <a:r>
-              <a:rPr lang="ja-JP" altLang="en-US" sz="1800" dirty="0" smtClean="0"/>
-              <a:t>仮説</a:t>
-            </a:r>
-            <a:endParaRPr lang="en-US" altLang="ja-JP" sz="1800" dirty="0" smtClean="0"/>
-          </a:p>
-          <a:p>
-            <a:r>
-              <a:rPr lang="ja-JP" altLang="en-US" sz="1800" b="0" dirty="0" smtClean="0"/>
-              <a:t>・お昼過ぎに納入されたものは、次の便が到着するまでに入庫作業をやり切れていないため、</a:t>
-            </a:r>
-            <a:r>
-              <a:rPr lang="en-US" altLang="ja-JP" sz="1800" b="0" dirty="0" smtClean="0"/>
+              <a:rPr kumimoji="1" lang="ja-JP" altLang="en-US" dirty="0" smtClean="0"/>
+              <a:t>各</a:t>
+            </a:r>
+            <a:r>
+              <a:rPr kumimoji="1" lang="en-US" altLang="ja-JP" dirty="0" smtClean="0"/>
               <a:t>LT</a:t>
             </a:r>
             <a:r>
-              <a:rPr lang="ja-JP" altLang="en-US" sz="1800" b="0" dirty="0" smtClean="0"/>
-              <a:t>が伸びる</a:t>
-            </a:r>
-            <a:endParaRPr lang="en-US" altLang="ja-JP" sz="1800" b="0" dirty="0"/>
-          </a:p>
-          <a:p>
-            <a:endParaRPr kumimoji="1" lang="en-US" altLang="ja-JP" sz="1800" dirty="0" smtClean="0"/>
-          </a:p>
-          <a:p>
-            <a:r>
-              <a:rPr lang="en-US" altLang="ja-JP" sz="1800" dirty="0" smtClean="0"/>
-              <a:t>◇</a:t>
-            </a:r>
-            <a:r>
-              <a:rPr lang="ja-JP" altLang="en-US" sz="1800" dirty="0" smtClean="0"/>
-              <a:t>検証方法</a:t>
-            </a:r>
-            <a:endParaRPr lang="en-US" altLang="ja-JP" sz="1800" dirty="0" smtClean="0"/>
-          </a:p>
-          <a:p>
-            <a:r>
-              <a:rPr lang="en-US" altLang="ja-JP" sz="1800" b="0" dirty="0" smtClean="0"/>
-              <a:t>①</a:t>
-            </a:r>
-            <a:r>
-              <a:rPr lang="ja-JP" altLang="en-US" sz="1800" b="0" dirty="0" smtClean="0"/>
-              <a:t>入庫基準滞留時間を定義：</a:t>
-            </a:r>
-            <a:r>
-              <a:rPr lang="en-US" altLang="ja-JP" sz="1800" b="0" dirty="0" smtClean="0"/>
-              <a:t>4.3H</a:t>
-            </a:r>
-          </a:p>
-          <a:p>
-            <a:r>
-              <a:rPr lang="en-US" altLang="ja-JP" sz="1800" b="0" dirty="0"/>
-              <a:t> </a:t>
-            </a:r>
-            <a:r>
-              <a:rPr lang="en-US" altLang="ja-JP" sz="1800" b="0" dirty="0" smtClean="0"/>
-              <a:t>  </a:t>
-            </a:r>
-            <a:r>
-              <a:rPr lang="ja-JP" altLang="en-US" sz="1800" b="0" dirty="0" smtClean="0"/>
-              <a:t>荷下ろし</a:t>
-            </a:r>
-            <a:r>
-              <a:rPr lang="en-US" altLang="ja-JP" sz="1800" b="0" dirty="0" smtClean="0"/>
-              <a:t>60</a:t>
-            </a:r>
-            <a:r>
-              <a:rPr lang="ja-JP" altLang="en-US" sz="1800" b="0" dirty="0" smtClean="0"/>
-              <a:t>分</a:t>
-            </a:r>
-            <a:r>
-              <a:rPr lang="en-US" altLang="ja-JP" sz="1800" b="0" dirty="0" smtClean="0"/>
-              <a:t>+</a:t>
-            </a:r>
-            <a:r>
-              <a:rPr lang="ja-JP" altLang="en-US" sz="1800" b="0" dirty="0" smtClean="0"/>
-              <a:t>一時仮置きから入庫</a:t>
-            </a:r>
-            <a:r>
-              <a:rPr lang="en-US" altLang="ja-JP" sz="1800" b="0" dirty="0" smtClean="0"/>
-              <a:t>200</a:t>
-            </a:r>
-            <a:r>
-              <a:rPr lang="ja-JP" altLang="en-US" sz="1800" b="0" dirty="0" smtClean="0"/>
-              <a:t>分</a:t>
-            </a:r>
-            <a:r>
-              <a:rPr lang="en-US" altLang="ja-JP" sz="1800" b="0" dirty="0" smtClean="0"/>
-              <a:t>=4.3H</a:t>
-            </a:r>
-            <a:r>
-              <a:rPr lang="ja-JP" altLang="en-US" sz="1800" b="0" dirty="0" smtClean="0"/>
-              <a:t>　（参考：生革部さんの入庫変動原因調査より）</a:t>
-            </a:r>
-            <a:endParaRPr lang="en-US" altLang="ja-JP" sz="1800" b="0" dirty="0" smtClean="0"/>
-          </a:p>
-          <a:p>
-            <a:r>
-              <a:rPr lang="en-US" altLang="ja-JP" sz="1800" b="0" dirty="0" smtClean="0"/>
-              <a:t>②</a:t>
-            </a:r>
-            <a:r>
-              <a:rPr lang="ja-JP" altLang="en-US" sz="1800" b="0" dirty="0" smtClean="0"/>
-              <a:t>入庫基準滞留時間に入る割合と入らない割合を計算</a:t>
-            </a:r>
-            <a:endParaRPr lang="en-US" altLang="ja-JP" sz="1800" b="0" dirty="0" smtClean="0"/>
-          </a:p>
-          <a:p>
-            <a:endParaRPr lang="en-US" altLang="ja-JP" sz="1800" b="0" dirty="0"/>
-          </a:p>
-          <a:p>
-            <a:pPr marL="342900" indent="-342900">
-              <a:buAutoNum type="arabicPeriod"/>
-            </a:pPr>
-            <a:endParaRPr lang="en-US" altLang="ja-JP" sz="1800" b="0" dirty="0" smtClean="0"/>
+              <a:rPr kumimoji="1" lang="ja-JP" altLang="en-US" dirty="0" smtClean="0"/>
+              <a:t>を</a:t>
+            </a:r>
+            <a:endParaRPr kumimoji="1" lang="en-US" altLang="ja-JP" dirty="0" smtClean="0"/>
           </a:p>
         </p:txBody>
       </p:sp>
@@ -26769,6 +27068,10 @@
           <a:bodyPr/>
           <a:lstStyle/>
           <a:p>
+            <a:r>
+              <a:rPr kumimoji="1" lang="ja-JP" altLang="en-US" dirty="0" smtClean="0"/>
+              <a:t>データ可視化</a:t>
+            </a:r>
             <a:endParaRPr kumimoji="1" lang="ja-JP" altLang="en-US" dirty="0"/>
           </a:p>
         </p:txBody>
@@ -26791,16 +27094,66 @@
             <a:fld id="{FCAFAC13-DB77-42F2-BE26-45BA5532FD50}" type="datetime4">
               <a:rPr lang="en-US" altLang="ja-JP" smtClean="0"/>
               <a:pPr/>
-              <a:t>2023年 10月 21日 </a:t>
+              <a:t>2023年 10月 23日 </a:t>
             </a:fld>
             <a:endParaRPr lang="en-US" dirty="0"/>
+          </a:p>
+        </p:txBody>
+      </p:sp>
+      <p:sp>
+        <p:nvSpPr>
+          <p:cNvPr id="5" name="正方形/長方形 4"/>
+          <p:cNvSpPr/>
+          <p:nvPr/>
+        </p:nvSpPr>
+        <p:spPr>
+          <a:xfrm>
+            <a:off x="552712" y="2657365"/>
+            <a:ext cx="3563227" cy="2586815"/>
+          </a:xfrm>
+          <a:prstGeom prst="rect">
+            <a:avLst/>
+          </a:prstGeom>
+        </p:spPr>
+        <p:style>
+          <a:lnRef idx="1">
+            <a:schemeClr val="accent1"/>
+          </a:lnRef>
+          <a:fillRef idx="3">
+            <a:schemeClr val="accent1"/>
+          </a:fillRef>
+          <a:effectRef idx="2">
+            <a:schemeClr val="accent1"/>
+          </a:effectRef>
+          <a:fontRef idx="minor">
+            <a:schemeClr val="lt1"/>
+          </a:fontRef>
+        </p:style>
+        <p:txBody>
+          <a:bodyPr rtlCol="0" anchor="ctr"/>
+          <a:lstStyle/>
+          <a:p>
+            <a:pPr algn="ctr"/>
+            <a:r>
+              <a:rPr kumimoji="1" lang="ja-JP" altLang="en-US" dirty="0" smtClean="0"/>
+              <a:t>お昼長い</a:t>
+            </a:r>
+            <a:endParaRPr kumimoji="1" lang="en-US" altLang="ja-JP" dirty="0" smtClean="0"/>
+          </a:p>
+          <a:p>
+            <a:pPr algn="ctr"/>
+            <a:r>
+              <a:rPr lang="ja-JP" altLang="en-US" dirty="0" smtClean="0"/>
+              <a:t>ここを手掛かりに分析を進める</a:t>
+            </a:r>
+            <a:endParaRPr kumimoji="1" lang="ja-JP" altLang="en-US" dirty="0"/>
           </a:p>
         </p:txBody>
       </p:sp>
     </p:spTree>
     <p:extLst>
       <p:ext uri="{BB962C8B-B14F-4D97-AF65-F5344CB8AC3E}">
-        <p14:creationId xmlns:p14="http://schemas.microsoft.com/office/powerpoint/2010/main" val="990254464"/>
+        <p14:creationId xmlns:p14="http://schemas.microsoft.com/office/powerpoint/2010/main" val="663248734"/>
       </p:ext>
     </p:extLst>
   </p:cSld>
@@ -26843,283 +27196,124 @@
           <a:lstStyle/>
           <a:p>
             <a:r>
-              <a:rPr kumimoji="1" lang="en-US" altLang="ja-JP" sz="1800" dirty="0" smtClean="0"/>
+              <a:rPr lang="en-US" altLang="ja-JP" sz="1800" dirty="0" smtClean="0"/>
               <a:t>◇</a:t>
             </a:r>
             <a:r>
-              <a:rPr kumimoji="1" lang="ja-JP" altLang="en-US" sz="1800" dirty="0" smtClean="0"/>
-              <a:t>結果</a:t>
-            </a:r>
+              <a:rPr lang="ja-JP" altLang="en-US" sz="1800" dirty="0" smtClean="0"/>
+              <a:t>仮説</a:t>
+            </a:r>
+            <a:endParaRPr lang="en-US" altLang="ja-JP" sz="1800" dirty="0" smtClean="0"/>
+          </a:p>
+          <a:p>
+            <a:r>
+              <a:rPr lang="ja-JP" altLang="en-US" sz="1800" b="0" dirty="0" smtClean="0"/>
+              <a:t>・お昼過ぎに納入されたものは、次の便が到着するまでに入庫作業をやり切れていないため、</a:t>
+            </a:r>
+            <a:r>
+              <a:rPr lang="en-US" altLang="ja-JP" sz="1800" b="0" dirty="0" smtClean="0"/>
+              <a:t>LT</a:t>
+            </a:r>
+            <a:r>
+              <a:rPr lang="ja-JP" altLang="en-US" sz="1800" b="0" dirty="0" smtClean="0"/>
+              <a:t>が伸びる</a:t>
+            </a:r>
+            <a:endParaRPr lang="en-US" altLang="ja-JP" sz="1800" b="0" dirty="0"/>
+          </a:p>
+          <a:p>
             <a:endParaRPr kumimoji="1" lang="en-US" altLang="ja-JP" sz="1800" dirty="0" smtClean="0"/>
           </a:p>
           <a:p>
             <a:r>
+              <a:rPr lang="en-US" altLang="ja-JP" sz="1800" dirty="0" smtClean="0"/>
+              <a:t>◇</a:t>
+            </a:r>
+            <a:r>
+              <a:rPr lang="ja-JP" altLang="en-US" sz="1800" dirty="0" smtClean="0"/>
+              <a:t>検証方法</a:t>
+            </a:r>
+            <a:endParaRPr lang="en-US" altLang="ja-JP" sz="1800" dirty="0" smtClean="0"/>
+          </a:p>
+          <a:p>
+            <a:r>
+              <a:rPr lang="en-US" altLang="ja-JP" sz="1800" b="0" dirty="0" smtClean="0"/>
+              <a:t>①</a:t>
+            </a:r>
+            <a:r>
               <a:rPr lang="ja-JP" altLang="en-US" sz="1800" b="0" dirty="0" smtClean="0"/>
-              <a:t>・お昼過ぎに納入されたものの</a:t>
+              <a:t>入庫基準滞留時間を定義：</a:t>
             </a:r>
             <a:r>
               <a:rPr lang="en-US" altLang="ja-JP" sz="1800" b="0" dirty="0" smtClean="0"/>
-              <a:t>8</a:t>
+              <a:t>4.3H</a:t>
+            </a:r>
+          </a:p>
+          <a:p>
+            <a:r>
+              <a:rPr lang="en-US" altLang="ja-JP" sz="1800" b="0" dirty="0"/>
+              <a:t> </a:t>
+            </a:r>
+            <a:r>
+              <a:rPr lang="en-US" altLang="ja-JP" sz="1800" b="0" dirty="0" smtClean="0"/>
+              <a:t>  </a:t>
             </a:r>
             <a:r>
               <a:rPr lang="ja-JP" altLang="en-US" sz="1800" b="0" dirty="0" smtClean="0"/>
-              <a:t>割は、入庫基準時間内に入庫できていない</a:t>
+              <a:t>荷下ろし</a:t>
+            </a:r>
+            <a:r>
+              <a:rPr lang="en-US" altLang="ja-JP" sz="1800" b="0" dirty="0" smtClean="0"/>
+              <a:t>60</a:t>
+            </a:r>
+            <a:r>
+              <a:rPr lang="ja-JP" altLang="en-US" sz="1800" b="0" dirty="0" smtClean="0"/>
+              <a:t>分</a:t>
+            </a:r>
+            <a:r>
+              <a:rPr lang="en-US" altLang="ja-JP" sz="1800" b="0" dirty="0" smtClean="0"/>
+              <a:t>+</a:t>
+            </a:r>
+            <a:r>
+              <a:rPr lang="ja-JP" altLang="en-US" sz="1800" b="0" dirty="0" smtClean="0"/>
+              <a:t>一時仮置きから入庫</a:t>
+            </a:r>
+            <a:r>
+              <a:rPr lang="en-US" altLang="ja-JP" sz="1800" b="0" dirty="0" smtClean="0"/>
+              <a:t>200</a:t>
+            </a:r>
+            <a:r>
+              <a:rPr lang="ja-JP" altLang="en-US" sz="1800" b="0" dirty="0" smtClean="0"/>
+              <a:t>分</a:t>
+            </a:r>
+            <a:r>
+              <a:rPr lang="en-US" altLang="ja-JP" sz="1800" b="0" dirty="0" smtClean="0"/>
+              <a:t>=4.3H</a:t>
+            </a:r>
+            <a:r>
+              <a:rPr lang="ja-JP" altLang="en-US" sz="1800" b="0" dirty="0" smtClean="0"/>
+              <a:t>　（参考：生革部さんの入庫変動原因調査より）</a:t>
             </a:r>
             <a:endParaRPr lang="en-US" altLang="ja-JP" sz="1800" b="0" dirty="0" smtClean="0"/>
           </a:p>
           <a:p>
             <a:r>
-              <a:rPr kumimoji="1" lang="ja-JP" altLang="ja-JP" sz="1800" b="0" dirty="0"/>
-              <a:t>　</a:t>
-            </a:r>
-            <a:r>
-              <a:rPr kumimoji="1" lang="en-US" altLang="ja-JP" sz="1800" b="0" dirty="0" smtClean="0"/>
-              <a:t>→◇</a:t>
-            </a:r>
-            <a:r>
-              <a:rPr kumimoji="1" lang="ja-JP" altLang="en-US" sz="1800" b="0" dirty="0" smtClean="0"/>
-              <a:t>なぜ？ </a:t>
-            </a:r>
-            <a:endParaRPr kumimoji="1" lang="en-US" altLang="ja-JP" sz="1800" b="0" dirty="0" smtClean="0"/>
-          </a:p>
-          <a:p>
+              <a:rPr lang="en-US" altLang="ja-JP" sz="1800" b="0" dirty="0" smtClean="0"/>
+              <a:t>②</a:t>
+            </a:r>
             <a:r>
               <a:rPr lang="ja-JP" altLang="en-US" sz="1800" b="0" dirty="0" smtClean="0"/>
-              <a:t>　・</a:t>
-            </a:r>
-            <a:r>
-              <a:rPr lang="ja-JP" altLang="en-US" sz="1800" b="0" dirty="0" smtClean="0">
-                <a:solidFill>
-                  <a:srgbClr val="FF0000"/>
-                </a:solidFill>
-              </a:rPr>
-              <a:t>昼</a:t>
-            </a:r>
-            <a:r>
-              <a:rPr lang="ja-JP" altLang="en-US" sz="1800" b="0" dirty="0">
-                <a:solidFill>
-                  <a:srgbClr val="FF0000"/>
-                </a:solidFill>
-              </a:rPr>
-              <a:t>勤と夜勤の切り替わりの時間（</a:t>
-            </a:r>
-            <a:r>
-              <a:rPr lang="en-US" altLang="ja-JP" sz="1800" b="0" dirty="0">
-                <a:solidFill>
-                  <a:srgbClr val="FF0000"/>
-                </a:solidFill>
-              </a:rPr>
-              <a:t>17:30〜22:00</a:t>
-            </a:r>
-            <a:r>
-              <a:rPr lang="ja-JP" altLang="en-US" sz="1800" b="0" dirty="0">
-                <a:solidFill>
-                  <a:srgbClr val="FF0000"/>
-                </a:solidFill>
-              </a:rPr>
-              <a:t>）で入庫作業が行われて</a:t>
-            </a:r>
-            <a:r>
-              <a:rPr lang="ja-JP" altLang="en-US" sz="1800" b="0" dirty="0" smtClean="0">
-                <a:solidFill>
-                  <a:srgbClr val="FF0000"/>
-                </a:solidFill>
-              </a:rPr>
-              <a:t>いない</a:t>
-            </a:r>
-            <a:r>
-              <a:rPr lang="ja-JP" altLang="en-US" sz="1800" b="0" dirty="0" smtClean="0">
-                <a:solidFill>
-                  <a:srgbClr val="FF0000"/>
-                </a:solidFill>
-              </a:rPr>
-              <a:t>から</a:t>
-            </a:r>
-            <a:endParaRPr lang="en-US" altLang="ja-JP" sz="1800" b="0" dirty="0" smtClean="0">
-              <a:solidFill>
-                <a:srgbClr val="FF0000"/>
-              </a:solidFill>
-            </a:endParaRPr>
-          </a:p>
-          <a:p>
-            <a:r>
-              <a:rPr lang="ja-JP" altLang="ja-JP" sz="1800" b="0" dirty="0"/>
-              <a:t>　</a:t>
-            </a:r>
-            <a:r>
-              <a:rPr lang="ja-JP" altLang="en-US" sz="1800" b="0" dirty="0" smtClean="0"/>
-              <a:t>　（</a:t>
-            </a:r>
-            <a:r>
-              <a:rPr lang="ja-JP" altLang="en-US" sz="1800" b="0" dirty="0" smtClean="0"/>
-              <a:t>設計値</a:t>
-            </a:r>
-            <a:r>
-              <a:rPr lang="ja-JP" altLang="en-US" sz="1800" b="0" dirty="0"/>
-              <a:t>超過分の約</a:t>
-            </a:r>
-            <a:r>
-              <a:rPr lang="en-US" altLang="ja-JP" sz="1800" b="0" dirty="0"/>
-              <a:t>0.18</a:t>
-            </a:r>
-            <a:r>
-              <a:rPr lang="ja-JP" altLang="en-US" sz="1800" b="0" dirty="0"/>
-              <a:t>日</a:t>
-            </a:r>
-            <a:r>
-              <a:rPr lang="en-US" altLang="ja-JP" sz="1800" b="0" dirty="0"/>
-              <a:t>=4.3</a:t>
-            </a:r>
-            <a:r>
-              <a:rPr lang="ja-JP" altLang="en-US" sz="1800" b="0" dirty="0"/>
-              <a:t>時間が昼勤夜勤の切り替わりの時間</a:t>
-            </a:r>
-            <a:r>
-              <a:rPr lang="ja-JP" altLang="en-US" sz="1800" b="0" dirty="0" smtClean="0"/>
-              <a:t>と</a:t>
-            </a:r>
-            <a:r>
-              <a:rPr lang="ja-JP" altLang="en-US" sz="1800" b="0" dirty="0" smtClean="0"/>
-              <a:t>ほぼ</a:t>
-            </a:r>
-            <a:r>
-              <a:rPr lang="ja-JP" altLang="en-US" sz="1800" b="0" dirty="0" smtClean="0"/>
-              <a:t>一致</a:t>
-            </a:r>
-            <a:r>
-              <a:rPr lang="ja-JP" altLang="en-US" sz="1800" b="0" dirty="0" smtClean="0"/>
-              <a:t>）</a:t>
-            </a:r>
+              <a:t>入庫基準滞留時間に入る割合と入らない割合を計算</a:t>
+            </a:r>
+            <a:endParaRPr lang="en-US" altLang="ja-JP" sz="1800" b="0" dirty="0" smtClean="0"/>
+          </a:p>
+          <a:p>
             <a:endParaRPr lang="en-US" altLang="ja-JP" sz="1800" b="0" dirty="0"/>
           </a:p>
           <a:p>
-            <a:endParaRPr kumimoji="1" lang="en-US" altLang="ja-JP" sz="1800" b="0" dirty="0" smtClean="0"/>
-          </a:p>
-          <a:p>
-            <a:r>
-              <a:rPr lang="ja-JP" altLang="en-US" sz="1800" b="0" dirty="0" smtClean="0"/>
-              <a:t>・すべての便で入庫作業を基準時間内でやり切れていない。</a:t>
-            </a:r>
+            <a:pPr marL="342900" indent="-342900">
+              <a:buAutoNum type="arabicPeriod"/>
+            </a:pPr>
             <a:endParaRPr lang="en-US" altLang="ja-JP" sz="1800" b="0" dirty="0" smtClean="0"/>
-          </a:p>
-          <a:p>
-            <a:r>
-              <a:rPr lang="ja-JP" altLang="ja-JP" sz="1800" b="0" dirty="0"/>
-              <a:t>　</a:t>
-            </a:r>
-            <a:r>
-              <a:rPr lang="ja-JP" altLang="en-US" sz="1800" b="0" dirty="0" smtClean="0"/>
-              <a:t>特に、</a:t>
-            </a:r>
-            <a:r>
-              <a:rPr lang="ja-JP" altLang="en-US" sz="1800" b="0" dirty="0" smtClean="0">
-                <a:solidFill>
-                  <a:srgbClr val="FF0000"/>
-                </a:solidFill>
-              </a:rPr>
-              <a:t>納入（検収）されるかんばん数が多い時間帯ほど、</a:t>
-            </a:r>
-            <a:r>
-              <a:rPr lang="ja-JP" altLang="en-US" sz="1800" b="0" dirty="0">
-                <a:solidFill>
-                  <a:srgbClr val="FF0000"/>
-                </a:solidFill>
-              </a:rPr>
-              <a:t>入庫作業を基準時間内でやり切れていない</a:t>
-            </a:r>
-            <a:r>
-              <a:rPr lang="ja-JP" altLang="en-US" sz="1800" b="0" dirty="0" smtClean="0"/>
-              <a:t>。</a:t>
-            </a:r>
-            <a:endParaRPr lang="en-US" altLang="ja-JP" sz="1800" b="0" dirty="0" smtClean="0"/>
-          </a:p>
-          <a:p>
-            <a:r>
-              <a:rPr lang="ja-JP" altLang="ja-JP" sz="1800" b="0" dirty="0"/>
-              <a:t>　</a:t>
-            </a:r>
-            <a:r>
-              <a:rPr lang="en-US" altLang="ja-JP" sz="1800" b="0" dirty="0" smtClean="0"/>
-              <a:t>→◇</a:t>
-            </a:r>
-            <a:r>
-              <a:rPr lang="ja-JP" altLang="en-US" sz="1800" b="0" dirty="0" smtClean="0"/>
-              <a:t>なぜ？</a:t>
-            </a:r>
-            <a:endParaRPr lang="en-US" altLang="ja-JP" sz="1800" b="0" dirty="0" smtClean="0"/>
-          </a:p>
-          <a:p>
-            <a:r>
-              <a:rPr lang="ja-JP" altLang="ja-JP" sz="1800" b="0" dirty="0"/>
-              <a:t>　</a:t>
-            </a:r>
-            <a:r>
-              <a:rPr lang="ja-JP" altLang="en-US" sz="1800" b="0" strike="sngStrike" dirty="0" smtClean="0"/>
-              <a:t>a</a:t>
-            </a:r>
-            <a:r>
-              <a:rPr lang="en-US" altLang="ja-JP" sz="1800" b="0" strike="sngStrike" dirty="0" smtClean="0"/>
-              <a:t>.</a:t>
-            </a:r>
-            <a:r>
-              <a:rPr lang="ja-JP" altLang="en-US" sz="1800" b="0" strike="sngStrike" dirty="0" smtClean="0"/>
-              <a:t> かんばん数が多いため、複数の便に分かれて運ばれている　</a:t>
-            </a:r>
-            <a:r>
-              <a:rPr lang="en-US" altLang="ja-JP" sz="1800" b="0" strike="sngStrike" dirty="0" smtClean="0"/>
-              <a:t>→</a:t>
-            </a:r>
-            <a:r>
-              <a:rPr lang="ja-JP" altLang="en-US" sz="1800" b="0" strike="sngStrike" dirty="0" smtClean="0"/>
-              <a:t> データがないため分析不可</a:t>
-            </a:r>
-            <a:endParaRPr lang="en-US" altLang="ja-JP" sz="1800" b="0" strike="sngStrike" dirty="0" smtClean="0"/>
-          </a:p>
-          <a:p>
-            <a:r>
-              <a:rPr lang="ja-JP" altLang="ja-JP" sz="1800" b="0" dirty="0"/>
-              <a:t>　</a:t>
-            </a:r>
-            <a:r>
-              <a:rPr lang="ja-JP" altLang="en-US" sz="1800" b="0" dirty="0" smtClean="0"/>
-              <a:t>b</a:t>
-            </a:r>
-            <a:r>
-              <a:rPr lang="en-US" altLang="ja-JP" sz="1800" b="0" dirty="0" smtClean="0"/>
-              <a:t>.</a:t>
-            </a:r>
-            <a:r>
-              <a:rPr lang="ja-JP" altLang="en-US" sz="1800" b="0" dirty="0" smtClean="0"/>
-              <a:t> かんばん数が多いため、入庫作業に時間がかかる</a:t>
-            </a:r>
-            <a:r>
-              <a:rPr lang="en-US" altLang="ja-JP" sz="1800" b="0" dirty="0" smtClean="0"/>
-              <a:t>/</a:t>
-            </a:r>
-            <a:r>
-              <a:rPr lang="ja-JP" altLang="en-US" sz="1800" b="0" dirty="0" smtClean="0"/>
-              <a:t>入庫されず</a:t>
-            </a:r>
-            <a:r>
-              <a:rPr lang="ja-JP" altLang="en-US" sz="1800" b="0" dirty="0"/>
-              <a:t>一時仮置場で留置</a:t>
-            </a:r>
-            <a:r>
-              <a:rPr lang="ja-JP" altLang="en-US" sz="1800" b="0" dirty="0" smtClean="0"/>
-              <a:t>　</a:t>
-            </a:r>
-            <a:r>
-              <a:rPr lang="en-US" altLang="ja-JP" sz="1800" b="0" dirty="0" smtClean="0"/>
-              <a:t>→</a:t>
-            </a:r>
-            <a:r>
-              <a:rPr lang="ja-JP" altLang="en-US" sz="1800" b="0" dirty="0" smtClean="0"/>
-              <a:t> 次ページ詳細分析</a:t>
-            </a:r>
-            <a:endParaRPr lang="en-US" altLang="ja-JP" sz="1800" b="0" dirty="0" smtClean="0"/>
-          </a:p>
-          <a:p>
-            <a:endParaRPr lang="en-US" altLang="ja-JP" sz="1800" b="0" dirty="0"/>
           </a:p>
         </p:txBody>
       </p:sp>
@@ -27160,170 +27354,16 @@
             <a:fld id="{FCAFAC13-DB77-42F2-BE26-45BA5532FD50}" type="datetime4">
               <a:rPr lang="en-US" altLang="ja-JP" smtClean="0"/>
               <a:pPr/>
-              <a:t>2023年 10月 22日 </a:t>
+              <a:t>2023年 10月 23日 </a:t>
             </a:fld>
             <a:endParaRPr lang="en-US" dirty="0"/>
-          </a:p>
-        </p:txBody>
-      </p:sp>
-      <p:sp>
-        <p:nvSpPr>
-          <p:cNvPr id="15" name="テキスト ボックス 14"/>
-          <p:cNvSpPr txBox="1"/>
-          <p:nvPr/>
-        </p:nvSpPr>
-        <p:spPr>
-          <a:xfrm>
-            <a:off x="112889" y="5108222"/>
-            <a:ext cx="184666" cy="369332"/>
-          </a:xfrm>
-          <a:prstGeom prst="rect">
-            <a:avLst/>
-          </a:prstGeom>
-          <a:noFill/>
-        </p:spPr>
-        <p:txBody>
-          <a:bodyPr wrap="none" rtlCol="0">
-            <a:spAutoFit/>
-          </a:bodyPr>
-          <a:lstStyle/>
-          <a:p>
-            <a:endParaRPr kumimoji="1" lang="ja-JP" altLang="en-US" dirty="0"/>
-          </a:p>
-        </p:txBody>
-      </p:sp>
-      <p:pic>
-        <p:nvPicPr>
-          <p:cNvPr id="16" name="図 15"/>
-          <p:cNvPicPr>
-            <a:picLocks noChangeAspect="1"/>
-          </p:cNvPicPr>
-          <p:nvPr/>
-        </p:nvPicPr>
-        <p:blipFill>
-          <a:blip r:embed="rId2"/>
-          <a:stretch>
-            <a:fillRect/>
-          </a:stretch>
-        </p:blipFill>
-        <p:spPr>
-          <a:xfrm>
-            <a:off x="454377" y="4346222"/>
-            <a:ext cx="11318528" cy="1787877"/>
-          </a:xfrm>
-          <a:prstGeom prst="rect">
-            <a:avLst/>
-          </a:prstGeom>
-        </p:spPr>
-      </p:pic>
-      <p:pic>
-        <p:nvPicPr>
-          <p:cNvPr id="17" name="図 16"/>
-          <p:cNvPicPr>
-            <a:picLocks noChangeAspect="1"/>
-          </p:cNvPicPr>
-          <p:nvPr/>
-        </p:nvPicPr>
-        <p:blipFill>
-          <a:blip r:embed="rId3"/>
-          <a:stretch>
-            <a:fillRect/>
-          </a:stretch>
-        </p:blipFill>
-        <p:spPr>
-          <a:xfrm>
-            <a:off x="9736667" y="853356"/>
-            <a:ext cx="2455333" cy="1416163"/>
-          </a:xfrm>
-          <a:prstGeom prst="rect">
-            <a:avLst/>
-          </a:prstGeom>
-        </p:spPr>
-      </p:pic>
-      <p:sp>
-        <p:nvSpPr>
-          <p:cNvPr id="19" name="テキスト ボックス 18"/>
-          <p:cNvSpPr txBox="1"/>
-          <p:nvPr/>
-        </p:nvSpPr>
-        <p:spPr>
-          <a:xfrm>
-            <a:off x="9059333" y="2257778"/>
-            <a:ext cx="3132667" cy="307777"/>
-          </a:xfrm>
-          <a:prstGeom prst="rect">
-            <a:avLst/>
-          </a:prstGeom>
-          <a:noFill/>
-        </p:spPr>
-        <p:txBody>
-          <a:bodyPr wrap="square" rtlCol="0">
-            <a:spAutoFit/>
-          </a:bodyPr>
-          <a:lstStyle/>
-          <a:p>
-            <a:r>
-              <a:rPr lang="ja-JP" altLang="en-US" sz="1400" dirty="0" smtClean="0"/>
-              <a:t>参考：</a:t>
-            </a:r>
-            <a:r>
-              <a:rPr lang="ja-JP" altLang="en-US" sz="1400" dirty="0" smtClean="0"/>
-              <a:t>４便直後</a:t>
-            </a:r>
-            <a:r>
-              <a:rPr lang="ja-JP" altLang="en-US" sz="1400" dirty="0" smtClean="0"/>
-              <a:t>（夜勤前）</a:t>
-            </a:r>
-            <a:r>
-              <a:rPr lang="ja-JP" altLang="en-US" sz="1400" dirty="0" smtClean="0"/>
-              <a:t>の</a:t>
-            </a:r>
-            <a:r>
-              <a:rPr lang="ja-JP" altLang="en-US" sz="1400" dirty="0"/>
-              <a:t>順立前</a:t>
-            </a:r>
-            <a:endParaRPr lang="en-US" altLang="ja-JP" sz="1400" dirty="0"/>
-          </a:p>
-        </p:txBody>
-      </p:sp>
-      <p:sp>
-        <p:nvSpPr>
-          <p:cNvPr id="20" name="テキスト ボックス 19"/>
-          <p:cNvSpPr txBox="1"/>
-          <p:nvPr/>
-        </p:nvSpPr>
-        <p:spPr>
-          <a:xfrm>
-            <a:off x="434622" y="6149623"/>
-            <a:ext cx="4603045" cy="307777"/>
-          </a:xfrm>
-          <a:prstGeom prst="rect">
-            <a:avLst/>
-          </a:prstGeom>
-          <a:noFill/>
-        </p:spPr>
-        <p:txBody>
-          <a:bodyPr wrap="square" rtlCol="0">
-            <a:spAutoFit/>
-          </a:bodyPr>
-          <a:lstStyle/>
-          <a:p>
-            <a:r>
-              <a:rPr lang="en-US" altLang="ja-JP" sz="1400" dirty="0" smtClean="0"/>
-              <a:t>※9</a:t>
-            </a:r>
-            <a:r>
-              <a:rPr lang="ja-JP" altLang="en-US" sz="1400" dirty="0" smtClean="0"/>
-              <a:t>月データより土日を含むデータを削除</a:t>
-            </a:r>
-            <a:endParaRPr lang="en-US" altLang="ja-JP" sz="1400" dirty="0"/>
           </a:p>
         </p:txBody>
       </p:sp>
     </p:spTree>
     <p:extLst>
       <p:ext uri="{BB962C8B-B14F-4D97-AF65-F5344CB8AC3E}">
-        <p14:creationId xmlns:p14="http://schemas.microsoft.com/office/powerpoint/2010/main" val="1137909715"/>
+        <p14:creationId xmlns:p14="http://schemas.microsoft.com/office/powerpoint/2010/main" val="990254464"/>
       </p:ext>
     </p:extLst>
   </p:cSld>
@@ -27557,7 +27597,7 @@
   <a:extraClrSchemeLst/>
   <a:extLst>
     <a:ext uri="{05A4C25C-085E-4340-85A3-A5531E510DB2}">
-      <thm15:themeFamily xmlns:thm15="http://schemas.microsoft.com/office/thememl/2012/main" xmlns="" name="アイシンwide" id="{9719132A-AE96-4650-9969-4ACCCCDBC9C1}" vid="{AC6CE65C-E27A-4279-9449-0AF11FFDAE82}"/>
+      <thm15:themeFamily xmlns="" xmlns:thm15="http://schemas.microsoft.com/office/thememl/2012/main" name="アイシンwide" id="{9719132A-AE96-4650-9969-4ACCCCDBC9C1}" vid="{AC6CE65C-E27A-4279-9449-0AF11FFDAE82}"/>
     </a:ext>
   </a:extLst>
 </a:theme>
@@ -27787,7 +27827,7 @@
   <a:extraClrSchemeLst/>
   <a:extLst>
     <a:ext uri="{05A4C25C-085E-4340-85A3-A5531E510DB2}">
-      <thm15:themeFamily xmlns:thm15="http://schemas.microsoft.com/office/thememl/2012/main" xmlns="" name="AISINフォーマット_wide.potx" id="{E6ED6B68-B8AB-4240-B5BF-953200F140CE}" vid="{8E07004A-0D74-49DA-BAAA-7DE141297473}"/>
+      <thm15:themeFamily xmlns="" xmlns:thm15="http://schemas.microsoft.com/office/thememl/2012/main" name="AISINフォーマット_wide.potx" id="{E6ED6B68-B8AB-4240-B5BF-953200F140CE}" vid="{8E07004A-0D74-49DA-BAAA-7DE141297473}"/>
     </a:ext>
   </a:extLst>
 </a:theme>
@@ -28046,7 +28086,7 @@
   <a:extraClrSchemeLst/>
   <a:extLst>
     <a:ext uri="{05A4C25C-085E-4340-85A3-A5531E510DB2}">
-      <thm15:themeFamily xmlns:thm15="http://schemas.microsoft.com/office/thememl/2012/main" xmlns="" name="AISINフォーマット_wide.potx" id="{E6ED6B68-B8AB-4240-B5BF-953200F140CE}" vid="{4B783BF8-DEA1-4518-93B8-7E4A5AC19B3A}"/>
+      <thm15:themeFamily xmlns="" xmlns:thm15="http://schemas.microsoft.com/office/thememl/2012/main" name="AISINフォーマット_wide.potx" id="{E6ED6B68-B8AB-4240-B5BF-953200F140CE}" vid="{4B783BF8-DEA1-4518-93B8-7E4A5AC19B3A}"/>
     </a:ext>
   </a:extLst>
 </a:theme>
@@ -28276,7 +28316,7 @@
   <a:extraClrSchemeLst/>
   <a:extLst>
     <a:ext uri="{05A4C25C-085E-4340-85A3-A5531E510DB2}">
-      <thm15:themeFamily xmlns:thm15="http://schemas.microsoft.com/office/thememl/2012/main" xmlns="" name="A4(AISIN)_関係社外秘.pptx" id="{0E61A696-DCC7-41FA-B91C-DE2E6FD3D105}" vid="{88604F16-AB26-4E05-98EE-030EE2A46DF3}"/>
+      <thm15:themeFamily xmlns="" xmlns:thm15="http://schemas.microsoft.com/office/thememl/2012/main" name="A4(AISIN)_関係社外秘.pptx" id="{0E61A696-DCC7-41FA-B91C-DE2E6FD3D105}" vid="{88604F16-AB26-4E05-98EE-030EE2A46DF3}"/>
     </a:ext>
   </a:extLst>
 </a:theme>
@@ -28537,7 +28577,7 @@
   <a:extraClrSchemeLst/>
   <a:extLst>
     <a:ext uri="{05A4C25C-085E-4340-85A3-A5531E510DB2}">
-      <thm15:themeFamily xmlns:thm15="http://schemas.microsoft.com/office/thememl/2012/main" xmlns="" name="Office Theme" id="{62F939B6-93AF-4DB8-9C6B-D6C7DFDC589F}" vid="{4A3C46E8-61CC-4603-A589-7422A47A8E4A}"/>
+      <thm15:themeFamily xmlns="" xmlns:thm15="http://schemas.microsoft.com/office/thememl/2012/main" name="Office Theme" id="{62F939B6-93AF-4DB8-9C6B-D6C7DFDC589F}" vid="{4A3C46E8-61CC-4603-A589-7422A47A8E4A}"/>
     </a:ext>
   </a:extLst>
 </a:theme>
